--- a/gan/fig/fig.pptx
+++ b/gan/fig/fig.pptx
@@ -716,8 +716,8 @@
           <a:p>
             <a:pPr algn="ctr"/>
             <a:r>
-              <a:rPr kumimoji="1" lang="ja-JP" altLang="en-US"/>
-              <a:t>偽金作者</a:t>
+              <a:rPr lang="ja-JP" altLang="en-US"/>
+              <a:t>偽造者</a:t>
             </a:r>
             <a:endParaRPr kumimoji="1" lang="en-US" altLang="ja-JP"/>
           </a:p>

--- a/gan/fig/fig.pptx
+++ b/gan/fig/fig.pptx
@@ -5,7 +5,9 @@
     <p:sldMasterId id="2147483660" r:id="rId1"/>
   </p:sldMasterIdLst>
   <p:sldIdLst>
-    <p:sldId id="256" r:id="rId2"/>
+    <p:sldId id="257" r:id="rId2"/>
+    <p:sldId id="258" r:id="rId3"/>
+    <p:sldId id="256" r:id="rId4"/>
   </p:sldIdLst>
   <p:sldSz cx="9144000" cy="6858000" type="screen4x3"/>
   <p:notesSz cx="6858000" cy="9144000"/>
@@ -486,6 +488,3046 @@
           <a:chExt cx="0" cy="0"/>
         </a:xfrm>
       </p:grpSpPr>
+      <p:grpSp>
+        <p:nvGrpSpPr>
+          <p:cNvPr id="57" name="グループ化 56">
+            <a:extLst>
+              <a:ext uri="{FF2B5EF4-FFF2-40B4-BE49-F238E27FC236}">
+                <a16:creationId xmlns:a16="http://schemas.microsoft.com/office/drawing/2014/main" id="{0D39A258-9D0D-C646-98FA-B9D69C6062E2}"/>
+              </a:ext>
+            </a:extLst>
+          </p:cNvPr>
+          <p:cNvGrpSpPr/>
+          <p:nvPr/>
+        </p:nvGrpSpPr>
+        <p:grpSpPr>
+          <a:xfrm>
+            <a:off x="401752" y="1481625"/>
+            <a:ext cx="3644901" cy="1850856"/>
+            <a:chOff x="899592" y="404664"/>
+            <a:chExt cx="4348937" cy="2208361"/>
+          </a:xfrm>
+        </p:grpSpPr>
+        <p:sp>
+          <p:nvSpPr>
+            <p:cNvPr id="4" name="正方形/長方形 3">
+              <a:extLst>
+                <a:ext uri="{FF2B5EF4-FFF2-40B4-BE49-F238E27FC236}">
+                  <a16:creationId xmlns:a16="http://schemas.microsoft.com/office/drawing/2014/main" id="{EC88C0FA-32A8-634C-9B1D-1CB32E197EF4}"/>
+                </a:ext>
+              </a:extLst>
+            </p:cNvPr>
+            <p:cNvSpPr/>
+            <p:nvPr/>
+          </p:nvSpPr>
+          <p:spPr>
+            <a:xfrm>
+              <a:off x="899592" y="404664"/>
+              <a:ext cx="144016" cy="1008112"/>
+            </a:xfrm>
+            <a:prstGeom prst="rect">
+              <a:avLst/>
+            </a:prstGeom>
+            <a:solidFill>
+              <a:srgbClr val="FFC000"/>
+            </a:solidFill>
+            <a:ln>
+              <a:solidFill>
+                <a:schemeClr val="tx1"/>
+              </a:solidFill>
+            </a:ln>
+          </p:spPr>
+          <p:style>
+            <a:lnRef idx="2">
+              <a:schemeClr val="accent1">
+                <a:shade val="50000"/>
+              </a:schemeClr>
+            </a:lnRef>
+            <a:fillRef idx="1">
+              <a:schemeClr val="accent1"/>
+            </a:fillRef>
+            <a:effectRef idx="0">
+              <a:schemeClr val="accent1"/>
+            </a:effectRef>
+            <a:fontRef idx="minor">
+              <a:schemeClr val="lt1"/>
+            </a:fontRef>
+          </p:style>
+          <p:txBody>
+            <a:bodyPr rtlCol="0" anchor="ctr"/>
+            <a:lstStyle/>
+            <a:p>
+              <a:pPr algn="ctr"/>
+              <a:endParaRPr kumimoji="1" lang="ja-JP" altLang="en-US"/>
+            </a:p>
+          </p:txBody>
+        </p:sp>
+        <p:sp>
+          <p:nvSpPr>
+            <p:cNvPr id="5" name="正方形/長方形 4">
+              <a:extLst>
+                <a:ext uri="{FF2B5EF4-FFF2-40B4-BE49-F238E27FC236}">
+                  <a16:creationId xmlns:a16="http://schemas.microsoft.com/office/drawing/2014/main" id="{14DBE63E-ADD6-AE47-AE6A-71B0890CE922}"/>
+                </a:ext>
+              </a:extLst>
+            </p:cNvPr>
+            <p:cNvSpPr/>
+            <p:nvPr/>
+          </p:nvSpPr>
+          <p:spPr>
+            <a:xfrm>
+              <a:off x="899592" y="1412776"/>
+              <a:ext cx="3168352" cy="144016"/>
+            </a:xfrm>
+            <a:prstGeom prst="rect">
+              <a:avLst/>
+            </a:prstGeom>
+            <a:solidFill>
+              <a:srgbClr val="FFC000"/>
+            </a:solidFill>
+            <a:ln>
+              <a:solidFill>
+                <a:schemeClr val="tx1"/>
+              </a:solidFill>
+            </a:ln>
+          </p:spPr>
+          <p:style>
+            <a:lnRef idx="2">
+              <a:schemeClr val="accent1">
+                <a:shade val="50000"/>
+              </a:schemeClr>
+            </a:lnRef>
+            <a:fillRef idx="1">
+              <a:schemeClr val="accent1"/>
+            </a:fillRef>
+            <a:effectRef idx="0">
+              <a:schemeClr val="accent1"/>
+            </a:effectRef>
+            <a:fontRef idx="minor">
+              <a:schemeClr val="lt1"/>
+            </a:fontRef>
+          </p:style>
+          <p:txBody>
+            <a:bodyPr rtlCol="0" anchor="ctr"/>
+            <a:lstStyle/>
+            <a:p>
+              <a:pPr algn="ctr"/>
+              <a:endParaRPr kumimoji="1" lang="ja-JP" altLang="en-US"/>
+            </a:p>
+          </p:txBody>
+        </p:sp>
+        <p:grpSp>
+          <p:nvGrpSpPr>
+            <p:cNvPr id="25" name="グループ化 24">
+              <a:extLst>
+                <a:ext uri="{FF2B5EF4-FFF2-40B4-BE49-F238E27FC236}">
+                  <a16:creationId xmlns:a16="http://schemas.microsoft.com/office/drawing/2014/main" id="{D6970A2F-D4FF-1348-A3E9-187540FB7CF2}"/>
+                </a:ext>
+              </a:extLst>
+            </p:cNvPr>
+            <p:cNvGrpSpPr/>
+            <p:nvPr/>
+          </p:nvGrpSpPr>
+          <p:grpSpPr>
+            <a:xfrm>
+              <a:off x="1043608" y="692696"/>
+              <a:ext cx="2736304" cy="504056"/>
+              <a:chOff x="899592" y="2492896"/>
+              <a:chExt cx="6768752" cy="1152128"/>
+            </a:xfrm>
+          </p:grpSpPr>
+          <p:sp>
+            <p:nvSpPr>
+              <p:cNvPr id="8" name="円弧 7">
+                <a:extLst>
+                  <a:ext uri="{FF2B5EF4-FFF2-40B4-BE49-F238E27FC236}">
+                    <a16:creationId xmlns:a16="http://schemas.microsoft.com/office/drawing/2014/main" id="{C378F132-7703-8F49-B1E4-17D1BF1FEA8F}"/>
+                  </a:ext>
+                </a:extLst>
+              </p:cNvPr>
+              <p:cNvSpPr/>
+              <p:nvPr/>
+            </p:nvSpPr>
+            <p:spPr>
+              <a:xfrm rot="16200000">
+                <a:off x="2411760" y="2492896"/>
+                <a:ext cx="1152128" cy="1152128"/>
+              </a:xfrm>
+              <a:prstGeom prst="arc">
+                <a:avLst>
+                  <a:gd name="adj1" fmla="val 16200000"/>
+                  <a:gd name="adj2" fmla="val 5514588"/>
+                </a:avLst>
+              </a:prstGeom>
+              <a:ln w="12700">
+                <a:solidFill>
+                  <a:schemeClr val="tx1"/>
+                </a:solidFill>
+              </a:ln>
+            </p:spPr>
+            <p:style>
+              <a:lnRef idx="1">
+                <a:schemeClr val="accent1"/>
+              </a:lnRef>
+              <a:fillRef idx="0">
+                <a:schemeClr val="accent1"/>
+              </a:fillRef>
+              <a:effectRef idx="0">
+                <a:schemeClr val="accent1"/>
+              </a:effectRef>
+              <a:fontRef idx="minor">
+                <a:schemeClr val="tx1"/>
+              </a:fontRef>
+            </p:style>
+            <p:txBody>
+              <a:bodyPr rtlCol="0" anchor="ctr"/>
+              <a:lstStyle/>
+              <a:p>
+                <a:pPr algn="ctr"/>
+                <a:endParaRPr kumimoji="1" lang="ja-JP" altLang="en-US"/>
+              </a:p>
+            </p:txBody>
+          </p:sp>
+          <p:sp>
+            <p:nvSpPr>
+              <p:cNvPr id="9" name="円弧 8">
+                <a:extLst>
+                  <a:ext uri="{FF2B5EF4-FFF2-40B4-BE49-F238E27FC236}">
+                    <a16:creationId xmlns:a16="http://schemas.microsoft.com/office/drawing/2014/main" id="{D0CDA916-086A-B643-B083-77BA470910F8}"/>
+                  </a:ext>
+                </a:extLst>
+              </p:cNvPr>
+              <p:cNvSpPr/>
+              <p:nvPr/>
+            </p:nvSpPr>
+            <p:spPr>
+              <a:xfrm rot="16200000">
+                <a:off x="1763688" y="2492896"/>
+                <a:ext cx="1152128" cy="1152128"/>
+              </a:xfrm>
+              <a:prstGeom prst="arc">
+                <a:avLst>
+                  <a:gd name="adj1" fmla="val 16200000"/>
+                  <a:gd name="adj2" fmla="val 5514588"/>
+                </a:avLst>
+              </a:prstGeom>
+              <a:ln w="12700">
+                <a:solidFill>
+                  <a:schemeClr val="tx1"/>
+                </a:solidFill>
+              </a:ln>
+            </p:spPr>
+            <p:style>
+              <a:lnRef idx="1">
+                <a:schemeClr val="accent1"/>
+              </a:lnRef>
+              <a:fillRef idx="0">
+                <a:schemeClr val="accent1"/>
+              </a:fillRef>
+              <a:effectRef idx="0">
+                <a:schemeClr val="accent1"/>
+              </a:effectRef>
+              <a:fontRef idx="minor">
+                <a:schemeClr val="tx1"/>
+              </a:fontRef>
+            </p:style>
+            <p:txBody>
+              <a:bodyPr rtlCol="0" anchor="ctr"/>
+              <a:lstStyle/>
+              <a:p>
+                <a:pPr algn="ctr"/>
+                <a:endParaRPr kumimoji="1" lang="ja-JP" altLang="en-US"/>
+              </a:p>
+            </p:txBody>
+          </p:sp>
+          <p:sp>
+            <p:nvSpPr>
+              <p:cNvPr id="10" name="円弧 9">
+                <a:extLst>
+                  <a:ext uri="{FF2B5EF4-FFF2-40B4-BE49-F238E27FC236}">
+                    <a16:creationId xmlns:a16="http://schemas.microsoft.com/office/drawing/2014/main" id="{3F4B9D72-DD91-6A49-B147-BF655D4469BF}"/>
+                  </a:ext>
+                </a:extLst>
+              </p:cNvPr>
+              <p:cNvSpPr/>
+              <p:nvPr/>
+            </p:nvSpPr>
+            <p:spPr>
+              <a:xfrm rot="16200000">
+                <a:off x="3059832" y="2492896"/>
+                <a:ext cx="1152128" cy="1152128"/>
+              </a:xfrm>
+              <a:prstGeom prst="arc">
+                <a:avLst>
+                  <a:gd name="adj1" fmla="val 16200000"/>
+                  <a:gd name="adj2" fmla="val 5514588"/>
+                </a:avLst>
+              </a:prstGeom>
+              <a:ln w="12700">
+                <a:solidFill>
+                  <a:schemeClr val="tx1"/>
+                </a:solidFill>
+              </a:ln>
+            </p:spPr>
+            <p:style>
+              <a:lnRef idx="1">
+                <a:schemeClr val="accent1"/>
+              </a:lnRef>
+              <a:fillRef idx="0">
+                <a:schemeClr val="accent1"/>
+              </a:fillRef>
+              <a:effectRef idx="0">
+                <a:schemeClr val="accent1"/>
+              </a:effectRef>
+              <a:fontRef idx="minor">
+                <a:schemeClr val="tx1"/>
+              </a:fontRef>
+            </p:style>
+            <p:txBody>
+              <a:bodyPr rtlCol="0" anchor="ctr"/>
+              <a:lstStyle/>
+              <a:p>
+                <a:pPr algn="ctr"/>
+                <a:endParaRPr kumimoji="1" lang="ja-JP" altLang="en-US"/>
+              </a:p>
+            </p:txBody>
+          </p:sp>
+          <p:sp>
+            <p:nvSpPr>
+              <p:cNvPr id="11" name="円弧 10">
+                <a:extLst>
+                  <a:ext uri="{FF2B5EF4-FFF2-40B4-BE49-F238E27FC236}">
+                    <a16:creationId xmlns:a16="http://schemas.microsoft.com/office/drawing/2014/main" id="{72FB0379-F79D-584E-9B3E-BD55B26AB44A}"/>
+                  </a:ext>
+                </a:extLst>
+              </p:cNvPr>
+              <p:cNvSpPr/>
+              <p:nvPr/>
+            </p:nvSpPr>
+            <p:spPr>
+              <a:xfrm rot="16200000">
+                <a:off x="3707904" y="2492896"/>
+                <a:ext cx="1152128" cy="1152128"/>
+              </a:xfrm>
+              <a:prstGeom prst="arc">
+                <a:avLst>
+                  <a:gd name="adj1" fmla="val 16069596"/>
+                  <a:gd name="adj2" fmla="val 5514588"/>
+                </a:avLst>
+              </a:prstGeom>
+              <a:ln w="12700">
+                <a:solidFill>
+                  <a:schemeClr val="tx1"/>
+                </a:solidFill>
+              </a:ln>
+            </p:spPr>
+            <p:style>
+              <a:lnRef idx="1">
+                <a:schemeClr val="accent1"/>
+              </a:lnRef>
+              <a:fillRef idx="0">
+                <a:schemeClr val="accent1"/>
+              </a:fillRef>
+              <a:effectRef idx="0">
+                <a:schemeClr val="accent1"/>
+              </a:effectRef>
+              <a:fontRef idx="minor">
+                <a:schemeClr val="tx1"/>
+              </a:fontRef>
+            </p:style>
+            <p:txBody>
+              <a:bodyPr rtlCol="0" anchor="ctr"/>
+              <a:lstStyle/>
+              <a:p>
+                <a:pPr algn="ctr"/>
+                <a:endParaRPr kumimoji="1" lang="ja-JP" altLang="en-US"/>
+              </a:p>
+            </p:txBody>
+          </p:sp>
+          <p:sp>
+            <p:nvSpPr>
+              <p:cNvPr id="12" name="円弧 11">
+                <a:extLst>
+                  <a:ext uri="{FF2B5EF4-FFF2-40B4-BE49-F238E27FC236}">
+                    <a16:creationId xmlns:a16="http://schemas.microsoft.com/office/drawing/2014/main" id="{C2715745-36B4-A448-B332-4BC306C1CDA5}"/>
+                  </a:ext>
+                </a:extLst>
+              </p:cNvPr>
+              <p:cNvSpPr/>
+              <p:nvPr/>
+            </p:nvSpPr>
+            <p:spPr>
+              <a:xfrm rot="5400000">
+                <a:off x="3383868" y="2816932"/>
+                <a:ext cx="1152128" cy="504056"/>
+              </a:xfrm>
+              <a:prstGeom prst="arc">
+                <a:avLst>
+                  <a:gd name="adj1" fmla="val 16069596"/>
+                  <a:gd name="adj2" fmla="val 5514588"/>
+                </a:avLst>
+              </a:prstGeom>
+              <a:ln w="12700">
+                <a:solidFill>
+                  <a:schemeClr val="tx1"/>
+                </a:solidFill>
+              </a:ln>
+            </p:spPr>
+            <p:style>
+              <a:lnRef idx="1">
+                <a:schemeClr val="accent1"/>
+              </a:lnRef>
+              <a:fillRef idx="0">
+                <a:schemeClr val="accent1"/>
+              </a:fillRef>
+              <a:effectRef idx="0">
+                <a:schemeClr val="accent1"/>
+              </a:effectRef>
+              <a:fontRef idx="minor">
+                <a:schemeClr val="tx1"/>
+              </a:fontRef>
+            </p:style>
+            <p:txBody>
+              <a:bodyPr rtlCol="0" anchor="ctr"/>
+              <a:lstStyle/>
+              <a:p>
+                <a:pPr algn="ctr"/>
+                <a:endParaRPr kumimoji="1" lang="ja-JP" altLang="en-US"/>
+              </a:p>
+            </p:txBody>
+          </p:sp>
+          <p:sp>
+            <p:nvSpPr>
+              <p:cNvPr id="13" name="円弧 12">
+                <a:extLst>
+                  <a:ext uri="{FF2B5EF4-FFF2-40B4-BE49-F238E27FC236}">
+                    <a16:creationId xmlns:a16="http://schemas.microsoft.com/office/drawing/2014/main" id="{806707BA-318A-B54D-B641-91D420C73F9B}"/>
+                  </a:ext>
+                </a:extLst>
+              </p:cNvPr>
+              <p:cNvSpPr/>
+              <p:nvPr/>
+            </p:nvSpPr>
+            <p:spPr>
+              <a:xfrm rot="5400000">
+                <a:off x="2735796" y="2816932"/>
+                <a:ext cx="1152128" cy="504056"/>
+              </a:xfrm>
+              <a:prstGeom prst="arc">
+                <a:avLst>
+                  <a:gd name="adj1" fmla="val 16069596"/>
+                  <a:gd name="adj2" fmla="val 5514588"/>
+                </a:avLst>
+              </a:prstGeom>
+              <a:ln w="12700">
+                <a:solidFill>
+                  <a:schemeClr val="tx1"/>
+                </a:solidFill>
+              </a:ln>
+            </p:spPr>
+            <p:style>
+              <a:lnRef idx="1">
+                <a:schemeClr val="accent1"/>
+              </a:lnRef>
+              <a:fillRef idx="0">
+                <a:schemeClr val="accent1"/>
+              </a:fillRef>
+              <a:effectRef idx="0">
+                <a:schemeClr val="accent1"/>
+              </a:effectRef>
+              <a:fontRef idx="minor">
+                <a:schemeClr val="tx1"/>
+              </a:fontRef>
+            </p:style>
+            <p:txBody>
+              <a:bodyPr rtlCol="0" anchor="ctr"/>
+              <a:lstStyle/>
+              <a:p>
+                <a:pPr algn="ctr"/>
+                <a:endParaRPr kumimoji="1" lang="ja-JP" altLang="en-US"/>
+              </a:p>
+            </p:txBody>
+          </p:sp>
+          <p:sp>
+            <p:nvSpPr>
+              <p:cNvPr id="14" name="円弧 13">
+                <a:extLst>
+                  <a:ext uri="{FF2B5EF4-FFF2-40B4-BE49-F238E27FC236}">
+                    <a16:creationId xmlns:a16="http://schemas.microsoft.com/office/drawing/2014/main" id="{1AD029EB-F2F7-AB4B-BDD0-EB2EFB433E63}"/>
+                  </a:ext>
+                </a:extLst>
+              </p:cNvPr>
+              <p:cNvSpPr/>
+              <p:nvPr/>
+            </p:nvSpPr>
+            <p:spPr>
+              <a:xfrm rot="5400000">
+                <a:off x="2087724" y="2816932"/>
+                <a:ext cx="1152128" cy="504056"/>
+              </a:xfrm>
+              <a:prstGeom prst="arc">
+                <a:avLst>
+                  <a:gd name="adj1" fmla="val 16069596"/>
+                  <a:gd name="adj2" fmla="val 5514588"/>
+                </a:avLst>
+              </a:prstGeom>
+              <a:ln w="12700">
+                <a:solidFill>
+                  <a:schemeClr val="tx1"/>
+                </a:solidFill>
+              </a:ln>
+            </p:spPr>
+            <p:style>
+              <a:lnRef idx="1">
+                <a:schemeClr val="accent1"/>
+              </a:lnRef>
+              <a:fillRef idx="0">
+                <a:schemeClr val="accent1"/>
+              </a:fillRef>
+              <a:effectRef idx="0">
+                <a:schemeClr val="accent1"/>
+              </a:effectRef>
+              <a:fontRef idx="minor">
+                <a:schemeClr val="tx1"/>
+              </a:fontRef>
+            </p:style>
+            <p:txBody>
+              <a:bodyPr rtlCol="0" anchor="ctr"/>
+              <a:lstStyle/>
+              <a:p>
+                <a:pPr algn="ctr"/>
+                <a:endParaRPr kumimoji="1" lang="ja-JP" altLang="en-US"/>
+              </a:p>
+            </p:txBody>
+          </p:sp>
+          <p:sp>
+            <p:nvSpPr>
+              <p:cNvPr id="16" name="円弧 15">
+                <a:extLst>
+                  <a:ext uri="{FF2B5EF4-FFF2-40B4-BE49-F238E27FC236}">
+                    <a16:creationId xmlns:a16="http://schemas.microsoft.com/office/drawing/2014/main" id="{39DF72F2-23D2-AB46-9845-8C5BE5F07D27}"/>
+                  </a:ext>
+                </a:extLst>
+              </p:cNvPr>
+              <p:cNvSpPr/>
+              <p:nvPr/>
+            </p:nvSpPr>
+            <p:spPr>
+              <a:xfrm rot="16200000">
+                <a:off x="4355976" y="2492896"/>
+                <a:ext cx="1152128" cy="1152128"/>
+              </a:xfrm>
+              <a:prstGeom prst="arc">
+                <a:avLst>
+                  <a:gd name="adj1" fmla="val 16069596"/>
+                  <a:gd name="adj2" fmla="val 5514588"/>
+                </a:avLst>
+              </a:prstGeom>
+              <a:ln w="12700">
+                <a:solidFill>
+                  <a:schemeClr val="tx1"/>
+                </a:solidFill>
+              </a:ln>
+            </p:spPr>
+            <p:style>
+              <a:lnRef idx="1">
+                <a:schemeClr val="accent1"/>
+              </a:lnRef>
+              <a:fillRef idx="0">
+                <a:schemeClr val="accent1"/>
+              </a:fillRef>
+              <a:effectRef idx="0">
+                <a:schemeClr val="accent1"/>
+              </a:effectRef>
+              <a:fontRef idx="minor">
+                <a:schemeClr val="tx1"/>
+              </a:fontRef>
+            </p:style>
+            <p:txBody>
+              <a:bodyPr rtlCol="0" anchor="ctr"/>
+              <a:lstStyle/>
+              <a:p>
+                <a:pPr algn="ctr"/>
+                <a:endParaRPr kumimoji="1" lang="ja-JP" altLang="en-US"/>
+              </a:p>
+            </p:txBody>
+          </p:sp>
+          <p:sp>
+            <p:nvSpPr>
+              <p:cNvPr id="17" name="円弧 16">
+                <a:extLst>
+                  <a:ext uri="{FF2B5EF4-FFF2-40B4-BE49-F238E27FC236}">
+                    <a16:creationId xmlns:a16="http://schemas.microsoft.com/office/drawing/2014/main" id="{2FD10B17-AEEE-824B-92E3-57A5B95DF108}"/>
+                  </a:ext>
+                </a:extLst>
+              </p:cNvPr>
+              <p:cNvSpPr/>
+              <p:nvPr/>
+            </p:nvSpPr>
+            <p:spPr>
+              <a:xfrm rot="5400000">
+                <a:off x="4031940" y="2816932"/>
+                <a:ext cx="1152128" cy="504056"/>
+              </a:xfrm>
+              <a:prstGeom prst="arc">
+                <a:avLst>
+                  <a:gd name="adj1" fmla="val 16069596"/>
+                  <a:gd name="adj2" fmla="val 5514588"/>
+                </a:avLst>
+              </a:prstGeom>
+              <a:ln w="12700">
+                <a:solidFill>
+                  <a:schemeClr val="tx1"/>
+                </a:solidFill>
+              </a:ln>
+            </p:spPr>
+            <p:style>
+              <a:lnRef idx="1">
+                <a:schemeClr val="accent1"/>
+              </a:lnRef>
+              <a:fillRef idx="0">
+                <a:schemeClr val="accent1"/>
+              </a:fillRef>
+              <a:effectRef idx="0">
+                <a:schemeClr val="accent1"/>
+              </a:effectRef>
+              <a:fontRef idx="minor">
+                <a:schemeClr val="tx1"/>
+              </a:fontRef>
+            </p:style>
+            <p:txBody>
+              <a:bodyPr rtlCol="0" anchor="ctr"/>
+              <a:lstStyle/>
+              <a:p>
+                <a:pPr algn="ctr"/>
+                <a:endParaRPr kumimoji="1" lang="ja-JP" altLang="en-US"/>
+              </a:p>
+            </p:txBody>
+          </p:sp>
+          <p:sp>
+            <p:nvSpPr>
+              <p:cNvPr id="18" name="円弧 17">
+                <a:extLst>
+                  <a:ext uri="{FF2B5EF4-FFF2-40B4-BE49-F238E27FC236}">
+                    <a16:creationId xmlns:a16="http://schemas.microsoft.com/office/drawing/2014/main" id="{2E9FA94D-0ACD-B441-89B8-8E2A962F11D3}"/>
+                  </a:ext>
+                </a:extLst>
+              </p:cNvPr>
+              <p:cNvSpPr/>
+              <p:nvPr/>
+            </p:nvSpPr>
+            <p:spPr>
+              <a:xfrm rot="16200000">
+                <a:off x="5004048" y="2492896"/>
+                <a:ext cx="1152128" cy="1152128"/>
+              </a:xfrm>
+              <a:prstGeom prst="arc">
+                <a:avLst>
+                  <a:gd name="adj1" fmla="val 16069596"/>
+                  <a:gd name="adj2" fmla="val 5514588"/>
+                </a:avLst>
+              </a:prstGeom>
+              <a:ln w="12700">
+                <a:solidFill>
+                  <a:schemeClr val="tx1"/>
+                </a:solidFill>
+              </a:ln>
+            </p:spPr>
+            <p:style>
+              <a:lnRef idx="1">
+                <a:schemeClr val="accent1"/>
+              </a:lnRef>
+              <a:fillRef idx="0">
+                <a:schemeClr val="accent1"/>
+              </a:fillRef>
+              <a:effectRef idx="0">
+                <a:schemeClr val="accent1"/>
+              </a:effectRef>
+              <a:fontRef idx="minor">
+                <a:schemeClr val="tx1"/>
+              </a:fontRef>
+            </p:style>
+            <p:txBody>
+              <a:bodyPr rtlCol="0" anchor="ctr"/>
+              <a:lstStyle/>
+              <a:p>
+                <a:pPr algn="ctr"/>
+                <a:endParaRPr kumimoji="1" lang="ja-JP" altLang="en-US"/>
+              </a:p>
+            </p:txBody>
+          </p:sp>
+          <p:sp>
+            <p:nvSpPr>
+              <p:cNvPr id="19" name="円弧 18">
+                <a:extLst>
+                  <a:ext uri="{FF2B5EF4-FFF2-40B4-BE49-F238E27FC236}">
+                    <a16:creationId xmlns:a16="http://schemas.microsoft.com/office/drawing/2014/main" id="{AF3C9A0E-FAE9-9248-AFD2-87E5BE351EF3}"/>
+                  </a:ext>
+                </a:extLst>
+              </p:cNvPr>
+              <p:cNvSpPr/>
+              <p:nvPr/>
+            </p:nvSpPr>
+            <p:spPr>
+              <a:xfrm rot="5400000">
+                <a:off x="4680012" y="2816932"/>
+                <a:ext cx="1152128" cy="504056"/>
+              </a:xfrm>
+              <a:prstGeom prst="arc">
+                <a:avLst>
+                  <a:gd name="adj1" fmla="val 16069596"/>
+                  <a:gd name="adj2" fmla="val 5514588"/>
+                </a:avLst>
+              </a:prstGeom>
+              <a:ln w="12700">
+                <a:solidFill>
+                  <a:schemeClr val="tx1"/>
+                </a:solidFill>
+              </a:ln>
+            </p:spPr>
+            <p:style>
+              <a:lnRef idx="1">
+                <a:schemeClr val="accent1"/>
+              </a:lnRef>
+              <a:fillRef idx="0">
+                <a:schemeClr val="accent1"/>
+              </a:fillRef>
+              <a:effectRef idx="0">
+                <a:schemeClr val="accent1"/>
+              </a:effectRef>
+              <a:fontRef idx="minor">
+                <a:schemeClr val="tx1"/>
+              </a:fontRef>
+            </p:style>
+            <p:txBody>
+              <a:bodyPr rtlCol="0" anchor="ctr"/>
+              <a:lstStyle/>
+              <a:p>
+                <a:pPr algn="ctr"/>
+                <a:endParaRPr kumimoji="1" lang="ja-JP" altLang="en-US"/>
+              </a:p>
+            </p:txBody>
+          </p:sp>
+          <p:sp>
+            <p:nvSpPr>
+              <p:cNvPr id="20" name="円弧 19">
+                <a:extLst>
+                  <a:ext uri="{FF2B5EF4-FFF2-40B4-BE49-F238E27FC236}">
+                    <a16:creationId xmlns:a16="http://schemas.microsoft.com/office/drawing/2014/main" id="{25B0732E-4B99-3F44-A90C-070407ACD716}"/>
+                  </a:ext>
+                </a:extLst>
+              </p:cNvPr>
+              <p:cNvSpPr/>
+              <p:nvPr/>
+            </p:nvSpPr>
+            <p:spPr>
+              <a:xfrm rot="16200000">
+                <a:off x="5652120" y="2492896"/>
+                <a:ext cx="1152128" cy="1152128"/>
+              </a:xfrm>
+              <a:prstGeom prst="arc">
+                <a:avLst>
+                  <a:gd name="adj1" fmla="val 16069596"/>
+                  <a:gd name="adj2" fmla="val 5438339"/>
+                </a:avLst>
+              </a:prstGeom>
+              <a:ln w="12700">
+                <a:solidFill>
+                  <a:schemeClr val="tx1"/>
+                </a:solidFill>
+              </a:ln>
+            </p:spPr>
+            <p:style>
+              <a:lnRef idx="1">
+                <a:schemeClr val="accent1"/>
+              </a:lnRef>
+              <a:fillRef idx="0">
+                <a:schemeClr val="accent1"/>
+              </a:fillRef>
+              <a:effectRef idx="0">
+                <a:schemeClr val="accent1"/>
+              </a:effectRef>
+              <a:fontRef idx="minor">
+                <a:schemeClr val="tx1"/>
+              </a:fontRef>
+            </p:style>
+            <p:txBody>
+              <a:bodyPr rtlCol="0" anchor="ctr"/>
+              <a:lstStyle/>
+              <a:p>
+                <a:pPr algn="ctr"/>
+                <a:endParaRPr kumimoji="1" lang="ja-JP" altLang="en-US"/>
+              </a:p>
+            </p:txBody>
+          </p:sp>
+          <p:sp>
+            <p:nvSpPr>
+              <p:cNvPr id="21" name="円弧 20">
+                <a:extLst>
+                  <a:ext uri="{FF2B5EF4-FFF2-40B4-BE49-F238E27FC236}">
+                    <a16:creationId xmlns:a16="http://schemas.microsoft.com/office/drawing/2014/main" id="{F3C945C3-3657-ED4B-850F-F4BDCD273A17}"/>
+                  </a:ext>
+                </a:extLst>
+              </p:cNvPr>
+              <p:cNvSpPr/>
+              <p:nvPr/>
+            </p:nvSpPr>
+            <p:spPr>
+              <a:xfrm rot="5400000">
+                <a:off x="5328084" y="2816932"/>
+                <a:ext cx="1152128" cy="504056"/>
+              </a:xfrm>
+              <a:prstGeom prst="arc">
+                <a:avLst>
+                  <a:gd name="adj1" fmla="val 16069596"/>
+                  <a:gd name="adj2" fmla="val 5514588"/>
+                </a:avLst>
+              </a:prstGeom>
+              <a:ln w="12700">
+                <a:solidFill>
+                  <a:schemeClr val="tx1"/>
+                </a:solidFill>
+              </a:ln>
+            </p:spPr>
+            <p:style>
+              <a:lnRef idx="1">
+                <a:schemeClr val="accent1"/>
+              </a:lnRef>
+              <a:fillRef idx="0">
+                <a:schemeClr val="accent1"/>
+              </a:fillRef>
+              <a:effectRef idx="0">
+                <a:schemeClr val="accent1"/>
+              </a:effectRef>
+              <a:fontRef idx="minor">
+                <a:schemeClr val="tx1"/>
+              </a:fontRef>
+            </p:style>
+            <p:txBody>
+              <a:bodyPr rtlCol="0" anchor="ctr"/>
+              <a:lstStyle/>
+              <a:p>
+                <a:pPr algn="ctr"/>
+                <a:endParaRPr kumimoji="1" lang="ja-JP" altLang="en-US"/>
+              </a:p>
+            </p:txBody>
+          </p:sp>
+          <p:cxnSp>
+            <p:nvCxnSpPr>
+              <p:cNvPr id="23" name="直線コネクタ 22">
+                <a:extLst>
+                  <a:ext uri="{FF2B5EF4-FFF2-40B4-BE49-F238E27FC236}">
+                    <a16:creationId xmlns:a16="http://schemas.microsoft.com/office/drawing/2014/main" id="{3EF738DF-5B12-144F-913D-18DB333F7A7B}"/>
+                  </a:ext>
+                </a:extLst>
+              </p:cNvPr>
+              <p:cNvCxnSpPr>
+                <a:stCxn id="9" idx="0"/>
+              </p:cNvCxnSpPr>
+              <p:nvPr/>
+            </p:nvCxnSpPr>
+            <p:spPr>
+              <a:xfrm flipH="1">
+                <a:off x="899592" y="3068960"/>
+                <a:ext cx="864096" cy="0"/>
+              </a:xfrm>
+              <a:prstGeom prst="line">
+                <a:avLst/>
+              </a:prstGeom>
+              <a:ln w="12700">
+                <a:solidFill>
+                  <a:schemeClr val="tx1"/>
+                </a:solidFill>
+              </a:ln>
+            </p:spPr>
+            <p:style>
+              <a:lnRef idx="1">
+                <a:schemeClr val="accent1"/>
+              </a:lnRef>
+              <a:fillRef idx="0">
+                <a:schemeClr val="accent1"/>
+              </a:fillRef>
+              <a:effectRef idx="0">
+                <a:schemeClr val="accent1"/>
+              </a:effectRef>
+              <a:fontRef idx="minor">
+                <a:schemeClr val="tx1"/>
+              </a:fontRef>
+            </p:style>
+          </p:cxnSp>
+          <p:cxnSp>
+            <p:nvCxnSpPr>
+              <p:cNvPr id="24" name="直線コネクタ 23">
+                <a:extLst>
+                  <a:ext uri="{FF2B5EF4-FFF2-40B4-BE49-F238E27FC236}">
+                    <a16:creationId xmlns:a16="http://schemas.microsoft.com/office/drawing/2014/main" id="{9851BF36-639B-5E44-9CEA-EF6DCAB989C5}"/>
+                  </a:ext>
+                </a:extLst>
+              </p:cNvPr>
+              <p:cNvCxnSpPr/>
+              <p:nvPr/>
+            </p:nvCxnSpPr>
+            <p:spPr>
+              <a:xfrm flipH="1">
+                <a:off x="6804248" y="3068960"/>
+                <a:ext cx="864096" cy="0"/>
+              </a:xfrm>
+              <a:prstGeom prst="line">
+                <a:avLst/>
+              </a:prstGeom>
+              <a:ln w="12700">
+                <a:solidFill>
+                  <a:schemeClr val="tx1"/>
+                </a:solidFill>
+              </a:ln>
+            </p:spPr>
+            <p:style>
+              <a:lnRef idx="1">
+                <a:schemeClr val="accent1"/>
+              </a:lnRef>
+              <a:fillRef idx="0">
+                <a:schemeClr val="accent1"/>
+              </a:fillRef>
+              <a:effectRef idx="0">
+                <a:schemeClr val="accent1"/>
+              </a:effectRef>
+              <a:fontRef idx="minor">
+                <a:schemeClr val="tx1"/>
+              </a:fontRef>
+            </p:style>
+          </p:cxnSp>
+        </p:grpSp>
+        <p:grpSp>
+          <p:nvGrpSpPr>
+            <p:cNvPr id="33" name="グループ化 32">
+              <a:extLst>
+                <a:ext uri="{FF2B5EF4-FFF2-40B4-BE49-F238E27FC236}">
+                  <a16:creationId xmlns:a16="http://schemas.microsoft.com/office/drawing/2014/main" id="{1A50E955-9057-CF41-B23C-094E41D697A4}"/>
+                </a:ext>
+              </a:extLst>
+            </p:cNvPr>
+            <p:cNvGrpSpPr/>
+            <p:nvPr/>
+          </p:nvGrpSpPr>
+          <p:grpSpPr>
+            <a:xfrm>
+              <a:off x="4067944" y="946820"/>
+              <a:ext cx="648072" cy="648072"/>
+              <a:chOff x="4067944" y="908720"/>
+              <a:chExt cx="648072" cy="648072"/>
+            </a:xfrm>
+          </p:grpSpPr>
+          <p:sp>
+            <p:nvSpPr>
+              <p:cNvPr id="26" name="円/楕円 25">
+                <a:extLst>
+                  <a:ext uri="{FF2B5EF4-FFF2-40B4-BE49-F238E27FC236}">
+                    <a16:creationId xmlns:a16="http://schemas.microsoft.com/office/drawing/2014/main" id="{251169FF-7047-134F-89BA-0BF5CA4F7754}"/>
+                  </a:ext>
+                </a:extLst>
+              </p:cNvPr>
+              <p:cNvSpPr/>
+              <p:nvPr/>
+            </p:nvSpPr>
+            <p:spPr>
+              <a:xfrm>
+                <a:off x="4067944" y="908720"/>
+                <a:ext cx="648072" cy="648072"/>
+              </a:xfrm>
+              <a:prstGeom prst="ellipse">
+                <a:avLst/>
+              </a:prstGeom>
+              <a:noFill/>
+              <a:ln>
+                <a:solidFill>
+                  <a:schemeClr val="tx1"/>
+                </a:solidFill>
+              </a:ln>
+            </p:spPr>
+            <p:style>
+              <a:lnRef idx="2">
+                <a:schemeClr val="accent1">
+                  <a:shade val="50000"/>
+                </a:schemeClr>
+              </a:lnRef>
+              <a:fillRef idx="1">
+                <a:schemeClr val="accent1"/>
+              </a:fillRef>
+              <a:effectRef idx="0">
+                <a:schemeClr val="accent1"/>
+              </a:effectRef>
+              <a:fontRef idx="minor">
+                <a:schemeClr val="lt1"/>
+              </a:fontRef>
+            </p:style>
+            <p:txBody>
+              <a:bodyPr rtlCol="0" anchor="ctr"/>
+              <a:lstStyle/>
+              <a:p>
+                <a:pPr algn="ctr"/>
+                <a:endParaRPr kumimoji="1" lang="ja-JP" altLang="en-US"/>
+              </a:p>
+            </p:txBody>
+          </p:sp>
+          <p:sp>
+            <p:nvSpPr>
+              <p:cNvPr id="27" name="円/楕円 26">
+                <a:extLst>
+                  <a:ext uri="{FF2B5EF4-FFF2-40B4-BE49-F238E27FC236}">
+                    <a16:creationId xmlns:a16="http://schemas.microsoft.com/office/drawing/2014/main" id="{DFCABA17-0D50-C84F-85CD-070BAA72E3C6}"/>
+                  </a:ext>
+                </a:extLst>
+              </p:cNvPr>
+              <p:cNvSpPr/>
+              <p:nvPr/>
+            </p:nvSpPr>
+            <p:spPr>
+              <a:xfrm>
+                <a:off x="4283968" y="1124744"/>
+                <a:ext cx="207640" cy="207640"/>
+              </a:xfrm>
+              <a:prstGeom prst="ellipse">
+                <a:avLst/>
+              </a:prstGeom>
+              <a:noFill/>
+              <a:ln>
+                <a:solidFill>
+                  <a:schemeClr val="tx1"/>
+                </a:solidFill>
+              </a:ln>
+            </p:spPr>
+            <p:style>
+              <a:lnRef idx="2">
+                <a:schemeClr val="accent1">
+                  <a:shade val="50000"/>
+                </a:schemeClr>
+              </a:lnRef>
+              <a:fillRef idx="1">
+                <a:schemeClr val="accent1"/>
+              </a:fillRef>
+              <a:effectRef idx="0">
+                <a:schemeClr val="accent1"/>
+              </a:effectRef>
+              <a:fontRef idx="minor">
+                <a:schemeClr val="lt1"/>
+              </a:fontRef>
+            </p:style>
+            <p:txBody>
+              <a:bodyPr rtlCol="0" anchor="ctr"/>
+              <a:lstStyle/>
+              <a:p>
+                <a:pPr algn="ctr"/>
+                <a:endParaRPr kumimoji="1" lang="ja-JP" altLang="en-US"/>
+              </a:p>
+            </p:txBody>
+          </p:sp>
+        </p:grpSp>
+        <p:cxnSp>
+          <p:nvCxnSpPr>
+            <p:cNvPr id="31" name="直線コネクタ 30">
+              <a:extLst>
+                <a:ext uri="{FF2B5EF4-FFF2-40B4-BE49-F238E27FC236}">
+                  <a16:creationId xmlns:a16="http://schemas.microsoft.com/office/drawing/2014/main" id="{39069430-495C-6C4E-8891-8640690B1A42}"/>
+                </a:ext>
+              </a:extLst>
+            </p:cNvPr>
+            <p:cNvCxnSpPr>
+              <a:cxnSpLocks/>
+            </p:cNvCxnSpPr>
+            <p:nvPr/>
+          </p:nvCxnSpPr>
+          <p:spPr>
+            <a:xfrm flipV="1">
+              <a:off x="3771900" y="946150"/>
+              <a:ext cx="612775" cy="1"/>
+            </a:xfrm>
+            <a:prstGeom prst="line">
+              <a:avLst/>
+            </a:prstGeom>
+            <a:ln w="12700">
+              <a:solidFill>
+                <a:schemeClr val="tx1"/>
+              </a:solidFill>
+            </a:ln>
+          </p:spPr>
+          <p:style>
+            <a:lnRef idx="1">
+              <a:schemeClr val="accent1"/>
+            </a:lnRef>
+            <a:fillRef idx="0">
+              <a:schemeClr val="accent1"/>
+            </a:fillRef>
+            <a:effectRef idx="0">
+              <a:schemeClr val="accent1"/>
+            </a:effectRef>
+            <a:fontRef idx="minor">
+              <a:schemeClr val="tx1"/>
+            </a:fontRef>
+          </p:style>
+        </p:cxnSp>
+        <p:cxnSp>
+          <p:nvCxnSpPr>
+            <p:cNvPr id="35" name="直線コネクタ 34">
+              <a:extLst>
+                <a:ext uri="{FF2B5EF4-FFF2-40B4-BE49-F238E27FC236}">
+                  <a16:creationId xmlns:a16="http://schemas.microsoft.com/office/drawing/2014/main" id="{3690AD9B-B1F7-A547-BA66-D537A5667EF3}"/>
+                </a:ext>
+              </a:extLst>
+            </p:cNvPr>
+            <p:cNvCxnSpPr>
+              <a:stCxn id="26" idx="6"/>
+            </p:cNvCxnSpPr>
+            <p:nvPr/>
+          </p:nvCxnSpPr>
+          <p:spPr>
+            <a:xfrm>
+              <a:off x="4716016" y="1270856"/>
+              <a:ext cx="2034" cy="427769"/>
+            </a:xfrm>
+            <a:prstGeom prst="line">
+              <a:avLst/>
+            </a:prstGeom>
+            <a:ln w="12700">
+              <a:solidFill>
+                <a:schemeClr val="tx1"/>
+              </a:solidFill>
+            </a:ln>
+          </p:spPr>
+          <p:style>
+            <a:lnRef idx="1">
+              <a:schemeClr val="accent1"/>
+            </a:lnRef>
+            <a:fillRef idx="0">
+              <a:schemeClr val="accent1"/>
+            </a:fillRef>
+            <a:effectRef idx="0">
+              <a:schemeClr val="accent1"/>
+            </a:effectRef>
+            <a:fontRef idx="minor">
+              <a:schemeClr val="tx1"/>
+            </a:fontRef>
+          </p:style>
+        </p:cxnSp>
+        <p:sp>
+          <p:nvSpPr>
+            <p:cNvPr id="36" name="三角形 35">
+              <a:extLst>
+                <a:ext uri="{FF2B5EF4-FFF2-40B4-BE49-F238E27FC236}">
+                  <a16:creationId xmlns:a16="http://schemas.microsoft.com/office/drawing/2014/main" id="{07787427-86D4-3F4D-8318-77F1828B7816}"/>
+                </a:ext>
+              </a:extLst>
+            </p:cNvPr>
+            <p:cNvSpPr/>
+            <p:nvPr/>
+          </p:nvSpPr>
+          <p:spPr>
+            <a:xfrm>
+              <a:off x="4187825" y="1698625"/>
+              <a:ext cx="1060704" cy="914400"/>
+            </a:xfrm>
+            <a:prstGeom prst="triangle">
+              <a:avLst/>
+            </a:prstGeom>
+            <a:noFill/>
+            <a:ln>
+              <a:solidFill>
+                <a:schemeClr val="tx1"/>
+              </a:solidFill>
+            </a:ln>
+          </p:spPr>
+          <p:style>
+            <a:lnRef idx="2">
+              <a:schemeClr val="accent1">
+                <a:shade val="50000"/>
+              </a:schemeClr>
+            </a:lnRef>
+            <a:fillRef idx="1">
+              <a:schemeClr val="accent1"/>
+            </a:fillRef>
+            <a:effectRef idx="0">
+              <a:schemeClr val="accent1"/>
+            </a:effectRef>
+            <a:fontRef idx="minor">
+              <a:schemeClr val="lt1"/>
+            </a:fontRef>
+          </p:style>
+          <p:txBody>
+            <a:bodyPr rtlCol="0" anchor="ctr"/>
+            <a:lstStyle/>
+            <a:p>
+              <a:pPr algn="ctr"/>
+              <a:endParaRPr kumimoji="1" lang="ja-JP" altLang="en-US"/>
+            </a:p>
+          </p:txBody>
+        </p:sp>
+        <p:grpSp>
+          <p:nvGrpSpPr>
+            <p:cNvPr id="39" name="グループ化 38">
+              <a:extLst>
+                <a:ext uri="{FF2B5EF4-FFF2-40B4-BE49-F238E27FC236}">
+                  <a16:creationId xmlns:a16="http://schemas.microsoft.com/office/drawing/2014/main" id="{59FC8E59-0A96-1444-83A7-709D807B2082}"/>
+                </a:ext>
+              </a:extLst>
+            </p:cNvPr>
+            <p:cNvGrpSpPr/>
+            <p:nvPr/>
+          </p:nvGrpSpPr>
+          <p:grpSpPr>
+            <a:xfrm>
+              <a:off x="4473575" y="2171700"/>
+              <a:ext cx="494220" cy="422401"/>
+              <a:chOff x="5168900" y="1403350"/>
+              <a:chExt cx="501650" cy="428751"/>
+            </a:xfrm>
+          </p:grpSpPr>
+          <p:sp>
+            <p:nvSpPr>
+              <p:cNvPr id="37" name="台形 36">
+                <a:extLst>
+                  <a:ext uri="{FF2B5EF4-FFF2-40B4-BE49-F238E27FC236}">
+                    <a16:creationId xmlns:a16="http://schemas.microsoft.com/office/drawing/2014/main" id="{2DF3D59C-10D5-4246-8F83-C4FA66933FE5}"/>
+                  </a:ext>
+                </a:extLst>
+              </p:cNvPr>
+              <p:cNvSpPr/>
+              <p:nvPr/>
+            </p:nvSpPr>
+            <p:spPr>
+              <a:xfrm>
+                <a:off x="5168900" y="1539874"/>
+                <a:ext cx="501650" cy="292227"/>
+              </a:xfrm>
+              <a:prstGeom prst="trapezoid">
+                <a:avLst/>
+              </a:prstGeom>
+              <a:solidFill>
+                <a:schemeClr val="tx1"/>
+              </a:solidFill>
+              <a:ln>
+                <a:solidFill>
+                  <a:schemeClr val="tx1"/>
+                </a:solidFill>
+              </a:ln>
+            </p:spPr>
+            <p:style>
+              <a:lnRef idx="2">
+                <a:schemeClr val="accent1">
+                  <a:shade val="50000"/>
+                </a:schemeClr>
+              </a:lnRef>
+              <a:fillRef idx="1">
+                <a:schemeClr val="accent1"/>
+              </a:fillRef>
+              <a:effectRef idx="0">
+                <a:schemeClr val="accent1"/>
+              </a:effectRef>
+              <a:fontRef idx="minor">
+                <a:schemeClr val="lt1"/>
+              </a:fontRef>
+            </p:style>
+            <p:txBody>
+              <a:bodyPr rtlCol="0" anchor="ctr"/>
+              <a:lstStyle/>
+              <a:p>
+                <a:pPr algn="ctr"/>
+                <a:endParaRPr kumimoji="1" lang="ja-JP" altLang="en-US"/>
+              </a:p>
+            </p:txBody>
+          </p:sp>
+          <p:sp>
+            <p:nvSpPr>
+              <p:cNvPr id="38" name="アーチ 37">
+                <a:extLst>
+                  <a:ext uri="{FF2B5EF4-FFF2-40B4-BE49-F238E27FC236}">
+                    <a16:creationId xmlns:a16="http://schemas.microsoft.com/office/drawing/2014/main" id="{8912AB93-D298-BE47-B1FB-9DA84F06B28A}"/>
+                  </a:ext>
+                </a:extLst>
+              </p:cNvPr>
+              <p:cNvSpPr/>
+              <p:nvPr/>
+            </p:nvSpPr>
+            <p:spPr>
+              <a:xfrm>
+                <a:off x="5299075" y="1403350"/>
+                <a:ext cx="231775" cy="320675"/>
+              </a:xfrm>
+              <a:prstGeom prst="blockArc">
+                <a:avLst/>
+              </a:prstGeom>
+              <a:solidFill>
+                <a:schemeClr val="tx1"/>
+              </a:solidFill>
+              <a:ln>
+                <a:solidFill>
+                  <a:schemeClr val="tx1"/>
+                </a:solidFill>
+              </a:ln>
+            </p:spPr>
+            <p:style>
+              <a:lnRef idx="2">
+                <a:schemeClr val="accent1">
+                  <a:shade val="50000"/>
+                </a:schemeClr>
+              </a:lnRef>
+              <a:fillRef idx="1">
+                <a:schemeClr val="accent1"/>
+              </a:fillRef>
+              <a:effectRef idx="0">
+                <a:schemeClr val="accent1"/>
+              </a:effectRef>
+              <a:fontRef idx="minor">
+                <a:schemeClr val="lt1"/>
+              </a:fontRef>
+            </p:style>
+            <p:txBody>
+              <a:bodyPr rtlCol="0" anchor="ctr"/>
+              <a:lstStyle/>
+              <a:p>
+                <a:pPr algn="ctr"/>
+                <a:endParaRPr kumimoji="1" lang="ja-JP" altLang="en-US">
+                  <a:solidFill>
+                    <a:schemeClr val="tx1"/>
+                  </a:solidFill>
+                </a:endParaRPr>
+              </a:p>
+            </p:txBody>
+          </p:sp>
+        </p:grpSp>
+      </p:grpSp>
+      <p:cxnSp>
+        <p:nvCxnSpPr>
+          <p:cNvPr id="41" name="直線矢印コネクタ 40">
+            <a:extLst>
+              <a:ext uri="{FF2B5EF4-FFF2-40B4-BE49-F238E27FC236}">
+                <a16:creationId xmlns:a16="http://schemas.microsoft.com/office/drawing/2014/main" id="{2B8326D2-6E1E-3D4B-87E3-908BE017E0BE}"/>
+              </a:ext>
+            </a:extLst>
+          </p:cNvPr>
+          <p:cNvCxnSpPr/>
+          <p:nvPr/>
+        </p:nvCxnSpPr>
+        <p:spPr>
+          <a:xfrm flipV="1">
+            <a:off x="5161280" y="1046480"/>
+            <a:ext cx="0" cy="2783840"/>
+          </a:xfrm>
+          <a:prstGeom prst="straightConnector1">
+            <a:avLst/>
+          </a:prstGeom>
+          <a:ln w="12700">
+            <a:solidFill>
+              <a:schemeClr val="tx1"/>
+            </a:solidFill>
+            <a:tailEnd type="triangle"/>
+          </a:ln>
+        </p:spPr>
+        <p:style>
+          <a:lnRef idx="1">
+            <a:schemeClr val="accent1"/>
+          </a:lnRef>
+          <a:fillRef idx="0">
+            <a:schemeClr val="accent1"/>
+          </a:fillRef>
+          <a:effectRef idx="0">
+            <a:schemeClr val="accent1"/>
+          </a:effectRef>
+          <a:fontRef idx="minor">
+            <a:schemeClr val="tx1"/>
+          </a:fontRef>
+        </p:style>
+      </p:cxnSp>
+      <p:cxnSp>
+        <p:nvCxnSpPr>
+          <p:cNvPr id="43" name="直線矢印コネクタ 42">
+            <a:extLst>
+              <a:ext uri="{FF2B5EF4-FFF2-40B4-BE49-F238E27FC236}">
+                <a16:creationId xmlns:a16="http://schemas.microsoft.com/office/drawing/2014/main" id="{360EB659-7CF8-934B-9263-981D9E8790A0}"/>
+              </a:ext>
+            </a:extLst>
+          </p:cNvPr>
+          <p:cNvCxnSpPr>
+            <a:cxnSpLocks/>
+          </p:cNvCxnSpPr>
+          <p:nvPr/>
+        </p:nvCxnSpPr>
+        <p:spPr>
+          <a:xfrm>
+            <a:off x="4826000" y="3474720"/>
+            <a:ext cx="3322320" cy="0"/>
+          </a:xfrm>
+          <a:prstGeom prst="straightConnector1">
+            <a:avLst/>
+          </a:prstGeom>
+          <a:ln w="12700">
+            <a:solidFill>
+              <a:schemeClr val="tx1"/>
+            </a:solidFill>
+            <a:tailEnd type="triangle"/>
+          </a:ln>
+        </p:spPr>
+        <p:style>
+          <a:lnRef idx="1">
+            <a:schemeClr val="accent1"/>
+          </a:lnRef>
+          <a:fillRef idx="0">
+            <a:schemeClr val="accent1"/>
+          </a:fillRef>
+          <a:effectRef idx="0">
+            <a:schemeClr val="accent1"/>
+          </a:effectRef>
+          <a:fontRef idx="minor">
+            <a:schemeClr val="tx1"/>
+          </a:fontRef>
+        </p:style>
+      </p:cxnSp>
+      <p:sp>
+        <p:nvSpPr>
+          <p:cNvPr id="44" name="テキスト ボックス 43">
+            <a:extLst>
+              <a:ext uri="{FF2B5EF4-FFF2-40B4-BE49-F238E27FC236}">
+                <a16:creationId xmlns:a16="http://schemas.microsoft.com/office/drawing/2014/main" id="{B98B94F9-D937-2F43-9C0E-F759B6A5E644}"/>
+              </a:ext>
+            </a:extLst>
+          </p:cNvPr>
+          <p:cNvSpPr txBox="1"/>
+          <p:nvPr/>
+        </p:nvSpPr>
+        <p:spPr>
+          <a:xfrm>
+            <a:off x="4815840" y="3525520"/>
+            <a:ext cx="301686" cy="369332"/>
+          </a:xfrm>
+          <a:prstGeom prst="rect">
+            <a:avLst/>
+          </a:prstGeom>
+          <a:noFill/>
+        </p:spPr>
+        <p:txBody>
+          <a:bodyPr wrap="none" rtlCol="0">
+            <a:spAutoFit/>
+          </a:bodyPr>
+          <a:lstStyle/>
+          <a:p>
+            <a:r>
+              <a:rPr kumimoji="1" lang="en-US" altLang="ja-JP"/>
+              <a:t>0</a:t>
+            </a:r>
+            <a:endParaRPr kumimoji="1" lang="ja-JP" altLang="en-US"/>
+          </a:p>
+        </p:txBody>
+      </p:sp>
+      <p:sp>
+        <p:nvSpPr>
+          <p:cNvPr id="45" name="テキスト ボックス 44">
+            <a:extLst>
+              <a:ext uri="{FF2B5EF4-FFF2-40B4-BE49-F238E27FC236}">
+                <a16:creationId xmlns:a16="http://schemas.microsoft.com/office/drawing/2014/main" id="{23098BB3-8E58-D44B-9946-3E92209C3080}"/>
+              </a:ext>
+            </a:extLst>
+          </p:cNvPr>
+          <p:cNvSpPr txBox="1"/>
+          <p:nvPr/>
+        </p:nvSpPr>
+        <p:spPr>
+          <a:xfrm>
+            <a:off x="8168640" y="3291840"/>
+            <a:ext cx="646331" cy="369332"/>
+          </a:xfrm>
+          <a:prstGeom prst="rect">
+            <a:avLst/>
+          </a:prstGeom>
+          <a:noFill/>
+        </p:spPr>
+        <p:txBody>
+          <a:bodyPr wrap="none" rtlCol="0">
+            <a:spAutoFit/>
+          </a:bodyPr>
+          <a:lstStyle/>
+          <a:p>
+            <a:r>
+              <a:rPr kumimoji="1" lang="ja-JP" altLang="en-US"/>
+              <a:t>荷重</a:t>
+            </a:r>
+          </a:p>
+        </p:txBody>
+      </p:sp>
+      <p:sp>
+        <p:nvSpPr>
+          <p:cNvPr id="47" name="テキスト ボックス 46">
+            <a:extLst>
+              <a:ext uri="{FF2B5EF4-FFF2-40B4-BE49-F238E27FC236}">
+                <a16:creationId xmlns:a16="http://schemas.microsoft.com/office/drawing/2014/main" id="{5A2045C5-0A62-B745-9E46-8C4820975715}"/>
+              </a:ext>
+            </a:extLst>
+          </p:cNvPr>
+          <p:cNvSpPr txBox="1"/>
+          <p:nvPr/>
+        </p:nvSpPr>
+        <p:spPr>
+          <a:xfrm>
+            <a:off x="4815840" y="650240"/>
+            <a:ext cx="646331" cy="369332"/>
+          </a:xfrm>
+          <a:prstGeom prst="rect">
+            <a:avLst/>
+          </a:prstGeom>
+          <a:noFill/>
+        </p:spPr>
+        <p:txBody>
+          <a:bodyPr wrap="none" rtlCol="0">
+            <a:spAutoFit/>
+          </a:bodyPr>
+          <a:lstStyle/>
+          <a:p>
+            <a:r>
+              <a:rPr kumimoji="1" lang="ja-JP" altLang="en-US"/>
+              <a:t>伸び</a:t>
+            </a:r>
+          </a:p>
+        </p:txBody>
+      </p:sp>
+      <p:sp>
+        <p:nvSpPr>
+          <p:cNvPr id="48" name="円/楕円 47">
+            <a:extLst>
+              <a:ext uri="{FF2B5EF4-FFF2-40B4-BE49-F238E27FC236}">
+                <a16:creationId xmlns:a16="http://schemas.microsoft.com/office/drawing/2014/main" id="{3FC1325C-C56E-E04C-AC32-4B16AC8BC8B9}"/>
+              </a:ext>
+            </a:extLst>
+          </p:cNvPr>
+          <p:cNvSpPr/>
+          <p:nvPr/>
+        </p:nvSpPr>
+        <p:spPr>
+          <a:xfrm>
+            <a:off x="5455920" y="3088640"/>
+            <a:ext cx="132080" cy="132080"/>
+          </a:xfrm>
+          <a:prstGeom prst="ellipse">
+            <a:avLst/>
+          </a:prstGeom>
+          <a:solidFill>
+            <a:srgbClr val="FF0000"/>
+          </a:solidFill>
+          <a:ln>
+            <a:solidFill>
+              <a:schemeClr val="tx1"/>
+            </a:solidFill>
+          </a:ln>
+        </p:spPr>
+        <p:style>
+          <a:lnRef idx="2">
+            <a:schemeClr val="accent1">
+              <a:shade val="50000"/>
+            </a:schemeClr>
+          </a:lnRef>
+          <a:fillRef idx="1">
+            <a:schemeClr val="accent1"/>
+          </a:fillRef>
+          <a:effectRef idx="0">
+            <a:schemeClr val="accent1"/>
+          </a:effectRef>
+          <a:fontRef idx="minor">
+            <a:schemeClr val="lt1"/>
+          </a:fontRef>
+        </p:style>
+        <p:txBody>
+          <a:bodyPr rtlCol="0" anchor="ctr"/>
+          <a:lstStyle/>
+          <a:p>
+            <a:pPr algn="ctr"/>
+            <a:endParaRPr kumimoji="1" lang="ja-JP" altLang="en-US"/>
+          </a:p>
+        </p:txBody>
+      </p:sp>
+      <p:cxnSp>
+        <p:nvCxnSpPr>
+          <p:cNvPr id="50" name="直線コネクタ 49">
+            <a:extLst>
+              <a:ext uri="{FF2B5EF4-FFF2-40B4-BE49-F238E27FC236}">
+                <a16:creationId xmlns:a16="http://schemas.microsoft.com/office/drawing/2014/main" id="{26FA01AF-CD57-0C47-BBFA-CD9BB54B883D}"/>
+              </a:ext>
+            </a:extLst>
+          </p:cNvPr>
+          <p:cNvCxnSpPr/>
+          <p:nvPr/>
+        </p:nvCxnSpPr>
+        <p:spPr>
+          <a:xfrm flipV="1">
+            <a:off x="5171440" y="1615440"/>
+            <a:ext cx="3017520" cy="1849120"/>
+          </a:xfrm>
+          <a:prstGeom prst="line">
+            <a:avLst/>
+          </a:prstGeom>
+          <a:ln w="12700">
+            <a:solidFill>
+              <a:schemeClr val="tx1"/>
+            </a:solidFill>
+          </a:ln>
+        </p:spPr>
+        <p:style>
+          <a:lnRef idx="1">
+            <a:schemeClr val="accent1"/>
+          </a:lnRef>
+          <a:fillRef idx="0">
+            <a:schemeClr val="accent1"/>
+          </a:fillRef>
+          <a:effectRef idx="0">
+            <a:schemeClr val="accent1"/>
+          </a:effectRef>
+          <a:fontRef idx="minor">
+            <a:schemeClr val="tx1"/>
+          </a:fontRef>
+        </p:style>
+      </p:cxnSp>
+      <p:sp>
+        <p:nvSpPr>
+          <p:cNvPr id="52" name="円/楕円 51">
+            <a:extLst>
+              <a:ext uri="{FF2B5EF4-FFF2-40B4-BE49-F238E27FC236}">
+                <a16:creationId xmlns:a16="http://schemas.microsoft.com/office/drawing/2014/main" id="{94630404-D16D-0C40-8A88-05FAEA924BCB}"/>
+              </a:ext>
+            </a:extLst>
+          </p:cNvPr>
+          <p:cNvSpPr/>
+          <p:nvPr/>
+        </p:nvSpPr>
+        <p:spPr>
+          <a:xfrm>
+            <a:off x="6126480" y="2875280"/>
+            <a:ext cx="132080" cy="132080"/>
+          </a:xfrm>
+          <a:prstGeom prst="ellipse">
+            <a:avLst/>
+          </a:prstGeom>
+          <a:solidFill>
+            <a:srgbClr val="FF0000"/>
+          </a:solidFill>
+          <a:ln>
+            <a:solidFill>
+              <a:schemeClr val="tx1"/>
+            </a:solidFill>
+          </a:ln>
+        </p:spPr>
+        <p:style>
+          <a:lnRef idx="2">
+            <a:schemeClr val="accent1">
+              <a:shade val="50000"/>
+            </a:schemeClr>
+          </a:lnRef>
+          <a:fillRef idx="1">
+            <a:schemeClr val="accent1"/>
+          </a:fillRef>
+          <a:effectRef idx="0">
+            <a:schemeClr val="accent1"/>
+          </a:effectRef>
+          <a:fontRef idx="minor">
+            <a:schemeClr val="lt1"/>
+          </a:fontRef>
+        </p:style>
+        <p:txBody>
+          <a:bodyPr rtlCol="0" anchor="ctr"/>
+          <a:lstStyle/>
+          <a:p>
+            <a:pPr algn="ctr"/>
+            <a:endParaRPr kumimoji="1" lang="ja-JP" altLang="en-US"/>
+          </a:p>
+        </p:txBody>
+      </p:sp>
+      <p:sp>
+        <p:nvSpPr>
+          <p:cNvPr id="53" name="円/楕円 52">
+            <a:extLst>
+              <a:ext uri="{FF2B5EF4-FFF2-40B4-BE49-F238E27FC236}">
+                <a16:creationId xmlns:a16="http://schemas.microsoft.com/office/drawing/2014/main" id="{6C23137D-E7AD-8E4A-8347-860D8D597C6F}"/>
+              </a:ext>
+            </a:extLst>
+          </p:cNvPr>
+          <p:cNvSpPr/>
+          <p:nvPr/>
+        </p:nvSpPr>
+        <p:spPr>
+          <a:xfrm>
+            <a:off x="6786880" y="2407920"/>
+            <a:ext cx="132080" cy="132080"/>
+          </a:xfrm>
+          <a:prstGeom prst="ellipse">
+            <a:avLst/>
+          </a:prstGeom>
+          <a:solidFill>
+            <a:srgbClr val="FF0000"/>
+          </a:solidFill>
+          <a:ln>
+            <a:solidFill>
+              <a:schemeClr val="tx1"/>
+            </a:solidFill>
+          </a:ln>
+        </p:spPr>
+        <p:style>
+          <a:lnRef idx="2">
+            <a:schemeClr val="accent1">
+              <a:shade val="50000"/>
+            </a:schemeClr>
+          </a:lnRef>
+          <a:fillRef idx="1">
+            <a:schemeClr val="accent1"/>
+          </a:fillRef>
+          <a:effectRef idx="0">
+            <a:schemeClr val="accent1"/>
+          </a:effectRef>
+          <a:fontRef idx="minor">
+            <a:schemeClr val="lt1"/>
+          </a:fontRef>
+        </p:style>
+        <p:txBody>
+          <a:bodyPr rtlCol="0" anchor="ctr"/>
+          <a:lstStyle/>
+          <a:p>
+            <a:pPr algn="ctr"/>
+            <a:endParaRPr kumimoji="1" lang="ja-JP" altLang="en-US"/>
+          </a:p>
+        </p:txBody>
+      </p:sp>
+      <p:sp>
+        <p:nvSpPr>
+          <p:cNvPr id="54" name="円/楕円 53">
+            <a:extLst>
+              <a:ext uri="{FF2B5EF4-FFF2-40B4-BE49-F238E27FC236}">
+                <a16:creationId xmlns:a16="http://schemas.microsoft.com/office/drawing/2014/main" id="{FB14C40E-95B6-8944-9B6C-84BEF886F70B}"/>
+              </a:ext>
+            </a:extLst>
+          </p:cNvPr>
+          <p:cNvSpPr/>
+          <p:nvPr/>
+        </p:nvSpPr>
+        <p:spPr>
+          <a:xfrm>
+            <a:off x="7345680" y="1960880"/>
+            <a:ext cx="132080" cy="132080"/>
+          </a:xfrm>
+          <a:prstGeom prst="ellipse">
+            <a:avLst/>
+          </a:prstGeom>
+          <a:solidFill>
+            <a:srgbClr val="FF0000"/>
+          </a:solidFill>
+          <a:ln>
+            <a:solidFill>
+              <a:schemeClr val="tx1"/>
+            </a:solidFill>
+          </a:ln>
+        </p:spPr>
+        <p:style>
+          <a:lnRef idx="2">
+            <a:schemeClr val="accent1">
+              <a:shade val="50000"/>
+            </a:schemeClr>
+          </a:lnRef>
+          <a:fillRef idx="1">
+            <a:schemeClr val="accent1"/>
+          </a:fillRef>
+          <a:effectRef idx="0">
+            <a:schemeClr val="accent1"/>
+          </a:effectRef>
+          <a:fontRef idx="minor">
+            <a:schemeClr val="lt1"/>
+          </a:fontRef>
+        </p:style>
+        <p:txBody>
+          <a:bodyPr rtlCol="0" anchor="ctr"/>
+          <a:lstStyle/>
+          <a:p>
+            <a:pPr algn="ctr"/>
+            <a:endParaRPr kumimoji="1" lang="ja-JP" altLang="en-US"/>
+          </a:p>
+        </p:txBody>
+      </p:sp>
+      <p:sp>
+        <p:nvSpPr>
+          <p:cNvPr id="55" name="円/楕円 54">
+            <a:extLst>
+              <a:ext uri="{FF2B5EF4-FFF2-40B4-BE49-F238E27FC236}">
+                <a16:creationId xmlns:a16="http://schemas.microsoft.com/office/drawing/2014/main" id="{A6D38B71-F40F-9D46-8C67-F278DC2BE01E}"/>
+              </a:ext>
+            </a:extLst>
+          </p:cNvPr>
+          <p:cNvSpPr/>
+          <p:nvPr/>
+        </p:nvSpPr>
+        <p:spPr>
+          <a:xfrm>
+            <a:off x="8006080" y="1676400"/>
+            <a:ext cx="132080" cy="132080"/>
+          </a:xfrm>
+          <a:prstGeom prst="ellipse">
+            <a:avLst/>
+          </a:prstGeom>
+          <a:solidFill>
+            <a:srgbClr val="FF0000"/>
+          </a:solidFill>
+          <a:ln>
+            <a:solidFill>
+              <a:schemeClr val="tx1"/>
+            </a:solidFill>
+          </a:ln>
+        </p:spPr>
+        <p:style>
+          <a:lnRef idx="2">
+            <a:schemeClr val="accent1">
+              <a:shade val="50000"/>
+            </a:schemeClr>
+          </a:lnRef>
+          <a:fillRef idx="1">
+            <a:schemeClr val="accent1"/>
+          </a:fillRef>
+          <a:effectRef idx="0">
+            <a:schemeClr val="accent1"/>
+          </a:effectRef>
+          <a:fontRef idx="minor">
+            <a:schemeClr val="lt1"/>
+          </a:fontRef>
+        </p:style>
+        <p:txBody>
+          <a:bodyPr rtlCol="0" anchor="ctr"/>
+          <a:lstStyle/>
+          <a:p>
+            <a:pPr algn="ctr"/>
+            <a:endParaRPr kumimoji="1" lang="ja-JP" altLang="en-US"/>
+          </a:p>
+        </p:txBody>
+      </p:sp>
+      <p:sp>
+        <p:nvSpPr>
+          <p:cNvPr id="58" name="テキスト ボックス 57">
+            <a:extLst>
+              <a:ext uri="{FF2B5EF4-FFF2-40B4-BE49-F238E27FC236}">
+                <a16:creationId xmlns:a16="http://schemas.microsoft.com/office/drawing/2014/main" id="{AFD1C2BF-09F3-604B-B7B8-A6C752340EB6}"/>
+              </a:ext>
+            </a:extLst>
+          </p:cNvPr>
+          <p:cNvSpPr txBox="1"/>
+          <p:nvPr/>
+        </p:nvSpPr>
+        <p:spPr>
+          <a:xfrm>
+            <a:off x="2702560" y="111760"/>
+            <a:ext cx="3005951" cy="400110"/>
+          </a:xfrm>
+          <a:prstGeom prst="rect">
+            <a:avLst/>
+          </a:prstGeom>
+          <a:noFill/>
+        </p:spPr>
+        <p:txBody>
+          <a:bodyPr wrap="none" rtlCol="0">
+            <a:spAutoFit/>
+          </a:bodyPr>
+          <a:lstStyle/>
+          <a:p>
+            <a:r>
+              <a:rPr kumimoji="1" lang="ja-JP" altLang="en-US" sz="2000"/>
+              <a:t>バネの伸びと荷重の関係</a:t>
+            </a:r>
+          </a:p>
+        </p:txBody>
+      </p:sp>
+      <p:sp>
+        <p:nvSpPr>
+          <p:cNvPr id="59" name="下矢印 58">
+            <a:extLst>
+              <a:ext uri="{FF2B5EF4-FFF2-40B4-BE49-F238E27FC236}">
+                <a16:creationId xmlns:a16="http://schemas.microsoft.com/office/drawing/2014/main" id="{E4F40C4F-2F03-384A-811B-5FAEAC045184}"/>
+              </a:ext>
+            </a:extLst>
+          </p:cNvPr>
+          <p:cNvSpPr/>
+          <p:nvPr/>
+        </p:nvSpPr>
+        <p:spPr>
+          <a:xfrm>
+            <a:off x="4013200" y="2722880"/>
+            <a:ext cx="294640" cy="365760"/>
+          </a:xfrm>
+          <a:prstGeom prst="downArrow">
+            <a:avLst/>
+          </a:prstGeom>
+          <a:solidFill>
+            <a:srgbClr val="FF0000"/>
+          </a:solidFill>
+          <a:ln>
+            <a:solidFill>
+              <a:schemeClr val="tx1"/>
+            </a:solidFill>
+          </a:ln>
+        </p:spPr>
+        <p:style>
+          <a:lnRef idx="2">
+            <a:schemeClr val="accent1">
+              <a:shade val="50000"/>
+            </a:schemeClr>
+          </a:lnRef>
+          <a:fillRef idx="1">
+            <a:schemeClr val="accent1"/>
+          </a:fillRef>
+          <a:effectRef idx="0">
+            <a:schemeClr val="accent1"/>
+          </a:effectRef>
+          <a:fontRef idx="minor">
+            <a:schemeClr val="lt1"/>
+          </a:fontRef>
+        </p:style>
+        <p:txBody>
+          <a:bodyPr rtlCol="0" anchor="ctr"/>
+          <a:lstStyle/>
+          <a:p>
+            <a:pPr algn="ctr"/>
+            <a:endParaRPr kumimoji="1" lang="ja-JP" altLang="en-US"/>
+          </a:p>
+        </p:txBody>
+      </p:sp>
+      <p:sp>
+        <p:nvSpPr>
+          <p:cNvPr id="60" name="テキスト ボックス 59">
+            <a:extLst>
+              <a:ext uri="{FF2B5EF4-FFF2-40B4-BE49-F238E27FC236}">
+                <a16:creationId xmlns:a16="http://schemas.microsoft.com/office/drawing/2014/main" id="{70248B7E-852E-9F4E-A900-E13E4FFFE025}"/>
+              </a:ext>
+            </a:extLst>
+          </p:cNvPr>
+          <p:cNvSpPr txBox="1"/>
+          <p:nvPr/>
+        </p:nvSpPr>
+        <p:spPr>
+          <a:xfrm>
+            <a:off x="3810000" y="2296160"/>
+            <a:ext cx="646331" cy="369332"/>
+          </a:xfrm>
+          <a:prstGeom prst="rect">
+            <a:avLst/>
+          </a:prstGeom>
+          <a:noFill/>
+        </p:spPr>
+        <p:txBody>
+          <a:bodyPr wrap="none" rtlCol="0">
+            <a:spAutoFit/>
+          </a:bodyPr>
+          <a:lstStyle/>
+          <a:p>
+            <a:r>
+              <a:rPr kumimoji="1" lang="ja-JP" altLang="en-US"/>
+              <a:t>荷重</a:t>
+            </a:r>
+          </a:p>
+        </p:txBody>
+      </p:sp>
+      <p:grpSp>
+        <p:nvGrpSpPr>
+          <p:cNvPr id="64" name="グループ化 63">
+            <a:extLst>
+              <a:ext uri="{FF2B5EF4-FFF2-40B4-BE49-F238E27FC236}">
+                <a16:creationId xmlns:a16="http://schemas.microsoft.com/office/drawing/2014/main" id="{28A53BF9-B604-7549-894C-FF41F6892BEB}"/>
+              </a:ext>
+            </a:extLst>
+          </p:cNvPr>
+          <p:cNvGrpSpPr/>
+          <p:nvPr/>
+        </p:nvGrpSpPr>
+        <p:grpSpPr>
+          <a:xfrm>
+            <a:off x="2788920" y="1486524"/>
+            <a:ext cx="147320" cy="454035"/>
+            <a:chOff x="1264920" y="3657600"/>
+            <a:chExt cx="309880" cy="955040"/>
+          </a:xfrm>
+        </p:grpSpPr>
+        <p:cxnSp>
+          <p:nvCxnSpPr>
+            <p:cNvPr id="62" name="直線コネクタ 61">
+              <a:extLst>
+                <a:ext uri="{FF2B5EF4-FFF2-40B4-BE49-F238E27FC236}">
+                  <a16:creationId xmlns:a16="http://schemas.microsoft.com/office/drawing/2014/main" id="{CAC70157-A90B-C240-B4D2-9914C0E426AD}"/>
+                </a:ext>
+              </a:extLst>
+            </p:cNvPr>
+            <p:cNvCxnSpPr/>
+            <p:nvPr/>
+          </p:nvCxnSpPr>
+          <p:spPr>
+            <a:xfrm flipV="1">
+              <a:off x="1270000" y="3657600"/>
+              <a:ext cx="0" cy="955040"/>
+            </a:xfrm>
+            <a:prstGeom prst="line">
+              <a:avLst/>
+            </a:prstGeom>
+            <a:ln w="12700">
+              <a:solidFill>
+                <a:schemeClr val="tx1"/>
+              </a:solidFill>
+            </a:ln>
+          </p:spPr>
+          <p:style>
+            <a:lnRef idx="1">
+              <a:schemeClr val="accent1"/>
+            </a:lnRef>
+            <a:fillRef idx="0">
+              <a:schemeClr val="accent1"/>
+            </a:fillRef>
+            <a:effectRef idx="0">
+              <a:schemeClr val="accent1"/>
+            </a:effectRef>
+            <a:fontRef idx="minor">
+              <a:schemeClr val="tx1"/>
+            </a:fontRef>
+          </p:style>
+        </p:cxnSp>
+        <p:sp>
+          <p:nvSpPr>
+            <p:cNvPr id="63" name="三角形 62">
+              <a:extLst>
+                <a:ext uri="{FF2B5EF4-FFF2-40B4-BE49-F238E27FC236}">
+                  <a16:creationId xmlns:a16="http://schemas.microsoft.com/office/drawing/2014/main" id="{C0FB6B40-ABA8-F64A-AD29-080AA8663E18}"/>
+                </a:ext>
+              </a:extLst>
+            </p:cNvPr>
+            <p:cNvSpPr/>
+            <p:nvPr/>
+          </p:nvSpPr>
+          <p:spPr>
+            <a:xfrm rot="5400000">
+              <a:off x="1198880" y="3723640"/>
+              <a:ext cx="441960" cy="309880"/>
+            </a:xfrm>
+            <a:prstGeom prst="triangle">
+              <a:avLst/>
+            </a:prstGeom>
+            <a:solidFill>
+              <a:srgbClr val="0070C0"/>
+            </a:solidFill>
+            <a:ln>
+              <a:solidFill>
+                <a:schemeClr val="tx1"/>
+              </a:solidFill>
+            </a:ln>
+          </p:spPr>
+          <p:style>
+            <a:lnRef idx="2">
+              <a:schemeClr val="accent1">
+                <a:shade val="50000"/>
+              </a:schemeClr>
+            </a:lnRef>
+            <a:fillRef idx="1">
+              <a:schemeClr val="accent1"/>
+            </a:fillRef>
+            <a:effectRef idx="0">
+              <a:schemeClr val="accent1"/>
+            </a:effectRef>
+            <a:fontRef idx="minor">
+              <a:schemeClr val="lt1"/>
+            </a:fontRef>
+          </p:style>
+          <p:txBody>
+            <a:bodyPr rtlCol="0" anchor="ctr"/>
+            <a:lstStyle/>
+            <a:p>
+              <a:pPr algn="ctr"/>
+              <a:endParaRPr kumimoji="1" lang="ja-JP" altLang="en-US"/>
+            </a:p>
+          </p:txBody>
+        </p:sp>
+      </p:grpSp>
+      <p:sp>
+        <p:nvSpPr>
+          <p:cNvPr id="65" name="下矢印 64">
+            <a:extLst>
+              <a:ext uri="{FF2B5EF4-FFF2-40B4-BE49-F238E27FC236}">
+                <a16:creationId xmlns:a16="http://schemas.microsoft.com/office/drawing/2014/main" id="{0242AC6F-F10D-7143-B16B-D9DF14009B9E}"/>
+              </a:ext>
+            </a:extLst>
+          </p:cNvPr>
+          <p:cNvSpPr/>
+          <p:nvPr/>
+        </p:nvSpPr>
+        <p:spPr>
+          <a:xfrm rot="16200000">
+            <a:off x="2997200" y="1259840"/>
+            <a:ext cx="294640" cy="365760"/>
+          </a:xfrm>
+          <a:prstGeom prst="downArrow">
+            <a:avLst/>
+          </a:prstGeom>
+          <a:solidFill>
+            <a:srgbClr val="FF0000"/>
+          </a:solidFill>
+          <a:ln>
+            <a:solidFill>
+              <a:schemeClr val="tx1"/>
+            </a:solidFill>
+          </a:ln>
+        </p:spPr>
+        <p:style>
+          <a:lnRef idx="2">
+            <a:schemeClr val="accent1">
+              <a:shade val="50000"/>
+            </a:schemeClr>
+          </a:lnRef>
+          <a:fillRef idx="1">
+            <a:schemeClr val="accent1"/>
+          </a:fillRef>
+          <a:effectRef idx="0">
+            <a:schemeClr val="accent1"/>
+          </a:effectRef>
+          <a:fontRef idx="minor">
+            <a:schemeClr val="lt1"/>
+          </a:fontRef>
+        </p:style>
+        <p:txBody>
+          <a:bodyPr rtlCol="0" anchor="ctr"/>
+          <a:lstStyle/>
+          <a:p>
+            <a:pPr algn="ctr"/>
+            <a:endParaRPr kumimoji="1" lang="ja-JP" altLang="en-US"/>
+          </a:p>
+        </p:txBody>
+      </p:sp>
+      <p:sp>
+        <p:nvSpPr>
+          <p:cNvPr id="66" name="テキスト ボックス 65">
+            <a:extLst>
+              <a:ext uri="{FF2B5EF4-FFF2-40B4-BE49-F238E27FC236}">
+                <a16:creationId xmlns:a16="http://schemas.microsoft.com/office/drawing/2014/main" id="{63BD8030-8842-3647-AFF7-793322F414E5}"/>
+              </a:ext>
+            </a:extLst>
+          </p:cNvPr>
+          <p:cNvSpPr txBox="1"/>
+          <p:nvPr/>
+        </p:nvSpPr>
+        <p:spPr>
+          <a:xfrm>
+            <a:off x="2621280" y="914400"/>
+            <a:ext cx="646331" cy="369332"/>
+          </a:xfrm>
+          <a:prstGeom prst="rect">
+            <a:avLst/>
+          </a:prstGeom>
+          <a:noFill/>
+        </p:spPr>
+        <p:txBody>
+          <a:bodyPr wrap="none" rtlCol="0">
+            <a:spAutoFit/>
+          </a:bodyPr>
+          <a:lstStyle/>
+          <a:p>
+            <a:r>
+              <a:rPr kumimoji="1" lang="ja-JP" altLang="en-US"/>
+              <a:t>伸び</a:t>
+            </a:r>
+          </a:p>
+        </p:txBody>
+      </p:sp>
+      <p:sp>
+        <p:nvSpPr>
+          <p:cNvPr id="67" name="円/楕円 66">
+            <a:extLst>
+              <a:ext uri="{FF2B5EF4-FFF2-40B4-BE49-F238E27FC236}">
+                <a16:creationId xmlns:a16="http://schemas.microsoft.com/office/drawing/2014/main" id="{8FDAF251-6A4E-A04F-8A6B-9FF7CC5FBC8C}"/>
+              </a:ext>
+            </a:extLst>
+          </p:cNvPr>
+          <p:cNvSpPr/>
+          <p:nvPr/>
+        </p:nvSpPr>
+        <p:spPr>
+          <a:xfrm>
+            <a:off x="5537200" y="1381760"/>
+            <a:ext cx="132080" cy="132080"/>
+          </a:xfrm>
+          <a:prstGeom prst="ellipse">
+            <a:avLst/>
+          </a:prstGeom>
+          <a:solidFill>
+            <a:srgbClr val="FF0000"/>
+          </a:solidFill>
+          <a:ln>
+            <a:solidFill>
+              <a:schemeClr val="tx1"/>
+            </a:solidFill>
+          </a:ln>
+        </p:spPr>
+        <p:style>
+          <a:lnRef idx="2">
+            <a:schemeClr val="accent1">
+              <a:shade val="50000"/>
+            </a:schemeClr>
+          </a:lnRef>
+          <a:fillRef idx="1">
+            <a:schemeClr val="accent1"/>
+          </a:fillRef>
+          <a:effectRef idx="0">
+            <a:schemeClr val="accent1"/>
+          </a:effectRef>
+          <a:fontRef idx="minor">
+            <a:schemeClr val="lt1"/>
+          </a:fontRef>
+        </p:style>
+        <p:txBody>
+          <a:bodyPr rtlCol="0" anchor="ctr"/>
+          <a:lstStyle/>
+          <a:p>
+            <a:pPr algn="ctr"/>
+            <a:endParaRPr kumimoji="1" lang="ja-JP" altLang="en-US"/>
+          </a:p>
+        </p:txBody>
+      </p:sp>
+      <p:sp>
+        <p:nvSpPr>
+          <p:cNvPr id="68" name="テキスト ボックス 67">
+            <a:extLst>
+              <a:ext uri="{FF2B5EF4-FFF2-40B4-BE49-F238E27FC236}">
+                <a16:creationId xmlns:a16="http://schemas.microsoft.com/office/drawing/2014/main" id="{620FEDFC-D460-2443-98C8-FD4EC689922A}"/>
+              </a:ext>
+            </a:extLst>
+          </p:cNvPr>
+          <p:cNvSpPr txBox="1"/>
+          <p:nvPr/>
+        </p:nvSpPr>
+        <p:spPr>
+          <a:xfrm>
+            <a:off x="5648960" y="1280160"/>
+            <a:ext cx="877163" cy="369332"/>
+          </a:xfrm>
+          <a:prstGeom prst="rect">
+            <a:avLst/>
+          </a:prstGeom>
+          <a:noFill/>
+        </p:spPr>
+        <p:txBody>
+          <a:bodyPr wrap="none" rtlCol="0">
+            <a:spAutoFit/>
+          </a:bodyPr>
+          <a:lstStyle/>
+          <a:p>
+            <a:r>
+              <a:rPr kumimoji="1" lang="ja-JP" altLang="en-US"/>
+              <a:t>観測値</a:t>
+            </a:r>
+          </a:p>
+        </p:txBody>
+      </p:sp>
+      <p:sp>
+        <p:nvSpPr>
+          <p:cNvPr id="69" name="角丸四角形 68">
+            <a:extLst>
+              <a:ext uri="{FF2B5EF4-FFF2-40B4-BE49-F238E27FC236}">
+                <a16:creationId xmlns:a16="http://schemas.microsoft.com/office/drawing/2014/main" id="{3AEDDB84-DD6E-2B44-8E94-AE56B296608E}"/>
+              </a:ext>
+            </a:extLst>
+          </p:cNvPr>
+          <p:cNvSpPr/>
+          <p:nvPr/>
+        </p:nvSpPr>
+        <p:spPr>
+          <a:xfrm>
+            <a:off x="5394960" y="1249680"/>
+            <a:ext cx="1127760" cy="426720"/>
+          </a:xfrm>
+          <a:prstGeom prst="roundRect">
+            <a:avLst/>
+          </a:prstGeom>
+          <a:noFill/>
+          <a:ln>
+            <a:solidFill>
+              <a:schemeClr val="bg1">
+                <a:lumMod val="50000"/>
+              </a:schemeClr>
+            </a:solidFill>
+          </a:ln>
+        </p:spPr>
+        <p:style>
+          <a:lnRef idx="2">
+            <a:schemeClr val="accent1">
+              <a:shade val="50000"/>
+            </a:schemeClr>
+          </a:lnRef>
+          <a:fillRef idx="1">
+            <a:schemeClr val="accent1"/>
+          </a:fillRef>
+          <a:effectRef idx="0">
+            <a:schemeClr val="accent1"/>
+          </a:effectRef>
+          <a:fontRef idx="minor">
+            <a:schemeClr val="lt1"/>
+          </a:fontRef>
+        </p:style>
+        <p:txBody>
+          <a:bodyPr rtlCol="0" anchor="ctr"/>
+          <a:lstStyle/>
+          <a:p>
+            <a:pPr algn="ctr"/>
+            <a:endParaRPr kumimoji="1" lang="ja-JP" altLang="en-US"/>
+          </a:p>
+        </p:txBody>
+      </p:sp>
+    </p:spTree>
+    <p:extLst>
+      <p:ext uri="{BB962C8B-B14F-4D97-AF65-F5344CB8AC3E}">
+        <p14:creationId xmlns:p14="http://schemas.microsoft.com/office/powerpoint/2010/main" val="605618635"/>
+      </p:ext>
+    </p:extLst>
+  </p:cSld>
+  <p:clrMapOvr>
+    <a:masterClrMapping/>
+  </p:clrMapOvr>
+</p:sld>
+</file>
+
+<file path=ppt/slides/slide2.xml><?xml version="1.0" encoding="utf-8"?>
+<p:sld xmlns:a="http://schemas.openxmlformats.org/drawingml/2006/main" xmlns:r="http://schemas.openxmlformats.org/officeDocument/2006/relationships" xmlns:p="http://schemas.openxmlformats.org/presentationml/2006/main">
+  <p:cSld>
+    <p:spTree>
+      <p:nvGrpSpPr>
+        <p:cNvPr id="1" name=""/>
+        <p:cNvGrpSpPr/>
+        <p:nvPr/>
+      </p:nvGrpSpPr>
+      <p:grpSpPr>
+        <a:xfrm>
+          <a:off x="0" y="0"/>
+          <a:ext cx="0" cy="0"/>
+          <a:chOff x="0" y="0"/>
+          <a:chExt cx="0" cy="0"/>
+        </a:xfrm>
+      </p:grpSpPr>
+      <p:cxnSp>
+        <p:nvCxnSpPr>
+          <p:cNvPr id="2" name="直線矢印コネクタ 1">
+            <a:extLst>
+              <a:ext uri="{FF2B5EF4-FFF2-40B4-BE49-F238E27FC236}">
+                <a16:creationId xmlns:a16="http://schemas.microsoft.com/office/drawing/2014/main" id="{B3A1E29A-A926-7B4E-AF73-E7542E1E8F7E}"/>
+              </a:ext>
+            </a:extLst>
+          </p:cNvPr>
+          <p:cNvCxnSpPr/>
+          <p:nvPr/>
+        </p:nvCxnSpPr>
+        <p:spPr>
+          <a:xfrm flipV="1">
+            <a:off x="772160" y="985520"/>
+            <a:ext cx="0" cy="2783840"/>
+          </a:xfrm>
+          <a:prstGeom prst="straightConnector1">
+            <a:avLst/>
+          </a:prstGeom>
+          <a:ln w="12700">
+            <a:solidFill>
+              <a:schemeClr val="tx1"/>
+            </a:solidFill>
+            <a:tailEnd type="triangle"/>
+          </a:ln>
+        </p:spPr>
+        <p:style>
+          <a:lnRef idx="1">
+            <a:schemeClr val="accent1"/>
+          </a:lnRef>
+          <a:fillRef idx="0">
+            <a:schemeClr val="accent1"/>
+          </a:fillRef>
+          <a:effectRef idx="0">
+            <a:schemeClr val="accent1"/>
+          </a:effectRef>
+          <a:fontRef idx="minor">
+            <a:schemeClr val="tx1"/>
+          </a:fontRef>
+        </p:style>
+      </p:cxnSp>
+      <p:cxnSp>
+        <p:nvCxnSpPr>
+          <p:cNvPr id="3" name="直線矢印コネクタ 2">
+            <a:extLst>
+              <a:ext uri="{FF2B5EF4-FFF2-40B4-BE49-F238E27FC236}">
+                <a16:creationId xmlns:a16="http://schemas.microsoft.com/office/drawing/2014/main" id="{C5A935D9-8808-D24E-8CFC-3E5EF3BDA839}"/>
+              </a:ext>
+            </a:extLst>
+          </p:cNvPr>
+          <p:cNvCxnSpPr>
+            <a:cxnSpLocks/>
+          </p:cNvCxnSpPr>
+          <p:nvPr/>
+        </p:nvCxnSpPr>
+        <p:spPr>
+          <a:xfrm>
+            <a:off x="436880" y="3413760"/>
+            <a:ext cx="3322320" cy="0"/>
+          </a:xfrm>
+          <a:prstGeom prst="straightConnector1">
+            <a:avLst/>
+          </a:prstGeom>
+          <a:ln w="12700">
+            <a:solidFill>
+              <a:schemeClr val="tx1"/>
+            </a:solidFill>
+            <a:tailEnd type="triangle"/>
+          </a:ln>
+        </p:spPr>
+        <p:style>
+          <a:lnRef idx="1">
+            <a:schemeClr val="accent1"/>
+          </a:lnRef>
+          <a:fillRef idx="0">
+            <a:schemeClr val="accent1"/>
+          </a:fillRef>
+          <a:effectRef idx="0">
+            <a:schemeClr val="accent1"/>
+          </a:effectRef>
+          <a:fontRef idx="minor">
+            <a:schemeClr val="tx1"/>
+          </a:fontRef>
+        </p:style>
+      </p:cxnSp>
+      <p:sp>
+        <p:nvSpPr>
+          <p:cNvPr id="4" name="テキスト ボックス 3">
+            <a:extLst>
+              <a:ext uri="{FF2B5EF4-FFF2-40B4-BE49-F238E27FC236}">
+                <a16:creationId xmlns:a16="http://schemas.microsoft.com/office/drawing/2014/main" id="{4B316541-64CB-DB48-9C63-DED12F774356}"/>
+              </a:ext>
+            </a:extLst>
+          </p:cNvPr>
+          <p:cNvSpPr txBox="1"/>
+          <p:nvPr/>
+        </p:nvSpPr>
+        <p:spPr>
+          <a:xfrm>
+            <a:off x="426720" y="3464560"/>
+            <a:ext cx="301686" cy="369332"/>
+          </a:xfrm>
+          <a:prstGeom prst="rect">
+            <a:avLst/>
+          </a:prstGeom>
+          <a:noFill/>
+        </p:spPr>
+        <p:txBody>
+          <a:bodyPr wrap="none" rtlCol="0">
+            <a:spAutoFit/>
+          </a:bodyPr>
+          <a:lstStyle/>
+          <a:p>
+            <a:r>
+              <a:rPr kumimoji="1" lang="en-US" altLang="ja-JP"/>
+              <a:t>0</a:t>
+            </a:r>
+            <a:endParaRPr kumimoji="1" lang="ja-JP" altLang="en-US"/>
+          </a:p>
+        </p:txBody>
+      </p:sp>
+      <p:sp>
+        <p:nvSpPr>
+          <p:cNvPr id="5" name="テキスト ボックス 4">
+            <a:extLst>
+              <a:ext uri="{FF2B5EF4-FFF2-40B4-BE49-F238E27FC236}">
+                <a16:creationId xmlns:a16="http://schemas.microsoft.com/office/drawing/2014/main" id="{5595218F-2524-314E-BD0D-A4BEC06D1137}"/>
+              </a:ext>
+            </a:extLst>
+          </p:cNvPr>
+          <p:cNvSpPr txBox="1"/>
+          <p:nvPr/>
+        </p:nvSpPr>
+        <p:spPr>
+          <a:xfrm>
+            <a:off x="3779520" y="3230880"/>
+            <a:ext cx="646331" cy="369332"/>
+          </a:xfrm>
+          <a:prstGeom prst="rect">
+            <a:avLst/>
+          </a:prstGeom>
+          <a:noFill/>
+        </p:spPr>
+        <p:txBody>
+          <a:bodyPr wrap="none" rtlCol="0">
+            <a:spAutoFit/>
+          </a:bodyPr>
+          <a:lstStyle/>
+          <a:p>
+            <a:r>
+              <a:rPr kumimoji="1" lang="ja-JP" altLang="en-US"/>
+              <a:t>荷重</a:t>
+            </a:r>
+          </a:p>
+        </p:txBody>
+      </p:sp>
+      <p:sp>
+        <p:nvSpPr>
+          <p:cNvPr id="6" name="テキスト ボックス 5">
+            <a:extLst>
+              <a:ext uri="{FF2B5EF4-FFF2-40B4-BE49-F238E27FC236}">
+                <a16:creationId xmlns:a16="http://schemas.microsoft.com/office/drawing/2014/main" id="{29AD7F97-A469-8A4A-97B4-F94776B920C6}"/>
+              </a:ext>
+            </a:extLst>
+          </p:cNvPr>
+          <p:cNvSpPr txBox="1"/>
+          <p:nvPr/>
+        </p:nvSpPr>
+        <p:spPr>
+          <a:xfrm>
+            <a:off x="426720" y="589280"/>
+            <a:ext cx="646331" cy="369332"/>
+          </a:xfrm>
+          <a:prstGeom prst="rect">
+            <a:avLst/>
+          </a:prstGeom>
+          <a:noFill/>
+        </p:spPr>
+        <p:txBody>
+          <a:bodyPr wrap="none" rtlCol="0">
+            <a:spAutoFit/>
+          </a:bodyPr>
+          <a:lstStyle/>
+          <a:p>
+            <a:r>
+              <a:rPr kumimoji="1" lang="ja-JP" altLang="en-US"/>
+              <a:t>伸び</a:t>
+            </a:r>
+          </a:p>
+        </p:txBody>
+      </p:sp>
+      <p:cxnSp>
+        <p:nvCxnSpPr>
+          <p:cNvPr id="8" name="直線コネクタ 7">
+            <a:extLst>
+              <a:ext uri="{FF2B5EF4-FFF2-40B4-BE49-F238E27FC236}">
+                <a16:creationId xmlns:a16="http://schemas.microsoft.com/office/drawing/2014/main" id="{C4AB48C9-7888-7F41-801D-B2CEBE7F2896}"/>
+              </a:ext>
+            </a:extLst>
+          </p:cNvPr>
+          <p:cNvCxnSpPr/>
+          <p:nvPr/>
+        </p:nvCxnSpPr>
+        <p:spPr>
+          <a:xfrm flipV="1">
+            <a:off x="782320" y="1554480"/>
+            <a:ext cx="3017520" cy="1849120"/>
+          </a:xfrm>
+          <a:prstGeom prst="line">
+            <a:avLst/>
+          </a:prstGeom>
+          <a:ln w="12700">
+            <a:solidFill>
+              <a:schemeClr val="tx1"/>
+            </a:solidFill>
+          </a:ln>
+        </p:spPr>
+        <p:style>
+          <a:lnRef idx="1">
+            <a:schemeClr val="accent1"/>
+          </a:lnRef>
+          <a:fillRef idx="0">
+            <a:schemeClr val="accent1"/>
+          </a:fillRef>
+          <a:effectRef idx="0">
+            <a:schemeClr val="accent1"/>
+          </a:effectRef>
+          <a:fontRef idx="minor">
+            <a:schemeClr val="tx1"/>
+          </a:fontRef>
+        </p:style>
+      </p:cxnSp>
+      <p:sp>
+        <p:nvSpPr>
+          <p:cNvPr id="10" name="円/楕円 9">
+            <a:extLst>
+              <a:ext uri="{FF2B5EF4-FFF2-40B4-BE49-F238E27FC236}">
+                <a16:creationId xmlns:a16="http://schemas.microsoft.com/office/drawing/2014/main" id="{A133D6B3-6B13-0F4A-BC5D-5472FC77195D}"/>
+              </a:ext>
+            </a:extLst>
+          </p:cNvPr>
+          <p:cNvSpPr/>
+          <p:nvPr/>
+        </p:nvSpPr>
+        <p:spPr>
+          <a:xfrm>
+            <a:off x="2438400" y="2001520"/>
+            <a:ext cx="132080" cy="132080"/>
+          </a:xfrm>
+          <a:prstGeom prst="ellipse">
+            <a:avLst/>
+          </a:prstGeom>
+          <a:solidFill>
+            <a:srgbClr val="FF0000"/>
+          </a:solidFill>
+          <a:ln>
+            <a:solidFill>
+              <a:schemeClr val="tx1"/>
+            </a:solidFill>
+          </a:ln>
+        </p:spPr>
+        <p:style>
+          <a:lnRef idx="2">
+            <a:schemeClr val="accent1">
+              <a:shade val="50000"/>
+            </a:schemeClr>
+          </a:lnRef>
+          <a:fillRef idx="1">
+            <a:schemeClr val="accent1"/>
+          </a:fillRef>
+          <a:effectRef idx="0">
+            <a:schemeClr val="accent1"/>
+          </a:effectRef>
+          <a:fontRef idx="minor">
+            <a:schemeClr val="lt1"/>
+          </a:fontRef>
+        </p:style>
+        <p:txBody>
+          <a:bodyPr rtlCol="0" anchor="ctr"/>
+          <a:lstStyle/>
+          <a:p>
+            <a:pPr algn="ctr"/>
+            <a:endParaRPr kumimoji="1" lang="ja-JP" altLang="en-US"/>
+          </a:p>
+        </p:txBody>
+      </p:sp>
+      <p:sp>
+        <p:nvSpPr>
+          <p:cNvPr id="13" name="円/楕円 12">
+            <a:extLst>
+              <a:ext uri="{FF2B5EF4-FFF2-40B4-BE49-F238E27FC236}">
+                <a16:creationId xmlns:a16="http://schemas.microsoft.com/office/drawing/2014/main" id="{54D1E301-7BD2-6D4A-84DD-90B485E1B0CC}"/>
+              </a:ext>
+            </a:extLst>
+          </p:cNvPr>
+          <p:cNvSpPr/>
+          <p:nvPr/>
+        </p:nvSpPr>
+        <p:spPr>
+          <a:xfrm>
+            <a:off x="1148080" y="1320800"/>
+            <a:ext cx="132080" cy="132080"/>
+          </a:xfrm>
+          <a:prstGeom prst="ellipse">
+            <a:avLst/>
+          </a:prstGeom>
+          <a:solidFill>
+            <a:srgbClr val="FF0000"/>
+          </a:solidFill>
+          <a:ln>
+            <a:solidFill>
+              <a:schemeClr val="tx1"/>
+            </a:solidFill>
+          </a:ln>
+        </p:spPr>
+        <p:style>
+          <a:lnRef idx="2">
+            <a:schemeClr val="accent1">
+              <a:shade val="50000"/>
+            </a:schemeClr>
+          </a:lnRef>
+          <a:fillRef idx="1">
+            <a:schemeClr val="accent1"/>
+          </a:fillRef>
+          <a:effectRef idx="0">
+            <a:schemeClr val="accent1"/>
+          </a:effectRef>
+          <a:fontRef idx="minor">
+            <a:schemeClr val="lt1"/>
+          </a:fontRef>
+        </p:style>
+        <p:txBody>
+          <a:bodyPr rtlCol="0" anchor="ctr"/>
+          <a:lstStyle/>
+          <a:p>
+            <a:pPr algn="ctr"/>
+            <a:endParaRPr kumimoji="1" lang="ja-JP" altLang="en-US"/>
+          </a:p>
+        </p:txBody>
+      </p:sp>
+      <p:sp>
+        <p:nvSpPr>
+          <p:cNvPr id="14" name="テキスト ボックス 13">
+            <a:extLst>
+              <a:ext uri="{FF2B5EF4-FFF2-40B4-BE49-F238E27FC236}">
+                <a16:creationId xmlns:a16="http://schemas.microsoft.com/office/drawing/2014/main" id="{ED07675C-872F-7F48-8E23-6FEBDECFAE0D}"/>
+              </a:ext>
+            </a:extLst>
+          </p:cNvPr>
+          <p:cNvSpPr txBox="1"/>
+          <p:nvPr/>
+        </p:nvSpPr>
+        <p:spPr>
+          <a:xfrm>
+            <a:off x="1259840" y="1219200"/>
+            <a:ext cx="877163" cy="369332"/>
+          </a:xfrm>
+          <a:prstGeom prst="rect">
+            <a:avLst/>
+          </a:prstGeom>
+          <a:noFill/>
+        </p:spPr>
+        <p:txBody>
+          <a:bodyPr wrap="none" rtlCol="0">
+            <a:spAutoFit/>
+          </a:bodyPr>
+          <a:lstStyle/>
+          <a:p>
+            <a:r>
+              <a:rPr kumimoji="1" lang="ja-JP" altLang="en-US"/>
+              <a:t>観測値</a:t>
+            </a:r>
+          </a:p>
+        </p:txBody>
+      </p:sp>
+      <p:sp>
+        <p:nvSpPr>
+          <p:cNvPr id="16" name="円/楕円 15">
+            <a:extLst>
+              <a:ext uri="{FF2B5EF4-FFF2-40B4-BE49-F238E27FC236}">
+                <a16:creationId xmlns:a16="http://schemas.microsoft.com/office/drawing/2014/main" id="{A0232CFC-49FE-1D4E-BB85-B6193A633651}"/>
+              </a:ext>
+            </a:extLst>
+          </p:cNvPr>
+          <p:cNvSpPr/>
+          <p:nvPr/>
+        </p:nvSpPr>
+        <p:spPr>
+          <a:xfrm>
+            <a:off x="2438400" y="2306320"/>
+            <a:ext cx="132080" cy="132080"/>
+          </a:xfrm>
+          <a:prstGeom prst="ellipse">
+            <a:avLst/>
+          </a:prstGeom>
+          <a:solidFill>
+            <a:srgbClr val="0070C0"/>
+          </a:solidFill>
+          <a:ln>
+            <a:solidFill>
+              <a:schemeClr val="tx1"/>
+            </a:solidFill>
+          </a:ln>
+        </p:spPr>
+        <p:style>
+          <a:lnRef idx="2">
+            <a:schemeClr val="accent1">
+              <a:shade val="50000"/>
+            </a:schemeClr>
+          </a:lnRef>
+          <a:fillRef idx="1">
+            <a:schemeClr val="accent1"/>
+          </a:fillRef>
+          <a:effectRef idx="0">
+            <a:schemeClr val="accent1"/>
+          </a:effectRef>
+          <a:fontRef idx="minor">
+            <a:schemeClr val="lt1"/>
+          </a:fontRef>
+        </p:style>
+        <p:txBody>
+          <a:bodyPr rtlCol="0" anchor="ctr"/>
+          <a:lstStyle/>
+          <a:p>
+            <a:pPr algn="ctr"/>
+            <a:endParaRPr kumimoji="1" lang="ja-JP" altLang="en-US"/>
+          </a:p>
+        </p:txBody>
+      </p:sp>
+      <p:cxnSp>
+        <p:nvCxnSpPr>
+          <p:cNvPr id="18" name="直線コネクタ 17">
+            <a:extLst>
+              <a:ext uri="{FF2B5EF4-FFF2-40B4-BE49-F238E27FC236}">
+                <a16:creationId xmlns:a16="http://schemas.microsoft.com/office/drawing/2014/main" id="{C58B03D9-3F68-D049-A503-A15844CD2045}"/>
+              </a:ext>
+            </a:extLst>
+          </p:cNvPr>
+          <p:cNvCxnSpPr/>
+          <p:nvPr/>
+        </p:nvCxnSpPr>
+        <p:spPr>
+          <a:xfrm>
+            <a:off x="2509520" y="1137920"/>
+            <a:ext cx="0" cy="2357120"/>
+          </a:xfrm>
+          <a:prstGeom prst="line">
+            <a:avLst/>
+          </a:prstGeom>
+          <a:ln w="12700">
+            <a:solidFill>
+              <a:schemeClr val="tx1"/>
+            </a:solidFill>
+          </a:ln>
+        </p:spPr>
+        <p:style>
+          <a:lnRef idx="1">
+            <a:schemeClr val="accent1"/>
+          </a:lnRef>
+          <a:fillRef idx="0">
+            <a:schemeClr val="accent1"/>
+          </a:fillRef>
+          <a:effectRef idx="0">
+            <a:schemeClr val="accent1"/>
+          </a:effectRef>
+          <a:fontRef idx="minor">
+            <a:schemeClr val="tx1"/>
+          </a:fontRef>
+        </p:style>
+      </p:cxnSp>
+      <mc:AlternateContent xmlns:mc="http://schemas.openxmlformats.org/markup-compatibility/2006">
+        <mc:Choice xmlns:a14="http://schemas.microsoft.com/office/drawing/2010/main" Requires="a14">
+          <p:sp>
+            <p:nvSpPr>
+              <p:cNvPr id="19" name="テキスト ボックス 18">
+                <a:extLst>
+                  <a:ext uri="{FF2B5EF4-FFF2-40B4-BE49-F238E27FC236}">
+                    <a16:creationId xmlns:a16="http://schemas.microsoft.com/office/drawing/2014/main" id="{7F777ACB-A0BA-4C4A-9430-AAF5C2BBC0EC}"/>
+                  </a:ext>
+                </a:extLst>
+              </p:cNvPr>
+              <p:cNvSpPr txBox="1"/>
+              <p:nvPr/>
+            </p:nvSpPr>
+            <p:spPr>
+              <a:xfrm>
+                <a:off x="2397760" y="3469640"/>
+                <a:ext cx="248722" cy="276999"/>
+              </a:xfrm>
+              <a:prstGeom prst="rect">
+                <a:avLst/>
+              </a:prstGeom>
+              <a:noFill/>
+            </p:spPr>
+            <p:txBody>
+              <a:bodyPr wrap="none" lIns="0" tIns="0" rIns="0" bIns="0" rtlCol="0">
+                <a:spAutoFit/>
+              </a:bodyPr>
+              <a:lstStyle/>
+              <a:p>
+                <a14:m>
+                  <m:oMathPara xmlns:m="http://schemas.openxmlformats.org/officeDocument/2006/math">
+                    <m:oMathParaPr>
+                      <m:jc m:val="centerGroup"/>
+                    </m:oMathParaPr>
+                    <m:oMath xmlns:m="http://schemas.openxmlformats.org/officeDocument/2006/math">
+                      <m:sSub>
+                        <m:sSubPr>
+                          <m:ctrlPr>
+                            <a:rPr kumimoji="1" lang="en-US" altLang="ja-JP" i="1">
+                              <a:latin typeface="Cambria Math" panose="02040503050406030204" pitchFamily="18" charset="0"/>
+                            </a:rPr>
+                          </m:ctrlPr>
+                        </m:sSubPr>
+                        <m:e>
+                          <m:r>
+                            <a:rPr kumimoji="1" lang="en-US" altLang="ja-JP" b="0" i="1">
+                              <a:latin typeface="Cambria Math" panose="02040503050406030204" pitchFamily="18" charset="0"/>
+                            </a:rPr>
+                            <m:t>𝑥</m:t>
+                          </m:r>
+                        </m:e>
+                        <m:sub>
+                          <m:r>
+                            <a:rPr kumimoji="1" lang="en-US" altLang="ja-JP" b="0" i="1">
+                              <a:latin typeface="Cambria Math" panose="02040503050406030204" pitchFamily="18" charset="0"/>
+                            </a:rPr>
+                            <m:t>𝑖</m:t>
+                          </m:r>
+                        </m:sub>
+                      </m:sSub>
+                    </m:oMath>
+                  </m:oMathPara>
+                </a14:m>
+                <a:endParaRPr kumimoji="1" lang="ja-JP" altLang="en-US"/>
+              </a:p>
+            </p:txBody>
+          </p:sp>
+        </mc:Choice>
+        <mc:Fallback>
+          <p:sp>
+            <p:nvSpPr>
+              <p:cNvPr id="19" name="テキスト ボックス 18">
+                <a:extLst>
+                  <a:ext uri="{FF2B5EF4-FFF2-40B4-BE49-F238E27FC236}">
+                    <a16:creationId xmlns:a16="http://schemas.microsoft.com/office/drawing/2014/main" id="{7F777ACB-A0BA-4C4A-9430-AAF5C2BBC0EC}"/>
+                  </a:ext>
+                </a:extLst>
+              </p:cNvPr>
+              <p:cNvSpPr txBox="1">
+                <a:spLocks noRot="1" noChangeAspect="1" noMove="1" noResize="1" noEditPoints="1" noAdjustHandles="1" noChangeArrowheads="1" noChangeShapeType="1" noTextEdit="1"/>
+              </p:cNvSpPr>
+              <p:nvPr/>
+            </p:nvSpPr>
+            <p:spPr>
+              <a:xfrm>
+                <a:off x="2397760" y="3469640"/>
+                <a:ext cx="248722" cy="276999"/>
+              </a:xfrm>
+              <a:prstGeom prst="rect">
+                <a:avLst/>
+              </a:prstGeom>
+              <a:blipFill>
+                <a:blip r:embed="rId2"/>
+                <a:stretch>
+                  <a:fillRect l="-10000" r="-5000" b="-13043"/>
+                </a:stretch>
+              </a:blipFill>
+            </p:spPr>
+            <p:txBody>
+              <a:bodyPr/>
+              <a:lstStyle/>
+              <a:p>
+                <a:r>
+                  <a:rPr lang="ja-JP" altLang="en-US">
+                    <a:noFill/>
+                  </a:rPr>
+                  <a:t> </a:t>
+                </a:r>
+              </a:p>
+            </p:txBody>
+          </p:sp>
+        </mc:Fallback>
+      </mc:AlternateContent>
+      <mc:AlternateContent xmlns:mc="http://schemas.openxmlformats.org/markup-compatibility/2006">
+        <mc:Choice xmlns:a14="http://schemas.microsoft.com/office/drawing/2010/main" Requires="a14">
+          <p:sp>
+            <p:nvSpPr>
+              <p:cNvPr id="20" name="テキスト ボックス 19">
+                <a:extLst>
+                  <a:ext uri="{FF2B5EF4-FFF2-40B4-BE49-F238E27FC236}">
+                    <a16:creationId xmlns:a16="http://schemas.microsoft.com/office/drawing/2014/main" id="{12137DB7-CB9F-9D4D-950E-B3B1151B1B35}"/>
+                  </a:ext>
+                </a:extLst>
+              </p:cNvPr>
+              <p:cNvSpPr txBox="1"/>
+              <p:nvPr/>
+            </p:nvSpPr>
+            <p:spPr>
+              <a:xfrm>
+                <a:off x="477520" y="1874520"/>
+                <a:ext cx="250390" cy="276999"/>
+              </a:xfrm>
+              <a:prstGeom prst="rect">
+                <a:avLst/>
+              </a:prstGeom>
+              <a:noFill/>
+            </p:spPr>
+            <p:txBody>
+              <a:bodyPr wrap="none" lIns="0" tIns="0" rIns="0" bIns="0" rtlCol="0">
+                <a:spAutoFit/>
+              </a:bodyPr>
+              <a:lstStyle/>
+              <a:p>
+                <a14:m>
+                  <m:oMathPara xmlns:m="http://schemas.openxmlformats.org/officeDocument/2006/math">
+                    <m:oMathParaPr>
+                      <m:jc m:val="centerGroup"/>
+                    </m:oMathParaPr>
+                    <m:oMath xmlns:m="http://schemas.openxmlformats.org/officeDocument/2006/math">
+                      <m:sSub>
+                        <m:sSubPr>
+                          <m:ctrlPr>
+                            <a:rPr kumimoji="1" lang="en-US" altLang="ja-JP" i="1">
+                              <a:latin typeface="Cambria Math" panose="02040503050406030204" pitchFamily="18" charset="0"/>
+                            </a:rPr>
+                          </m:ctrlPr>
+                        </m:sSubPr>
+                        <m:e>
+                          <m:r>
+                            <a:rPr kumimoji="1" lang="en-US" altLang="ja-JP" b="0" i="1">
+                              <a:latin typeface="Cambria Math" panose="02040503050406030204" pitchFamily="18" charset="0"/>
+                            </a:rPr>
+                            <m:t>𝑦</m:t>
+                          </m:r>
+                        </m:e>
+                        <m:sub>
+                          <m:r>
+                            <a:rPr kumimoji="1" lang="en-US" altLang="ja-JP" b="0" i="1">
+                              <a:latin typeface="Cambria Math" panose="02040503050406030204" pitchFamily="18" charset="0"/>
+                            </a:rPr>
+                            <m:t>𝑖</m:t>
+                          </m:r>
+                        </m:sub>
+                      </m:sSub>
+                    </m:oMath>
+                  </m:oMathPara>
+                </a14:m>
+                <a:endParaRPr kumimoji="1" lang="ja-JP" altLang="en-US"/>
+              </a:p>
+            </p:txBody>
+          </p:sp>
+        </mc:Choice>
+        <mc:Fallback>
+          <p:sp>
+            <p:nvSpPr>
+              <p:cNvPr id="20" name="テキスト ボックス 19">
+                <a:extLst>
+                  <a:ext uri="{FF2B5EF4-FFF2-40B4-BE49-F238E27FC236}">
+                    <a16:creationId xmlns:a16="http://schemas.microsoft.com/office/drawing/2014/main" id="{12137DB7-CB9F-9D4D-950E-B3B1151B1B35}"/>
+                  </a:ext>
+                </a:extLst>
+              </p:cNvPr>
+              <p:cNvSpPr txBox="1">
+                <a:spLocks noRot="1" noChangeAspect="1" noMove="1" noResize="1" noEditPoints="1" noAdjustHandles="1" noChangeArrowheads="1" noChangeShapeType="1" noTextEdit="1"/>
+              </p:cNvSpPr>
+              <p:nvPr/>
+            </p:nvSpPr>
+            <p:spPr>
+              <a:xfrm>
+                <a:off x="477520" y="1874520"/>
+                <a:ext cx="250390" cy="276999"/>
+              </a:xfrm>
+              <a:prstGeom prst="rect">
+                <a:avLst/>
+              </a:prstGeom>
+              <a:blipFill>
+                <a:blip r:embed="rId3"/>
+                <a:stretch>
+                  <a:fillRect l="-20000" r="-5000" b="-27273"/>
+                </a:stretch>
+              </a:blipFill>
+            </p:spPr>
+            <p:txBody>
+              <a:bodyPr/>
+              <a:lstStyle/>
+              <a:p>
+                <a:r>
+                  <a:rPr lang="ja-JP" altLang="en-US">
+                    <a:noFill/>
+                  </a:rPr>
+                  <a:t> </a:t>
+                </a:r>
+              </a:p>
+            </p:txBody>
+          </p:sp>
+        </mc:Fallback>
+      </mc:AlternateContent>
+    </p:spTree>
+    <p:extLst>
+      <p:ext uri="{BB962C8B-B14F-4D97-AF65-F5344CB8AC3E}">
+        <p14:creationId xmlns:p14="http://schemas.microsoft.com/office/powerpoint/2010/main" val="3184913088"/>
+      </p:ext>
+    </p:extLst>
+  </p:cSld>
+  <p:clrMapOvr>
+    <a:masterClrMapping/>
+  </p:clrMapOvr>
+</p:sld>
+</file>
+
+<file path=ppt/slides/slide3.xml><?xml version="1.0" encoding="utf-8"?>
+<p:sld xmlns:a="http://schemas.openxmlformats.org/drawingml/2006/main" xmlns:r="http://schemas.openxmlformats.org/officeDocument/2006/relationships" xmlns:p="http://schemas.openxmlformats.org/presentationml/2006/main">
+  <p:cSld>
+    <p:spTree>
+      <p:nvGrpSpPr>
+        <p:cNvPr id="1" name=""/>
+        <p:cNvGrpSpPr/>
+        <p:nvPr/>
+      </p:nvGrpSpPr>
+      <p:grpSpPr>
+        <a:xfrm>
+          <a:off x="0" y="0"/>
+          <a:ext cx="0" cy="0"/>
+          <a:chOff x="0" y="0"/>
+          <a:chExt cx="0" cy="0"/>
+        </a:xfrm>
+      </p:grpSpPr>
       <p:pic>
         <p:nvPicPr>
           <p:cNvPr id="3" name="図 2">

--- a/gan/fig/fig.pptx
+++ b/gan/fig/fig.pptx
@@ -6,8 +6,9 @@
   </p:sldMasterIdLst>
   <p:sldIdLst>
     <p:sldId id="257" r:id="rId2"/>
-    <p:sldId id="258" r:id="rId3"/>
-    <p:sldId id="256" r:id="rId4"/>
+    <p:sldId id="259" r:id="rId3"/>
+    <p:sldId id="260" r:id="rId4"/>
+    <p:sldId id="256" r:id="rId5"/>
   </p:sldIdLst>
   <p:sldSz cx="9144000" cy="6858000" type="screen4x3"/>
   <p:notesSz cx="6858000" cy="9144000"/>
@@ -2801,7 +2802,544 @@
       </p:grpSpPr>
       <p:cxnSp>
         <p:nvCxnSpPr>
-          <p:cNvPr id="2" name="直線矢印コネクタ 1">
+          <p:cNvPr id="66" name="直線コネクタ 65"/>
+          <p:cNvCxnSpPr/>
+          <p:nvPr/>
+        </p:nvCxnSpPr>
+        <p:spPr>
+          <a:xfrm>
+            <a:off x="6034617" y="5583948"/>
+            <a:ext cx="1647" cy="274619"/>
+          </a:xfrm>
+          <a:prstGeom prst="line">
+            <a:avLst/>
+          </a:prstGeom>
+          <a:ln w="28575">
+            <a:solidFill>
+              <a:srgbClr val="7030A0"/>
+            </a:solidFill>
+          </a:ln>
+        </p:spPr>
+        <p:style>
+          <a:lnRef idx="1">
+            <a:schemeClr val="accent1"/>
+          </a:lnRef>
+          <a:fillRef idx="0">
+            <a:schemeClr val="accent1"/>
+          </a:fillRef>
+          <a:effectRef idx="0">
+            <a:schemeClr val="accent1"/>
+          </a:effectRef>
+          <a:fontRef idx="minor">
+            <a:schemeClr val="tx1"/>
+          </a:fontRef>
+        </p:style>
+      </p:cxnSp>
+      <p:cxnSp>
+        <p:nvCxnSpPr>
+          <p:cNvPr id="64" name="直線コネクタ 63"/>
+          <p:cNvCxnSpPr/>
+          <p:nvPr/>
+        </p:nvCxnSpPr>
+        <p:spPr>
+          <a:xfrm>
+            <a:off x="7064471" y="4655701"/>
+            <a:ext cx="1647" cy="274619"/>
+          </a:xfrm>
+          <a:prstGeom prst="line">
+            <a:avLst/>
+          </a:prstGeom>
+          <a:ln w="28575">
+            <a:solidFill>
+              <a:srgbClr val="7030A0"/>
+            </a:solidFill>
+          </a:ln>
+        </p:spPr>
+        <p:style>
+          <a:lnRef idx="1">
+            <a:schemeClr val="accent1"/>
+          </a:lnRef>
+          <a:fillRef idx="0">
+            <a:schemeClr val="accent1"/>
+          </a:fillRef>
+          <a:effectRef idx="0">
+            <a:schemeClr val="accent1"/>
+          </a:effectRef>
+          <a:fontRef idx="minor">
+            <a:schemeClr val="tx1"/>
+          </a:fontRef>
+        </p:style>
+      </p:cxnSp>
+      <p:cxnSp>
+        <p:nvCxnSpPr>
+          <p:cNvPr id="9" name="直線コネクタ 8"/>
+          <p:cNvCxnSpPr/>
+          <p:nvPr/>
+        </p:nvCxnSpPr>
+        <p:spPr>
+          <a:xfrm>
+            <a:off x="1339850" y="5820926"/>
+            <a:ext cx="0" cy="86361"/>
+          </a:xfrm>
+          <a:prstGeom prst="line">
+            <a:avLst/>
+          </a:prstGeom>
+          <a:ln w="28575">
+            <a:solidFill>
+              <a:srgbClr val="00B050"/>
+            </a:solidFill>
+          </a:ln>
+        </p:spPr>
+        <p:style>
+          <a:lnRef idx="1">
+            <a:schemeClr val="accent1"/>
+          </a:lnRef>
+          <a:fillRef idx="0">
+            <a:schemeClr val="accent1"/>
+          </a:fillRef>
+          <a:effectRef idx="0">
+            <a:schemeClr val="accent1"/>
+          </a:effectRef>
+          <a:fontRef idx="minor">
+            <a:schemeClr val="tx1"/>
+          </a:fontRef>
+        </p:style>
+      </p:cxnSp>
+      <p:cxnSp>
+        <p:nvCxnSpPr>
+          <p:cNvPr id="31" name="直線コネクタ 30"/>
+          <p:cNvCxnSpPr/>
+          <p:nvPr/>
+        </p:nvCxnSpPr>
+        <p:spPr>
+          <a:xfrm>
+            <a:off x="2152535" y="5029660"/>
+            <a:ext cx="0" cy="295966"/>
+          </a:xfrm>
+          <a:prstGeom prst="line">
+            <a:avLst/>
+          </a:prstGeom>
+          <a:ln w="28575">
+            <a:solidFill>
+              <a:srgbClr val="00B050"/>
+            </a:solidFill>
+          </a:ln>
+        </p:spPr>
+        <p:style>
+          <a:lnRef idx="1">
+            <a:schemeClr val="accent1"/>
+          </a:lnRef>
+          <a:fillRef idx="0">
+            <a:schemeClr val="accent1"/>
+          </a:fillRef>
+          <a:effectRef idx="0">
+            <a:schemeClr val="accent1"/>
+          </a:effectRef>
+          <a:fontRef idx="minor">
+            <a:schemeClr val="tx1"/>
+          </a:fontRef>
+        </p:style>
+      </p:cxnSp>
+      <p:cxnSp>
+        <p:nvCxnSpPr>
+          <p:cNvPr id="33" name="直線コネクタ 32"/>
+          <p:cNvCxnSpPr/>
+          <p:nvPr/>
+        </p:nvCxnSpPr>
+        <p:spPr>
+          <a:xfrm>
+            <a:off x="3252942" y="4649351"/>
+            <a:ext cx="1647" cy="274619"/>
+          </a:xfrm>
+          <a:prstGeom prst="line">
+            <a:avLst/>
+          </a:prstGeom>
+          <a:ln w="28575">
+            <a:solidFill>
+              <a:srgbClr val="00B050"/>
+            </a:solidFill>
+          </a:ln>
+        </p:spPr>
+        <p:style>
+          <a:lnRef idx="1">
+            <a:schemeClr val="accent1"/>
+          </a:lnRef>
+          <a:fillRef idx="0">
+            <a:schemeClr val="accent1"/>
+          </a:fillRef>
+          <a:effectRef idx="0">
+            <a:schemeClr val="accent1"/>
+          </a:effectRef>
+          <a:fontRef idx="minor">
+            <a:schemeClr val="tx1"/>
+          </a:fontRef>
+        </p:style>
+      </p:cxnSp>
+      <p:pic>
+        <p:nvPicPr>
+          <p:cNvPr id="1026" name="Picture 2" descr="ãã¡ã¤ã«ã¢ã¤ã³ã³ï¼ãã©ã³ã¯ï¼"/>
+          <p:cNvPicPr>
+            <a:picLocks noChangeAspect="1" noChangeArrowheads="1"/>
+          </p:cNvPicPr>
+          <p:nvPr/>
+        </p:nvPicPr>
+        <p:blipFill>
+          <a:blip r:embed="rId2" cstate="print">
+            <a:extLst>
+              <a:ext uri="{28A0092B-C50C-407E-A947-70E740481C1C}">
+                <a14:useLocalDpi xmlns:a14="http://schemas.microsoft.com/office/drawing/2010/main" val="0"/>
+              </a:ext>
+            </a:extLst>
+          </a:blip>
+          <a:srcRect/>
+          <a:stretch>
+            <a:fillRect/>
+          </a:stretch>
+        </p:blipFill>
+        <p:spPr bwMode="auto">
+          <a:xfrm>
+            <a:off x="2765566" y="608641"/>
+            <a:ext cx="546389" cy="634516"/>
+          </a:xfrm>
+          <a:prstGeom prst="rect">
+            <a:avLst/>
+          </a:prstGeom>
+          <a:noFill/>
+          <a:extLst>
+            <a:ext uri="{909E8E84-426E-40DD-AFC4-6F175D3DCCD1}">
+              <a14:hiddenFill xmlns:a14="http://schemas.microsoft.com/office/drawing/2010/main">
+                <a:solidFill>
+                  <a:srgbClr val="FFFFFF"/>
+                </a:solidFill>
+              </a14:hiddenFill>
+            </a:ext>
+          </a:extLst>
+        </p:spPr>
+      </p:pic>
+      <p:sp>
+        <p:nvSpPr>
+          <p:cNvPr id="3" name="テキスト ボックス 2"/>
+          <p:cNvSpPr txBox="1"/>
+          <p:nvPr/>
+        </p:nvSpPr>
+        <p:spPr>
+          <a:xfrm>
+            <a:off x="3397878" y="73432"/>
+            <a:ext cx="2429163" cy="461665"/>
+          </a:xfrm>
+          <a:prstGeom prst="rect">
+            <a:avLst/>
+          </a:prstGeom>
+          <a:noFill/>
+        </p:spPr>
+        <p:txBody>
+          <a:bodyPr wrap="square" rtlCol="0">
+            <a:spAutoFit/>
+          </a:bodyPr>
+          <a:lstStyle/>
+          <a:p>
+            <a:r>
+              <a:rPr lang="ja-JP" altLang="en-US" sz="2400" dirty="0" smtClean="0"/>
+              <a:t>データ</a:t>
+            </a:r>
+            <a:r>
+              <a:rPr lang="ja-JP" altLang="en-US" sz="2400" dirty="0"/>
+              <a:t>セット</a:t>
+            </a:r>
+            <a:endParaRPr kumimoji="1" lang="ja-JP" altLang="en-US" sz="2400" dirty="0"/>
+          </a:p>
+        </p:txBody>
+      </p:sp>
+      <p:pic>
+        <p:nvPicPr>
+          <p:cNvPr id="5" name="Picture 2" descr="ãã¡ã¤ã«ã¢ã¤ã³ã³ï¼ãã©ã³ã¯ï¼"/>
+          <p:cNvPicPr>
+            <a:picLocks noChangeAspect="1" noChangeArrowheads="1"/>
+          </p:cNvPicPr>
+          <p:nvPr/>
+        </p:nvPicPr>
+        <p:blipFill>
+          <a:blip r:embed="rId2" cstate="print">
+            <a:extLst>
+              <a:ext uri="{28A0092B-C50C-407E-A947-70E740481C1C}">
+                <a14:useLocalDpi xmlns:a14="http://schemas.microsoft.com/office/drawing/2010/main" val="0"/>
+              </a:ext>
+            </a:extLst>
+          </a:blip>
+          <a:srcRect/>
+          <a:stretch>
+            <a:fillRect/>
+          </a:stretch>
+        </p:blipFill>
+        <p:spPr bwMode="auto">
+          <a:xfrm>
+            <a:off x="3416730" y="608641"/>
+            <a:ext cx="546389" cy="634516"/>
+          </a:xfrm>
+          <a:prstGeom prst="rect">
+            <a:avLst/>
+          </a:prstGeom>
+          <a:noFill/>
+          <a:extLst>
+            <a:ext uri="{909E8E84-426E-40DD-AFC4-6F175D3DCCD1}">
+              <a14:hiddenFill xmlns:a14="http://schemas.microsoft.com/office/drawing/2010/main">
+                <a:solidFill>
+                  <a:srgbClr val="FFFFFF"/>
+                </a:solidFill>
+              </a14:hiddenFill>
+            </a:ext>
+          </a:extLst>
+        </p:spPr>
+      </p:pic>
+      <p:pic>
+        <p:nvPicPr>
+          <p:cNvPr id="6" name="Picture 2" descr="ãã¡ã¤ã«ã¢ã¤ã³ã³ï¼ãã©ã³ã¯ï¼"/>
+          <p:cNvPicPr>
+            <a:picLocks noChangeAspect="1" noChangeArrowheads="1"/>
+          </p:cNvPicPr>
+          <p:nvPr/>
+        </p:nvPicPr>
+        <p:blipFill>
+          <a:blip r:embed="rId2" cstate="print">
+            <a:extLst>
+              <a:ext uri="{28A0092B-C50C-407E-A947-70E740481C1C}">
+                <a14:useLocalDpi xmlns:a14="http://schemas.microsoft.com/office/drawing/2010/main" val="0"/>
+              </a:ext>
+            </a:extLst>
+          </a:blip>
+          <a:srcRect/>
+          <a:stretch>
+            <a:fillRect/>
+          </a:stretch>
+        </p:blipFill>
+        <p:spPr bwMode="auto">
+          <a:xfrm>
+            <a:off x="4067894" y="608641"/>
+            <a:ext cx="546389" cy="634516"/>
+          </a:xfrm>
+          <a:prstGeom prst="rect">
+            <a:avLst/>
+          </a:prstGeom>
+          <a:noFill/>
+          <a:extLst>
+            <a:ext uri="{909E8E84-426E-40DD-AFC4-6F175D3DCCD1}">
+              <a14:hiddenFill xmlns:a14="http://schemas.microsoft.com/office/drawing/2010/main">
+                <a:solidFill>
+                  <a:srgbClr val="FFFFFF"/>
+                </a:solidFill>
+              </a14:hiddenFill>
+            </a:ext>
+          </a:extLst>
+        </p:spPr>
+      </p:pic>
+      <p:pic>
+        <p:nvPicPr>
+          <p:cNvPr id="7" name="Picture 2" descr="ãã¡ã¤ã«ã¢ã¤ã³ã³ï¼ãã©ã³ã¯ï¼"/>
+          <p:cNvPicPr>
+            <a:picLocks noChangeAspect="1" noChangeArrowheads="1"/>
+          </p:cNvPicPr>
+          <p:nvPr/>
+        </p:nvPicPr>
+        <p:blipFill>
+          <a:blip r:embed="rId2" cstate="print">
+            <a:extLst>
+              <a:ext uri="{28A0092B-C50C-407E-A947-70E740481C1C}">
+                <a14:useLocalDpi xmlns:a14="http://schemas.microsoft.com/office/drawing/2010/main" val="0"/>
+              </a:ext>
+            </a:extLst>
+          </a:blip>
+          <a:srcRect/>
+          <a:stretch>
+            <a:fillRect/>
+          </a:stretch>
+        </p:blipFill>
+        <p:spPr bwMode="auto">
+          <a:xfrm>
+            <a:off x="4719058" y="608641"/>
+            <a:ext cx="546389" cy="634516"/>
+          </a:xfrm>
+          <a:prstGeom prst="rect">
+            <a:avLst/>
+          </a:prstGeom>
+          <a:noFill/>
+          <a:extLst>
+            <a:ext uri="{909E8E84-426E-40DD-AFC4-6F175D3DCCD1}">
+              <a14:hiddenFill xmlns:a14="http://schemas.microsoft.com/office/drawing/2010/main">
+                <a:solidFill>
+                  <a:srgbClr val="FFFFFF"/>
+                </a:solidFill>
+              </a14:hiddenFill>
+            </a:ext>
+          </a:extLst>
+        </p:spPr>
+      </p:pic>
+      <p:pic>
+        <p:nvPicPr>
+          <p:cNvPr id="8" name="Picture 2" descr="ãã¡ã¤ã«ã¢ã¤ã³ã³ï¼ãã©ã³ã¯ï¼"/>
+          <p:cNvPicPr>
+            <a:picLocks noChangeAspect="1" noChangeArrowheads="1"/>
+          </p:cNvPicPr>
+          <p:nvPr/>
+        </p:nvPicPr>
+        <p:blipFill>
+          <a:blip r:embed="rId2" cstate="print">
+            <a:extLst>
+              <a:ext uri="{28A0092B-C50C-407E-A947-70E740481C1C}">
+                <a14:useLocalDpi xmlns:a14="http://schemas.microsoft.com/office/drawing/2010/main" val="0"/>
+              </a:ext>
+            </a:extLst>
+          </a:blip>
+          <a:srcRect/>
+          <a:stretch>
+            <a:fillRect/>
+          </a:stretch>
+        </p:blipFill>
+        <p:spPr bwMode="auto">
+          <a:xfrm>
+            <a:off x="5370222" y="608641"/>
+            <a:ext cx="546389" cy="634516"/>
+          </a:xfrm>
+          <a:prstGeom prst="rect">
+            <a:avLst/>
+          </a:prstGeom>
+          <a:noFill/>
+          <a:extLst>
+            <a:ext uri="{909E8E84-426E-40DD-AFC4-6F175D3DCCD1}">
+              <a14:hiddenFill xmlns:a14="http://schemas.microsoft.com/office/drawing/2010/main">
+                <a:solidFill>
+                  <a:srgbClr val="FFFFFF"/>
+                </a:solidFill>
+              </a14:hiddenFill>
+            </a:ext>
+          </a:extLst>
+        </p:spPr>
+      </p:pic>
+      <p:pic>
+        <p:nvPicPr>
+          <p:cNvPr id="1028" name="Picture 4" descr="ãã¡ã¤ã«ã¢ã¤ã³ã³ï¼èµ¤ï¼"/>
+          <p:cNvPicPr>
+            <a:picLocks noChangeAspect="1" noChangeArrowheads="1"/>
+          </p:cNvPicPr>
+          <p:nvPr/>
+        </p:nvPicPr>
+        <p:blipFill>
+          <a:blip r:embed="rId3" cstate="print">
+            <a:extLst>
+              <a:ext uri="{28A0092B-C50C-407E-A947-70E740481C1C}">
+                <a14:useLocalDpi xmlns:a14="http://schemas.microsoft.com/office/drawing/2010/main" val="0"/>
+              </a:ext>
+            </a:extLst>
+          </a:blip>
+          <a:srcRect/>
+          <a:stretch>
+            <a:fillRect/>
+          </a:stretch>
+        </p:blipFill>
+        <p:spPr bwMode="auto">
+          <a:xfrm>
+            <a:off x="1367281" y="2049725"/>
+            <a:ext cx="509443" cy="591611"/>
+          </a:xfrm>
+          <a:prstGeom prst="rect">
+            <a:avLst/>
+          </a:prstGeom>
+          <a:noFill/>
+          <a:extLst>
+            <a:ext uri="{909E8E84-426E-40DD-AFC4-6F175D3DCCD1}">
+              <a14:hiddenFill xmlns:a14="http://schemas.microsoft.com/office/drawing/2010/main">
+                <a:solidFill>
+                  <a:srgbClr val="FFFFFF"/>
+                </a:solidFill>
+              </a14:hiddenFill>
+            </a:ext>
+          </a:extLst>
+        </p:spPr>
+      </p:pic>
+      <p:pic>
+        <p:nvPicPr>
+          <p:cNvPr id="10" name="Picture 4" descr="ãã¡ã¤ã«ã¢ã¤ã³ã³ï¼èµ¤ï¼"/>
+          <p:cNvPicPr>
+            <a:picLocks noChangeAspect="1" noChangeArrowheads="1"/>
+          </p:cNvPicPr>
+          <p:nvPr/>
+        </p:nvPicPr>
+        <p:blipFill>
+          <a:blip r:embed="rId3" cstate="print">
+            <a:extLst>
+              <a:ext uri="{28A0092B-C50C-407E-A947-70E740481C1C}">
+                <a14:useLocalDpi xmlns:a14="http://schemas.microsoft.com/office/drawing/2010/main" val="0"/>
+              </a:ext>
+            </a:extLst>
+          </a:blip>
+          <a:srcRect/>
+          <a:stretch>
+            <a:fillRect/>
+          </a:stretch>
+        </p:blipFill>
+        <p:spPr bwMode="auto">
+          <a:xfrm>
+            <a:off x="2055390" y="2049725"/>
+            <a:ext cx="509443" cy="591611"/>
+          </a:xfrm>
+          <a:prstGeom prst="rect">
+            <a:avLst/>
+          </a:prstGeom>
+          <a:noFill/>
+          <a:extLst>
+            <a:ext uri="{909E8E84-426E-40DD-AFC4-6F175D3DCCD1}">
+              <a14:hiddenFill xmlns:a14="http://schemas.microsoft.com/office/drawing/2010/main">
+                <a:solidFill>
+                  <a:srgbClr val="FFFFFF"/>
+                </a:solidFill>
+              </a14:hiddenFill>
+            </a:ext>
+          </a:extLst>
+        </p:spPr>
+      </p:pic>
+      <p:pic>
+        <p:nvPicPr>
+          <p:cNvPr id="11" name="Picture 4" descr="ãã¡ã¤ã«ã¢ã¤ã³ã³ï¼èµ¤ï¼"/>
+          <p:cNvPicPr>
+            <a:picLocks noChangeAspect="1" noChangeArrowheads="1"/>
+          </p:cNvPicPr>
+          <p:nvPr/>
+        </p:nvPicPr>
+        <p:blipFill>
+          <a:blip r:embed="rId3" cstate="print">
+            <a:extLst>
+              <a:ext uri="{28A0092B-C50C-407E-A947-70E740481C1C}">
+                <a14:useLocalDpi xmlns:a14="http://schemas.microsoft.com/office/drawing/2010/main" val="0"/>
+              </a:ext>
+            </a:extLst>
+          </a:blip>
+          <a:srcRect/>
+          <a:stretch>
+            <a:fillRect/>
+          </a:stretch>
+        </p:blipFill>
+        <p:spPr bwMode="auto">
+          <a:xfrm>
+            <a:off x="2743499" y="2049725"/>
+            <a:ext cx="509443" cy="591611"/>
+          </a:xfrm>
+          <a:prstGeom prst="rect">
+            <a:avLst/>
+          </a:prstGeom>
+          <a:noFill/>
+          <a:extLst>
+            <a:ext uri="{909E8E84-426E-40DD-AFC4-6F175D3DCCD1}">
+              <a14:hiddenFill xmlns:a14="http://schemas.microsoft.com/office/drawing/2010/main">
+                <a:solidFill>
+                  <a:srgbClr val="FFFFFF"/>
+                </a:solidFill>
+              </a14:hiddenFill>
+            </a:ext>
+          </a:extLst>
+        </p:spPr>
+      </p:pic>
+      <p:cxnSp>
+        <p:nvCxnSpPr>
+          <p:cNvPr id="12" name="直線矢印コネクタ 11">
             <a:extLst>
               <a:ext uri="{FF2B5EF4-FFF2-40B4-BE49-F238E27FC236}">
                 <a16:creationId xmlns:a16="http://schemas.microsoft.com/office/drawing/2014/main" id="{B3A1E29A-A926-7B4E-AF73-E7542E1E8F7E}"/>
@@ -2813,7 +3351,7 @@
         </p:nvCxnSpPr>
         <p:spPr>
           <a:xfrm flipV="1">
-            <a:off x="772160" y="985520"/>
+            <a:off x="689033" y="3793371"/>
             <a:ext cx="0" cy="2783840"/>
           </a:xfrm>
           <a:prstGeom prst="straightConnector1">
@@ -2843,7 +3381,7 @@
       </p:cxnSp>
       <p:cxnSp>
         <p:nvCxnSpPr>
-          <p:cNvPr id="3" name="直線矢印コネクタ 2">
+          <p:cNvPr id="13" name="直線矢印コネクタ 12">
             <a:extLst>
               <a:ext uri="{FF2B5EF4-FFF2-40B4-BE49-F238E27FC236}">
                 <a16:creationId xmlns:a16="http://schemas.microsoft.com/office/drawing/2014/main" id="{C5A935D9-8808-D24E-8CFC-3E5EF3BDA839}"/>
@@ -2857,7 +3395,7 @@
         </p:nvCxnSpPr>
         <p:spPr>
           <a:xfrm>
-            <a:off x="436880" y="3413760"/>
+            <a:off x="353753" y="6221611"/>
             <a:ext cx="3322320" cy="0"/>
           </a:xfrm>
           <a:prstGeom prst="straightConnector1">
@@ -2887,7 +3425,7 @@
       </p:cxnSp>
       <p:sp>
         <p:nvSpPr>
-          <p:cNvPr id="4" name="テキスト ボックス 3">
+          <p:cNvPr id="14" name="テキスト ボックス 13">
             <a:extLst>
               <a:ext uri="{FF2B5EF4-FFF2-40B4-BE49-F238E27FC236}">
                 <a16:creationId xmlns:a16="http://schemas.microsoft.com/office/drawing/2014/main" id="{4B316541-64CB-DB48-9C63-DED12F774356}"/>
@@ -2899,7 +3437,7 @@
         </p:nvSpPr>
         <p:spPr>
           <a:xfrm>
-            <a:off x="426720" y="3464560"/>
+            <a:off x="343593" y="6272411"/>
             <a:ext cx="301686" cy="369332"/>
           </a:xfrm>
           <a:prstGeom prst="rect">
@@ -2923,7 +3461,7 @@
       </p:sp>
       <p:sp>
         <p:nvSpPr>
-          <p:cNvPr id="5" name="テキスト ボックス 4">
+          <p:cNvPr id="15" name="テキスト ボックス 14">
             <a:extLst>
               <a:ext uri="{FF2B5EF4-FFF2-40B4-BE49-F238E27FC236}">
                 <a16:creationId xmlns:a16="http://schemas.microsoft.com/office/drawing/2014/main" id="{5595218F-2524-314E-BD0D-A4BEC06D1137}"/>
@@ -2935,7 +3473,7 @@
         </p:nvSpPr>
         <p:spPr>
           <a:xfrm>
-            <a:off x="3779520" y="3230880"/>
+            <a:off x="3696393" y="6038731"/>
             <a:ext cx="646331" cy="369332"/>
           </a:xfrm>
           <a:prstGeom prst="rect">
@@ -2950,15 +3488,16 @@
           <a:lstStyle/>
           <a:p>
             <a:r>
-              <a:rPr kumimoji="1" lang="ja-JP" altLang="en-US"/>
-              <a:t>荷重</a:t>
+              <a:rPr lang="ja-JP" altLang="en-US" dirty="0"/>
+              <a:t>入力</a:t>
             </a:r>
+            <a:endParaRPr kumimoji="1" lang="ja-JP" altLang="en-US" dirty="0"/>
           </a:p>
         </p:txBody>
       </p:sp>
       <p:sp>
         <p:nvSpPr>
-          <p:cNvPr id="6" name="テキスト ボックス 5">
+          <p:cNvPr id="16" name="テキスト ボックス 15">
             <a:extLst>
               <a:ext uri="{FF2B5EF4-FFF2-40B4-BE49-F238E27FC236}">
                 <a16:creationId xmlns:a16="http://schemas.microsoft.com/office/drawing/2014/main" id="{29AD7F97-A469-8A4A-97B4-F94776B920C6}"/>
@@ -2970,7 +3509,7 @@
         </p:nvSpPr>
         <p:spPr>
           <a:xfrm>
-            <a:off x="426720" y="589280"/>
+            <a:off x="365867" y="3424039"/>
             <a:ext cx="646331" cy="369332"/>
           </a:xfrm>
           <a:prstGeom prst="rect">
@@ -2985,15 +3524,16 @@
           <a:lstStyle/>
           <a:p>
             <a:r>
-              <a:rPr kumimoji="1" lang="ja-JP" altLang="en-US"/>
-              <a:t>伸び</a:t>
+              <a:rPr lang="ja-JP" altLang="en-US" dirty="0"/>
+              <a:t>出力</a:t>
             </a:r>
+            <a:endParaRPr kumimoji="1" lang="ja-JP" altLang="en-US" dirty="0"/>
           </a:p>
         </p:txBody>
       </p:sp>
       <p:cxnSp>
         <p:nvCxnSpPr>
-          <p:cNvPr id="8" name="直線コネクタ 7">
+          <p:cNvPr id="17" name="直線コネクタ 16">
             <a:extLst>
               <a:ext uri="{FF2B5EF4-FFF2-40B4-BE49-F238E27FC236}">
                 <a16:creationId xmlns:a16="http://schemas.microsoft.com/office/drawing/2014/main" id="{C4AB48C9-7888-7F41-801D-B2CEBE7F2896}"/>
@@ -3005,7 +3545,7 @@
         </p:nvCxnSpPr>
         <p:spPr>
           <a:xfrm flipV="1">
-            <a:off x="782320" y="1554480"/>
+            <a:off x="699193" y="4362331"/>
             <a:ext cx="3017520" cy="1849120"/>
           </a:xfrm>
           <a:prstGeom prst="line">
@@ -3034,7 +3574,7 @@
       </p:cxnSp>
       <p:sp>
         <p:nvSpPr>
-          <p:cNvPr id="10" name="円/楕円 9">
+          <p:cNvPr id="18" name="円/楕円 9">
             <a:extLst>
               <a:ext uri="{FF2B5EF4-FFF2-40B4-BE49-F238E27FC236}">
                 <a16:creationId xmlns:a16="http://schemas.microsoft.com/office/drawing/2014/main" id="{A133D6B3-6B13-0F4A-BC5D-5472FC77195D}"/>
@@ -3046,7 +3586,7 @@
         </p:nvSpPr>
         <p:spPr>
           <a:xfrm>
-            <a:off x="2438400" y="2001520"/>
+            <a:off x="2086495" y="4897580"/>
             <a:ext cx="132080" cy="132080"/>
           </a:xfrm>
           <a:prstGeom prst="ellipse">
@@ -3086,195 +3626,11 @@
           </a:p>
         </p:txBody>
       </p:sp>
-      <p:sp>
-        <p:nvSpPr>
-          <p:cNvPr id="13" name="円/楕円 12">
-            <a:extLst>
-              <a:ext uri="{FF2B5EF4-FFF2-40B4-BE49-F238E27FC236}">
-                <a16:creationId xmlns:a16="http://schemas.microsoft.com/office/drawing/2014/main" id="{54D1E301-7BD2-6D4A-84DD-90B485E1B0CC}"/>
-              </a:ext>
-            </a:extLst>
-          </p:cNvPr>
-          <p:cNvSpPr/>
-          <p:nvPr/>
-        </p:nvSpPr>
-        <p:spPr>
-          <a:xfrm>
-            <a:off x="1148080" y="1320800"/>
-            <a:ext cx="132080" cy="132080"/>
-          </a:xfrm>
-          <a:prstGeom prst="ellipse">
-            <a:avLst/>
-          </a:prstGeom>
-          <a:solidFill>
-            <a:srgbClr val="FF0000"/>
-          </a:solidFill>
-          <a:ln>
-            <a:solidFill>
-              <a:schemeClr val="tx1"/>
-            </a:solidFill>
-          </a:ln>
-        </p:spPr>
-        <p:style>
-          <a:lnRef idx="2">
-            <a:schemeClr val="accent1">
-              <a:shade val="50000"/>
-            </a:schemeClr>
-          </a:lnRef>
-          <a:fillRef idx="1">
-            <a:schemeClr val="accent1"/>
-          </a:fillRef>
-          <a:effectRef idx="0">
-            <a:schemeClr val="accent1"/>
-          </a:effectRef>
-          <a:fontRef idx="minor">
-            <a:schemeClr val="lt1"/>
-          </a:fontRef>
-        </p:style>
-        <p:txBody>
-          <a:bodyPr rtlCol="0" anchor="ctr"/>
-          <a:lstStyle/>
-          <a:p>
-            <a:pPr algn="ctr"/>
-            <a:endParaRPr kumimoji="1" lang="ja-JP" altLang="en-US"/>
-          </a:p>
-        </p:txBody>
-      </p:sp>
-      <p:sp>
-        <p:nvSpPr>
-          <p:cNvPr id="14" name="テキスト ボックス 13">
-            <a:extLst>
-              <a:ext uri="{FF2B5EF4-FFF2-40B4-BE49-F238E27FC236}">
-                <a16:creationId xmlns:a16="http://schemas.microsoft.com/office/drawing/2014/main" id="{ED07675C-872F-7F48-8E23-6FEBDECFAE0D}"/>
-              </a:ext>
-            </a:extLst>
-          </p:cNvPr>
-          <p:cNvSpPr txBox="1"/>
-          <p:nvPr/>
-        </p:nvSpPr>
-        <p:spPr>
-          <a:xfrm>
-            <a:off x="1259840" y="1219200"/>
-            <a:ext cx="877163" cy="369332"/>
-          </a:xfrm>
-          <a:prstGeom prst="rect">
-            <a:avLst/>
-          </a:prstGeom>
-          <a:noFill/>
-        </p:spPr>
-        <p:txBody>
-          <a:bodyPr wrap="none" rtlCol="0">
-            <a:spAutoFit/>
-          </a:bodyPr>
-          <a:lstStyle/>
-          <a:p>
-            <a:r>
-              <a:rPr kumimoji="1" lang="ja-JP" altLang="en-US"/>
-              <a:t>観測値</a:t>
-            </a:r>
-          </a:p>
-        </p:txBody>
-      </p:sp>
-      <p:sp>
-        <p:nvSpPr>
-          <p:cNvPr id="16" name="円/楕円 15">
-            <a:extLst>
-              <a:ext uri="{FF2B5EF4-FFF2-40B4-BE49-F238E27FC236}">
-                <a16:creationId xmlns:a16="http://schemas.microsoft.com/office/drawing/2014/main" id="{A0232CFC-49FE-1D4E-BB85-B6193A633651}"/>
-              </a:ext>
-            </a:extLst>
-          </p:cNvPr>
-          <p:cNvSpPr/>
-          <p:nvPr/>
-        </p:nvSpPr>
-        <p:spPr>
-          <a:xfrm>
-            <a:off x="2438400" y="2306320"/>
-            <a:ext cx="132080" cy="132080"/>
-          </a:xfrm>
-          <a:prstGeom prst="ellipse">
-            <a:avLst/>
-          </a:prstGeom>
-          <a:solidFill>
-            <a:srgbClr val="0070C0"/>
-          </a:solidFill>
-          <a:ln>
-            <a:solidFill>
-              <a:schemeClr val="tx1"/>
-            </a:solidFill>
-          </a:ln>
-        </p:spPr>
-        <p:style>
-          <a:lnRef idx="2">
-            <a:schemeClr val="accent1">
-              <a:shade val="50000"/>
-            </a:schemeClr>
-          </a:lnRef>
-          <a:fillRef idx="1">
-            <a:schemeClr val="accent1"/>
-          </a:fillRef>
-          <a:effectRef idx="0">
-            <a:schemeClr val="accent1"/>
-          </a:effectRef>
-          <a:fontRef idx="minor">
-            <a:schemeClr val="lt1"/>
-          </a:fontRef>
-        </p:style>
-        <p:txBody>
-          <a:bodyPr rtlCol="0" anchor="ctr"/>
-          <a:lstStyle/>
-          <a:p>
-            <a:pPr algn="ctr"/>
-            <a:endParaRPr kumimoji="1" lang="ja-JP" altLang="en-US"/>
-          </a:p>
-        </p:txBody>
-      </p:sp>
-      <p:cxnSp>
-        <p:nvCxnSpPr>
-          <p:cNvPr id="18" name="直線コネクタ 17">
-            <a:extLst>
-              <a:ext uri="{FF2B5EF4-FFF2-40B4-BE49-F238E27FC236}">
-                <a16:creationId xmlns:a16="http://schemas.microsoft.com/office/drawing/2014/main" id="{C58B03D9-3F68-D049-A503-A15844CD2045}"/>
-              </a:ext>
-            </a:extLst>
-          </p:cNvPr>
-          <p:cNvCxnSpPr/>
-          <p:nvPr/>
-        </p:nvCxnSpPr>
-        <p:spPr>
-          <a:xfrm>
-            <a:off x="2509520" y="1137920"/>
-            <a:ext cx="0" cy="2357120"/>
-          </a:xfrm>
-          <a:prstGeom prst="line">
-            <a:avLst/>
-          </a:prstGeom>
-          <a:ln w="12700">
-            <a:solidFill>
-              <a:schemeClr val="tx1"/>
-            </a:solidFill>
-          </a:ln>
-        </p:spPr>
-        <p:style>
-          <a:lnRef idx="1">
-            <a:schemeClr val="accent1"/>
-          </a:lnRef>
-          <a:fillRef idx="0">
-            <a:schemeClr val="accent1"/>
-          </a:fillRef>
-          <a:effectRef idx="0">
-            <a:schemeClr val="accent1"/>
-          </a:effectRef>
-          <a:fontRef idx="minor">
-            <a:schemeClr val="tx1"/>
-          </a:fontRef>
-        </p:style>
-      </p:cxnSp>
       <mc:AlternateContent xmlns:mc="http://schemas.openxmlformats.org/markup-compatibility/2006">
         <mc:Choice xmlns:a14="http://schemas.microsoft.com/office/drawing/2010/main" Requires="a14">
           <p:sp>
             <p:nvSpPr>
-              <p:cNvPr id="19" name="テキスト ボックス 18">
+              <p:cNvPr id="23" name="テキスト ボックス 22">
                 <a:extLst>
                   <a:ext uri="{FF2B5EF4-FFF2-40B4-BE49-F238E27FC236}">
                     <a16:creationId xmlns:a16="http://schemas.microsoft.com/office/drawing/2014/main" id="{7F777ACB-A0BA-4C4A-9430-AAF5C2BBC0EC}"/>
@@ -3286,7 +3642,7 @@
             </p:nvSpPr>
             <p:spPr>
               <a:xfrm>
-                <a:off x="2397760" y="3469640"/>
+                <a:off x="2314633" y="6277491"/>
                 <a:ext cx="248722" cy="276999"/>
               </a:xfrm>
               <a:prstGeom prst="rect">
@@ -3300,6 +3656,7 @@
               </a:bodyPr>
               <a:lstStyle/>
               <a:p>
+                <a:pPr/>
                 <a14:m>
                   <m:oMathPara xmlns:m="http://schemas.openxmlformats.org/officeDocument/2006/math">
                     <m:oMathParaPr>
@@ -3342,7 +3699,7 @@
         <mc:Fallback>
           <p:sp>
             <p:nvSpPr>
-              <p:cNvPr id="19" name="テキスト ボックス 18">
+              <p:cNvPr id="23" name="テキスト ボックス 22">
                 <a:extLst>
                   <a:ext uri="{FF2B5EF4-FFF2-40B4-BE49-F238E27FC236}">
                     <a16:creationId xmlns:a16="http://schemas.microsoft.com/office/drawing/2014/main" id="{7F777ACB-A0BA-4C4A-9430-AAF5C2BBC0EC}"/>
@@ -3356,16 +3713,16 @@
             </p:nvSpPr>
             <p:spPr>
               <a:xfrm>
-                <a:off x="2397760" y="3469640"/>
+                <a:off x="2314633" y="6277491"/>
                 <a:ext cx="248722" cy="276999"/>
               </a:xfrm>
               <a:prstGeom prst="rect">
                 <a:avLst/>
               </a:prstGeom>
               <a:blipFill>
-                <a:blip r:embed="rId2"/>
+                <a:blip r:embed="rId4"/>
                 <a:stretch>
-                  <a:fillRect l="-10000" r="-5000" b="-13043"/>
+                  <a:fillRect l="-15000" r="-10000" b="-17778"/>
                 </a:stretch>
               </a:blipFill>
             </p:spPr>
@@ -3388,7 +3745,7 @@
         <mc:Choice xmlns:a14="http://schemas.microsoft.com/office/drawing/2010/main" Requires="a14">
           <p:sp>
             <p:nvSpPr>
-              <p:cNvPr id="20" name="テキスト ボックス 19">
+              <p:cNvPr id="24" name="テキスト ボックス 23">
                 <a:extLst>
                   <a:ext uri="{FF2B5EF4-FFF2-40B4-BE49-F238E27FC236}">
                     <a16:creationId xmlns:a16="http://schemas.microsoft.com/office/drawing/2014/main" id="{12137DB7-CB9F-9D4D-950E-B3B1151B1B35}"/>
@@ -3400,7 +3757,7 @@
             </p:nvSpPr>
             <p:spPr>
               <a:xfrm>
-                <a:off x="477520" y="1874520"/>
+                <a:off x="394393" y="4682371"/>
                 <a:ext cx="250390" cy="276999"/>
               </a:xfrm>
               <a:prstGeom prst="rect">
@@ -3414,6 +3771,7 @@
               </a:bodyPr>
               <a:lstStyle/>
               <a:p>
+                <a:pPr/>
                 <a14:m>
                   <m:oMathPara xmlns:m="http://schemas.openxmlformats.org/officeDocument/2006/math">
                     <m:oMathParaPr>
@@ -3456,7 +3814,7 @@
         <mc:Fallback>
           <p:sp>
             <p:nvSpPr>
-              <p:cNvPr id="20" name="テキスト ボックス 19">
+              <p:cNvPr id="24" name="テキスト ボックス 23">
                 <a:extLst>
                   <a:ext uri="{FF2B5EF4-FFF2-40B4-BE49-F238E27FC236}">
                     <a16:creationId xmlns:a16="http://schemas.microsoft.com/office/drawing/2014/main" id="{12137DB7-CB9F-9D4D-950E-B3B1151B1B35}"/>
@@ -3470,16 +3828,16 @@
             </p:nvSpPr>
             <p:spPr>
               <a:xfrm>
-                <a:off x="477520" y="1874520"/>
+                <a:off x="394393" y="4682371"/>
                 <a:ext cx="250390" cy="276999"/>
               </a:xfrm>
               <a:prstGeom prst="rect">
                 <a:avLst/>
               </a:prstGeom>
               <a:blipFill>
-                <a:blip r:embed="rId3"/>
+                <a:blip r:embed="rId5"/>
                 <a:stretch>
-                  <a:fillRect l="-20000" r="-5000" b="-27273"/>
+                  <a:fillRect l="-24390" r="-7317" b="-23913"/>
                 </a:stretch>
               </a:blipFill>
             </p:spPr>
@@ -3498,10 +3856,1399 @@
           </p:sp>
         </mc:Fallback>
       </mc:AlternateContent>
+      <p:sp>
+        <p:nvSpPr>
+          <p:cNvPr id="25" name="円/楕円 9">
+            <a:extLst>
+              <a:ext uri="{FF2B5EF4-FFF2-40B4-BE49-F238E27FC236}">
+                <a16:creationId xmlns:a16="http://schemas.microsoft.com/office/drawing/2014/main" id="{A133D6B3-6B13-0F4A-BC5D-5472FC77195D}"/>
+              </a:ext>
+            </a:extLst>
+          </p:cNvPr>
+          <p:cNvSpPr/>
+          <p:nvPr/>
+        </p:nvSpPr>
+        <p:spPr>
+          <a:xfrm>
+            <a:off x="3190077" y="4930320"/>
+            <a:ext cx="132080" cy="132080"/>
+          </a:xfrm>
+          <a:prstGeom prst="ellipse">
+            <a:avLst/>
+          </a:prstGeom>
+          <a:solidFill>
+            <a:srgbClr val="FF0000"/>
+          </a:solidFill>
+          <a:ln>
+            <a:solidFill>
+              <a:schemeClr val="tx1"/>
+            </a:solidFill>
+          </a:ln>
+        </p:spPr>
+        <p:style>
+          <a:lnRef idx="2">
+            <a:schemeClr val="accent1">
+              <a:shade val="50000"/>
+            </a:schemeClr>
+          </a:lnRef>
+          <a:fillRef idx="1">
+            <a:schemeClr val="accent1"/>
+          </a:fillRef>
+          <a:effectRef idx="0">
+            <a:schemeClr val="accent1"/>
+          </a:effectRef>
+          <a:fontRef idx="minor">
+            <a:schemeClr val="lt1"/>
+          </a:fontRef>
+        </p:style>
+        <p:txBody>
+          <a:bodyPr rtlCol="0" anchor="ctr"/>
+          <a:lstStyle/>
+          <a:p>
+            <a:pPr algn="ctr"/>
+            <a:endParaRPr kumimoji="1" lang="ja-JP" altLang="en-US"/>
+          </a:p>
+        </p:txBody>
+      </p:sp>
+      <p:sp>
+        <p:nvSpPr>
+          <p:cNvPr id="26" name="円/楕円 9">
+            <a:extLst>
+              <a:ext uri="{FF2B5EF4-FFF2-40B4-BE49-F238E27FC236}">
+                <a16:creationId xmlns:a16="http://schemas.microsoft.com/office/drawing/2014/main" id="{A133D6B3-6B13-0F4A-BC5D-5472FC77195D}"/>
+              </a:ext>
+            </a:extLst>
+          </p:cNvPr>
+          <p:cNvSpPr/>
+          <p:nvPr/>
+        </p:nvSpPr>
+        <p:spPr>
+          <a:xfrm>
+            <a:off x="1273810" y="5916812"/>
+            <a:ext cx="132080" cy="132080"/>
+          </a:xfrm>
+          <a:prstGeom prst="ellipse">
+            <a:avLst/>
+          </a:prstGeom>
+          <a:solidFill>
+            <a:srgbClr val="FF0000"/>
+          </a:solidFill>
+          <a:ln>
+            <a:solidFill>
+              <a:schemeClr val="tx1"/>
+            </a:solidFill>
+          </a:ln>
+        </p:spPr>
+        <p:style>
+          <a:lnRef idx="2">
+            <a:schemeClr val="accent1">
+              <a:shade val="50000"/>
+            </a:schemeClr>
+          </a:lnRef>
+          <a:fillRef idx="1">
+            <a:schemeClr val="accent1"/>
+          </a:fillRef>
+          <a:effectRef idx="0">
+            <a:schemeClr val="accent1"/>
+          </a:effectRef>
+          <a:fontRef idx="minor">
+            <a:schemeClr val="lt1"/>
+          </a:fontRef>
+        </p:style>
+        <p:txBody>
+          <a:bodyPr rtlCol="0" anchor="ctr"/>
+          <a:lstStyle/>
+          <a:p>
+            <a:pPr algn="ctr"/>
+            <a:endParaRPr kumimoji="1" lang="ja-JP" altLang="en-US"/>
+          </a:p>
+        </p:txBody>
+      </p:sp>
+      <p:sp>
+        <p:nvSpPr>
+          <p:cNvPr id="27" name="テキスト ボックス 26"/>
+          <p:cNvSpPr txBox="1"/>
+          <p:nvPr/>
+        </p:nvSpPr>
+        <p:spPr>
+          <a:xfrm>
+            <a:off x="1537694" y="1504767"/>
+            <a:ext cx="2051321" cy="461665"/>
+          </a:xfrm>
+          <a:prstGeom prst="rect">
+            <a:avLst/>
+          </a:prstGeom>
+          <a:noFill/>
+        </p:spPr>
+        <p:txBody>
+          <a:bodyPr wrap="square" rtlCol="0">
+            <a:spAutoFit/>
+          </a:bodyPr>
+          <a:lstStyle/>
+          <a:p>
+            <a:r>
+              <a:rPr kumimoji="1" lang="ja-JP" altLang="en-US" sz="2400" dirty="0" smtClean="0"/>
+              <a:t>訓練データ</a:t>
+            </a:r>
+            <a:endParaRPr kumimoji="1" lang="ja-JP" altLang="en-US" sz="2400" dirty="0"/>
+          </a:p>
+        </p:txBody>
+      </p:sp>
+      <p:sp>
+        <p:nvSpPr>
+          <p:cNvPr id="28" name="テキスト ボックス 27"/>
+          <p:cNvSpPr txBox="1"/>
+          <p:nvPr/>
+        </p:nvSpPr>
+        <p:spPr>
+          <a:xfrm>
+            <a:off x="5610451" y="1439873"/>
+            <a:ext cx="2423825" cy="461665"/>
+          </a:xfrm>
+          <a:prstGeom prst="rect">
+            <a:avLst/>
+          </a:prstGeom>
+          <a:noFill/>
+        </p:spPr>
+        <p:txBody>
+          <a:bodyPr wrap="square" rtlCol="0">
+            <a:spAutoFit/>
+          </a:bodyPr>
+          <a:lstStyle/>
+          <a:p>
+            <a:r>
+              <a:rPr lang="ja-JP" altLang="en-US" sz="2400" dirty="0"/>
+              <a:t>テスト</a:t>
+            </a:r>
+            <a:r>
+              <a:rPr kumimoji="1" lang="ja-JP" altLang="en-US" sz="2400" dirty="0" smtClean="0"/>
+              <a:t>データ</a:t>
+            </a:r>
+            <a:endParaRPr kumimoji="1" lang="ja-JP" altLang="en-US" sz="2400" dirty="0"/>
+          </a:p>
+        </p:txBody>
+      </p:sp>
+      <p:sp>
+        <p:nvSpPr>
+          <p:cNvPr id="32" name="テキスト ボックス 31"/>
+          <p:cNvSpPr txBox="1"/>
+          <p:nvPr/>
+        </p:nvSpPr>
+        <p:spPr>
+          <a:xfrm>
+            <a:off x="1096025" y="2971905"/>
+            <a:ext cx="2492990" cy="369332"/>
+          </a:xfrm>
+          <a:prstGeom prst="rect">
+            <a:avLst/>
+          </a:prstGeom>
+          <a:noFill/>
+        </p:spPr>
+        <p:txBody>
+          <a:bodyPr wrap="none" rtlCol="0">
+            <a:spAutoFit/>
+          </a:bodyPr>
+          <a:lstStyle/>
+          <a:p>
+            <a:r>
+              <a:rPr kumimoji="1" lang="ja-JP" altLang="en-US" dirty="0" smtClean="0"/>
+              <a:t>赤い点で傾きを決める</a:t>
+            </a:r>
+            <a:endParaRPr kumimoji="1" lang="ja-JP" altLang="en-US" dirty="0"/>
+          </a:p>
+        </p:txBody>
+      </p:sp>
+      <p:sp>
+        <p:nvSpPr>
+          <p:cNvPr id="36" name="テキスト ボックス 35"/>
+          <p:cNvSpPr txBox="1"/>
+          <p:nvPr/>
+        </p:nvSpPr>
+        <p:spPr>
+          <a:xfrm>
+            <a:off x="673456" y="5004208"/>
+            <a:ext cx="1107996" cy="369332"/>
+          </a:xfrm>
+          <a:prstGeom prst="rect">
+            <a:avLst/>
+          </a:prstGeom>
+          <a:noFill/>
+        </p:spPr>
+        <p:txBody>
+          <a:bodyPr wrap="none" rtlCol="0">
+            <a:spAutoFit/>
+          </a:bodyPr>
+          <a:lstStyle/>
+          <a:p>
+            <a:r>
+              <a:rPr lang="ja-JP" altLang="en-US" dirty="0" smtClean="0"/>
+              <a:t>訓練</a:t>
+            </a:r>
+            <a:r>
+              <a:rPr lang="ja-JP" altLang="en-US" dirty="0"/>
+              <a:t>誤差</a:t>
+            </a:r>
+            <a:endParaRPr kumimoji="1" lang="ja-JP" altLang="en-US" dirty="0"/>
+          </a:p>
+        </p:txBody>
+      </p:sp>
+      <p:cxnSp>
+        <p:nvCxnSpPr>
+          <p:cNvPr id="35" name="直線矢印コネクタ 34"/>
+          <p:cNvCxnSpPr>
+            <a:stCxn id="36" idx="3"/>
+          </p:cNvCxnSpPr>
+          <p:nvPr/>
+        </p:nvCxnSpPr>
+        <p:spPr>
+          <a:xfrm>
+            <a:off x="1781452" y="5188874"/>
+            <a:ext cx="355428" cy="0"/>
+          </a:xfrm>
+          <a:prstGeom prst="straightConnector1">
+            <a:avLst/>
+          </a:prstGeom>
+          <a:ln w="12700">
+            <a:solidFill>
+              <a:schemeClr val="tx1"/>
+            </a:solidFill>
+            <a:tailEnd type="triangle"/>
+          </a:ln>
+        </p:spPr>
+        <p:style>
+          <a:lnRef idx="1">
+            <a:schemeClr val="accent1"/>
+          </a:lnRef>
+          <a:fillRef idx="0">
+            <a:schemeClr val="accent1"/>
+          </a:fillRef>
+          <a:effectRef idx="0">
+            <a:schemeClr val="accent1"/>
+          </a:effectRef>
+          <a:fontRef idx="minor">
+            <a:schemeClr val="tx1"/>
+          </a:fontRef>
+        </p:style>
+      </p:cxnSp>
+      <p:pic>
+        <p:nvPicPr>
+          <p:cNvPr id="1030" name="Picture 6" descr="ãã¡ã¤ã«ã¢ã¤ã³ã³ï¼éï¼"/>
+          <p:cNvPicPr>
+            <a:picLocks noChangeAspect="1" noChangeArrowheads="1"/>
+          </p:cNvPicPr>
+          <p:nvPr/>
+        </p:nvPicPr>
+        <p:blipFill>
+          <a:blip r:embed="rId6" cstate="print">
+            <a:extLst>
+              <a:ext uri="{28A0092B-C50C-407E-A947-70E740481C1C}">
+                <a14:useLocalDpi xmlns:a14="http://schemas.microsoft.com/office/drawing/2010/main" val="0"/>
+              </a:ext>
+            </a:extLst>
+          </a:blip>
+          <a:srcRect/>
+          <a:stretch>
+            <a:fillRect/>
+          </a:stretch>
+        </p:blipFill>
+        <p:spPr bwMode="auto">
+          <a:xfrm>
+            <a:off x="6083010" y="2049725"/>
+            <a:ext cx="521710" cy="605856"/>
+          </a:xfrm>
+          <a:prstGeom prst="rect">
+            <a:avLst/>
+          </a:prstGeom>
+          <a:noFill/>
+          <a:extLst>
+            <a:ext uri="{909E8E84-426E-40DD-AFC4-6F175D3DCCD1}">
+              <a14:hiddenFill xmlns:a14="http://schemas.microsoft.com/office/drawing/2010/main">
+                <a:solidFill>
+                  <a:srgbClr val="FFFFFF"/>
+                </a:solidFill>
+              </a14:hiddenFill>
+            </a:ext>
+          </a:extLst>
+        </p:spPr>
+      </p:pic>
+      <p:pic>
+        <p:nvPicPr>
+          <p:cNvPr id="44" name="Picture 6" descr="ãã¡ã¤ã«ã¢ã¤ã³ã³ï¼éï¼"/>
+          <p:cNvPicPr>
+            <a:picLocks noChangeAspect="1" noChangeArrowheads="1"/>
+          </p:cNvPicPr>
+          <p:nvPr/>
+        </p:nvPicPr>
+        <p:blipFill>
+          <a:blip r:embed="rId6" cstate="print">
+            <a:extLst>
+              <a:ext uri="{28A0092B-C50C-407E-A947-70E740481C1C}">
+                <a14:useLocalDpi xmlns:a14="http://schemas.microsoft.com/office/drawing/2010/main" val="0"/>
+              </a:ext>
+            </a:extLst>
+          </a:blip>
+          <a:srcRect/>
+          <a:stretch>
+            <a:fillRect/>
+          </a:stretch>
+        </p:blipFill>
+        <p:spPr bwMode="auto">
+          <a:xfrm>
+            <a:off x="6732657" y="2049725"/>
+            <a:ext cx="521710" cy="605856"/>
+          </a:xfrm>
+          <a:prstGeom prst="rect">
+            <a:avLst/>
+          </a:prstGeom>
+          <a:noFill/>
+          <a:extLst>
+            <a:ext uri="{909E8E84-426E-40DD-AFC4-6F175D3DCCD1}">
+              <a14:hiddenFill xmlns:a14="http://schemas.microsoft.com/office/drawing/2010/main">
+                <a:solidFill>
+                  <a:srgbClr val="FFFFFF"/>
+                </a:solidFill>
+              </a14:hiddenFill>
+            </a:ext>
+          </a:extLst>
+        </p:spPr>
+      </p:pic>
+      <p:cxnSp>
+        <p:nvCxnSpPr>
+          <p:cNvPr id="48" name="直線矢印コネクタ 47">
+            <a:extLst>
+              <a:ext uri="{FF2B5EF4-FFF2-40B4-BE49-F238E27FC236}">
+                <a16:creationId xmlns:a16="http://schemas.microsoft.com/office/drawing/2014/main" id="{B3A1E29A-A926-7B4E-AF73-E7542E1E8F7E}"/>
+              </a:ext>
+            </a:extLst>
+          </p:cNvPr>
+          <p:cNvCxnSpPr/>
+          <p:nvPr/>
+        </p:nvCxnSpPr>
+        <p:spPr>
+          <a:xfrm flipV="1">
+            <a:off x="5003636" y="3783211"/>
+            <a:ext cx="0" cy="2783840"/>
+          </a:xfrm>
+          <a:prstGeom prst="straightConnector1">
+            <a:avLst/>
+          </a:prstGeom>
+          <a:ln w="12700">
+            <a:solidFill>
+              <a:schemeClr val="tx1"/>
+            </a:solidFill>
+            <a:tailEnd type="triangle"/>
+          </a:ln>
+        </p:spPr>
+        <p:style>
+          <a:lnRef idx="1">
+            <a:schemeClr val="accent1"/>
+          </a:lnRef>
+          <a:fillRef idx="0">
+            <a:schemeClr val="accent1"/>
+          </a:fillRef>
+          <a:effectRef idx="0">
+            <a:schemeClr val="accent1"/>
+          </a:effectRef>
+          <a:fontRef idx="minor">
+            <a:schemeClr val="tx1"/>
+          </a:fontRef>
+        </p:style>
+      </p:cxnSp>
+      <p:cxnSp>
+        <p:nvCxnSpPr>
+          <p:cNvPr id="49" name="直線矢印コネクタ 48">
+            <a:extLst>
+              <a:ext uri="{FF2B5EF4-FFF2-40B4-BE49-F238E27FC236}">
+                <a16:creationId xmlns:a16="http://schemas.microsoft.com/office/drawing/2014/main" id="{C5A935D9-8808-D24E-8CFC-3E5EF3BDA839}"/>
+              </a:ext>
+            </a:extLst>
+          </p:cNvPr>
+          <p:cNvCxnSpPr>
+            <a:cxnSpLocks/>
+          </p:cNvCxnSpPr>
+          <p:nvPr/>
+        </p:nvCxnSpPr>
+        <p:spPr>
+          <a:xfrm>
+            <a:off x="4668356" y="6211451"/>
+            <a:ext cx="3322320" cy="0"/>
+          </a:xfrm>
+          <a:prstGeom prst="straightConnector1">
+            <a:avLst/>
+          </a:prstGeom>
+          <a:ln w="12700">
+            <a:solidFill>
+              <a:schemeClr val="tx1"/>
+            </a:solidFill>
+            <a:tailEnd type="triangle"/>
+          </a:ln>
+        </p:spPr>
+        <p:style>
+          <a:lnRef idx="1">
+            <a:schemeClr val="accent1"/>
+          </a:lnRef>
+          <a:fillRef idx="0">
+            <a:schemeClr val="accent1"/>
+          </a:fillRef>
+          <a:effectRef idx="0">
+            <a:schemeClr val="accent1"/>
+          </a:effectRef>
+          <a:fontRef idx="minor">
+            <a:schemeClr val="tx1"/>
+          </a:fontRef>
+        </p:style>
+      </p:cxnSp>
+      <p:sp>
+        <p:nvSpPr>
+          <p:cNvPr id="50" name="テキスト ボックス 49">
+            <a:extLst>
+              <a:ext uri="{FF2B5EF4-FFF2-40B4-BE49-F238E27FC236}">
+                <a16:creationId xmlns:a16="http://schemas.microsoft.com/office/drawing/2014/main" id="{4B316541-64CB-DB48-9C63-DED12F774356}"/>
+              </a:ext>
+            </a:extLst>
+          </p:cNvPr>
+          <p:cNvSpPr txBox="1"/>
+          <p:nvPr/>
+        </p:nvSpPr>
+        <p:spPr>
+          <a:xfrm>
+            <a:off x="4658196" y="6262251"/>
+            <a:ext cx="301686" cy="369332"/>
+          </a:xfrm>
+          <a:prstGeom prst="rect">
+            <a:avLst/>
+          </a:prstGeom>
+          <a:noFill/>
+        </p:spPr>
+        <p:txBody>
+          <a:bodyPr wrap="none" rtlCol="0">
+            <a:spAutoFit/>
+          </a:bodyPr>
+          <a:lstStyle/>
+          <a:p>
+            <a:r>
+              <a:rPr kumimoji="1" lang="en-US" altLang="ja-JP"/>
+              <a:t>0</a:t>
+            </a:r>
+            <a:endParaRPr kumimoji="1" lang="ja-JP" altLang="en-US"/>
+          </a:p>
+        </p:txBody>
+      </p:sp>
+      <p:sp>
+        <p:nvSpPr>
+          <p:cNvPr id="51" name="テキスト ボックス 50">
+            <a:extLst>
+              <a:ext uri="{FF2B5EF4-FFF2-40B4-BE49-F238E27FC236}">
+                <a16:creationId xmlns:a16="http://schemas.microsoft.com/office/drawing/2014/main" id="{5595218F-2524-314E-BD0D-A4BEC06D1137}"/>
+              </a:ext>
+            </a:extLst>
+          </p:cNvPr>
+          <p:cNvSpPr txBox="1"/>
+          <p:nvPr/>
+        </p:nvSpPr>
+        <p:spPr>
+          <a:xfrm>
+            <a:off x="8010996" y="6028571"/>
+            <a:ext cx="646331" cy="369332"/>
+          </a:xfrm>
+          <a:prstGeom prst="rect">
+            <a:avLst/>
+          </a:prstGeom>
+          <a:noFill/>
+        </p:spPr>
+        <p:txBody>
+          <a:bodyPr wrap="none" rtlCol="0">
+            <a:spAutoFit/>
+          </a:bodyPr>
+          <a:lstStyle/>
+          <a:p>
+            <a:r>
+              <a:rPr lang="ja-JP" altLang="en-US" dirty="0"/>
+              <a:t>入力</a:t>
+            </a:r>
+            <a:endParaRPr kumimoji="1" lang="ja-JP" altLang="en-US" dirty="0"/>
+          </a:p>
+        </p:txBody>
+      </p:sp>
+      <p:sp>
+        <p:nvSpPr>
+          <p:cNvPr id="52" name="テキスト ボックス 51">
+            <a:extLst>
+              <a:ext uri="{FF2B5EF4-FFF2-40B4-BE49-F238E27FC236}">
+                <a16:creationId xmlns:a16="http://schemas.microsoft.com/office/drawing/2014/main" id="{29AD7F97-A469-8A4A-97B4-F94776B920C6}"/>
+              </a:ext>
+            </a:extLst>
+          </p:cNvPr>
+          <p:cNvSpPr txBox="1"/>
+          <p:nvPr/>
+        </p:nvSpPr>
+        <p:spPr>
+          <a:xfrm>
+            <a:off x="4680470" y="3413879"/>
+            <a:ext cx="646331" cy="369332"/>
+          </a:xfrm>
+          <a:prstGeom prst="rect">
+            <a:avLst/>
+          </a:prstGeom>
+          <a:noFill/>
+        </p:spPr>
+        <p:txBody>
+          <a:bodyPr wrap="none" rtlCol="0">
+            <a:spAutoFit/>
+          </a:bodyPr>
+          <a:lstStyle/>
+          <a:p>
+            <a:r>
+              <a:rPr lang="ja-JP" altLang="en-US" dirty="0"/>
+              <a:t>出力</a:t>
+            </a:r>
+            <a:endParaRPr kumimoji="1" lang="ja-JP" altLang="en-US" dirty="0"/>
+          </a:p>
+        </p:txBody>
+      </p:sp>
+      <p:cxnSp>
+        <p:nvCxnSpPr>
+          <p:cNvPr id="53" name="直線コネクタ 52">
+            <a:extLst>
+              <a:ext uri="{FF2B5EF4-FFF2-40B4-BE49-F238E27FC236}">
+                <a16:creationId xmlns:a16="http://schemas.microsoft.com/office/drawing/2014/main" id="{C4AB48C9-7888-7F41-801D-B2CEBE7F2896}"/>
+              </a:ext>
+            </a:extLst>
+          </p:cNvPr>
+          <p:cNvCxnSpPr/>
+          <p:nvPr/>
+        </p:nvCxnSpPr>
+        <p:spPr>
+          <a:xfrm flipV="1">
+            <a:off x="5013796" y="4352171"/>
+            <a:ext cx="3017520" cy="1849120"/>
+          </a:xfrm>
+          <a:prstGeom prst="line">
+            <a:avLst/>
+          </a:prstGeom>
+          <a:ln w="12700">
+            <a:solidFill>
+              <a:schemeClr val="tx1"/>
+            </a:solidFill>
+          </a:ln>
+        </p:spPr>
+        <p:style>
+          <a:lnRef idx="1">
+            <a:schemeClr val="accent1"/>
+          </a:lnRef>
+          <a:fillRef idx="0">
+            <a:schemeClr val="accent1"/>
+          </a:fillRef>
+          <a:effectRef idx="0">
+            <a:schemeClr val="accent1"/>
+          </a:effectRef>
+          <a:fontRef idx="minor">
+            <a:schemeClr val="tx1"/>
+          </a:fontRef>
+        </p:style>
+      </p:cxnSp>
+      <mc:AlternateContent xmlns:mc="http://schemas.openxmlformats.org/markup-compatibility/2006">
+        <mc:Choice xmlns:a14="http://schemas.microsoft.com/office/drawing/2010/main" Requires="a14">
+          <p:sp>
+            <p:nvSpPr>
+              <p:cNvPr id="55" name="テキスト ボックス 54">
+                <a:extLst>
+                  <a:ext uri="{FF2B5EF4-FFF2-40B4-BE49-F238E27FC236}">
+                    <a16:creationId xmlns:a16="http://schemas.microsoft.com/office/drawing/2014/main" id="{7F777ACB-A0BA-4C4A-9430-AAF5C2BBC0EC}"/>
+                  </a:ext>
+                </a:extLst>
+              </p:cNvPr>
+              <p:cNvSpPr txBox="1"/>
+              <p:nvPr/>
+            </p:nvSpPr>
+            <p:spPr>
+              <a:xfrm>
+                <a:off x="6629236" y="6267331"/>
+                <a:ext cx="248722" cy="276999"/>
+              </a:xfrm>
+              <a:prstGeom prst="rect">
+                <a:avLst/>
+              </a:prstGeom>
+              <a:noFill/>
+            </p:spPr>
+            <p:txBody>
+              <a:bodyPr wrap="none" lIns="0" tIns="0" rIns="0" bIns="0" rtlCol="0">
+                <a:spAutoFit/>
+              </a:bodyPr>
+              <a:lstStyle/>
+              <a:p>
+                <a:pPr/>
+                <a14:m>
+                  <m:oMathPara xmlns:m="http://schemas.openxmlformats.org/officeDocument/2006/math">
+                    <m:oMathParaPr>
+                      <m:jc m:val="centerGroup"/>
+                    </m:oMathParaPr>
+                    <m:oMath xmlns:m="http://schemas.openxmlformats.org/officeDocument/2006/math">
+                      <m:sSub>
+                        <m:sSubPr>
+                          <m:ctrlPr>
+                            <a:rPr kumimoji="1" lang="en-US" altLang="ja-JP" i="1">
+                              <a:latin typeface="Cambria Math" panose="02040503050406030204" pitchFamily="18" charset="0"/>
+                            </a:rPr>
+                          </m:ctrlPr>
+                        </m:sSubPr>
+                        <m:e>
+                          <m:r>
+                            <a:rPr kumimoji="1" lang="en-US" altLang="ja-JP" b="0" i="1">
+                              <a:latin typeface="Cambria Math" panose="02040503050406030204" pitchFamily="18" charset="0"/>
+                            </a:rPr>
+                            <m:t>𝑥</m:t>
+                          </m:r>
+                        </m:e>
+                        <m:sub>
+                          <m:r>
+                            <a:rPr kumimoji="1" lang="en-US" altLang="ja-JP" b="0" i="1">
+                              <a:latin typeface="Cambria Math" panose="02040503050406030204" pitchFamily="18" charset="0"/>
+                            </a:rPr>
+                            <m:t>𝑖</m:t>
+                          </m:r>
+                        </m:sub>
+                      </m:sSub>
+                    </m:oMath>
+                  </m:oMathPara>
+                </a14:m>
+                <a:endParaRPr kumimoji="1" lang="ja-JP" altLang="en-US"/>
+              </a:p>
+            </p:txBody>
+          </p:sp>
+        </mc:Choice>
+        <mc:Fallback>
+          <p:sp>
+            <p:nvSpPr>
+              <p:cNvPr id="55" name="テキスト ボックス 54">
+                <a:extLst>
+                  <a:ext uri="{FF2B5EF4-FFF2-40B4-BE49-F238E27FC236}">
+                    <a16:creationId xmlns:a16="http://schemas.microsoft.com/office/drawing/2014/main" id="{7F777ACB-A0BA-4C4A-9430-AAF5C2BBC0EC}"/>
+                  </a:ext>
+                </a:extLst>
+              </p:cNvPr>
+              <p:cNvSpPr txBox="1">
+                <a:spLocks noRot="1" noChangeAspect="1" noMove="1" noResize="1" noEditPoints="1" noAdjustHandles="1" noChangeArrowheads="1" noChangeShapeType="1" noTextEdit="1"/>
+              </p:cNvSpPr>
+              <p:nvPr/>
+            </p:nvSpPr>
+            <p:spPr>
+              <a:xfrm>
+                <a:off x="6629236" y="6267331"/>
+                <a:ext cx="248722" cy="276999"/>
+              </a:xfrm>
+              <a:prstGeom prst="rect">
+                <a:avLst/>
+              </a:prstGeom>
+              <a:blipFill>
+                <a:blip r:embed="rId7"/>
+                <a:stretch>
+                  <a:fillRect l="-14634" r="-9756" b="-17391"/>
+                </a:stretch>
+              </a:blipFill>
+            </p:spPr>
+            <p:txBody>
+              <a:bodyPr/>
+              <a:lstStyle/>
+              <a:p>
+                <a:r>
+                  <a:rPr lang="ja-JP" altLang="en-US">
+                    <a:noFill/>
+                  </a:rPr>
+                  <a:t> </a:t>
+                </a:r>
+              </a:p>
+            </p:txBody>
+          </p:sp>
+        </mc:Fallback>
+      </mc:AlternateContent>
+      <mc:AlternateContent xmlns:mc="http://schemas.openxmlformats.org/markup-compatibility/2006">
+        <mc:Choice xmlns:a14="http://schemas.microsoft.com/office/drawing/2010/main" Requires="a14">
+          <p:sp>
+            <p:nvSpPr>
+              <p:cNvPr id="56" name="テキスト ボックス 55">
+                <a:extLst>
+                  <a:ext uri="{FF2B5EF4-FFF2-40B4-BE49-F238E27FC236}">
+                    <a16:creationId xmlns:a16="http://schemas.microsoft.com/office/drawing/2014/main" id="{12137DB7-CB9F-9D4D-950E-B3B1151B1B35}"/>
+                  </a:ext>
+                </a:extLst>
+              </p:cNvPr>
+              <p:cNvSpPr txBox="1"/>
+              <p:nvPr/>
+            </p:nvSpPr>
+            <p:spPr>
+              <a:xfrm>
+                <a:off x="4708996" y="4672211"/>
+                <a:ext cx="250390" cy="276999"/>
+              </a:xfrm>
+              <a:prstGeom prst="rect">
+                <a:avLst/>
+              </a:prstGeom>
+              <a:noFill/>
+            </p:spPr>
+            <p:txBody>
+              <a:bodyPr wrap="none" lIns="0" tIns="0" rIns="0" bIns="0" rtlCol="0">
+                <a:spAutoFit/>
+              </a:bodyPr>
+              <a:lstStyle/>
+              <a:p>
+                <a:pPr/>
+                <a14:m>
+                  <m:oMathPara xmlns:m="http://schemas.openxmlformats.org/officeDocument/2006/math">
+                    <m:oMathParaPr>
+                      <m:jc m:val="centerGroup"/>
+                    </m:oMathParaPr>
+                    <m:oMath xmlns:m="http://schemas.openxmlformats.org/officeDocument/2006/math">
+                      <m:sSub>
+                        <m:sSubPr>
+                          <m:ctrlPr>
+                            <a:rPr kumimoji="1" lang="en-US" altLang="ja-JP" i="1">
+                              <a:latin typeface="Cambria Math" panose="02040503050406030204" pitchFamily="18" charset="0"/>
+                            </a:rPr>
+                          </m:ctrlPr>
+                        </m:sSubPr>
+                        <m:e>
+                          <m:r>
+                            <a:rPr kumimoji="1" lang="en-US" altLang="ja-JP" b="0" i="1">
+                              <a:latin typeface="Cambria Math" panose="02040503050406030204" pitchFamily="18" charset="0"/>
+                            </a:rPr>
+                            <m:t>𝑦</m:t>
+                          </m:r>
+                        </m:e>
+                        <m:sub>
+                          <m:r>
+                            <a:rPr kumimoji="1" lang="en-US" altLang="ja-JP" b="0" i="1">
+                              <a:latin typeface="Cambria Math" panose="02040503050406030204" pitchFamily="18" charset="0"/>
+                            </a:rPr>
+                            <m:t>𝑖</m:t>
+                          </m:r>
+                        </m:sub>
+                      </m:sSub>
+                    </m:oMath>
+                  </m:oMathPara>
+                </a14:m>
+                <a:endParaRPr kumimoji="1" lang="ja-JP" altLang="en-US"/>
+              </a:p>
+            </p:txBody>
+          </p:sp>
+        </mc:Choice>
+        <mc:Fallback>
+          <p:sp>
+            <p:nvSpPr>
+              <p:cNvPr id="56" name="テキスト ボックス 55">
+                <a:extLst>
+                  <a:ext uri="{FF2B5EF4-FFF2-40B4-BE49-F238E27FC236}">
+                    <a16:creationId xmlns:a16="http://schemas.microsoft.com/office/drawing/2014/main" id="{12137DB7-CB9F-9D4D-950E-B3B1151B1B35}"/>
+                  </a:ext>
+                </a:extLst>
+              </p:cNvPr>
+              <p:cNvSpPr txBox="1">
+                <a:spLocks noRot="1" noChangeAspect="1" noMove="1" noResize="1" noEditPoints="1" noAdjustHandles="1" noChangeArrowheads="1" noChangeShapeType="1" noTextEdit="1"/>
+              </p:cNvSpPr>
+              <p:nvPr/>
+            </p:nvSpPr>
+            <p:spPr>
+              <a:xfrm>
+                <a:off x="4708996" y="4672211"/>
+                <a:ext cx="250390" cy="276999"/>
+              </a:xfrm>
+              <a:prstGeom prst="rect">
+                <a:avLst/>
+              </a:prstGeom>
+              <a:blipFill>
+                <a:blip r:embed="rId8"/>
+                <a:stretch>
+                  <a:fillRect l="-23810" r="-7143" b="-23913"/>
+                </a:stretch>
+              </a:blipFill>
+            </p:spPr>
+            <p:txBody>
+              <a:bodyPr/>
+              <a:lstStyle/>
+              <a:p>
+                <a:r>
+                  <a:rPr lang="ja-JP" altLang="en-US">
+                    <a:noFill/>
+                  </a:rPr>
+                  <a:t> </a:t>
+                </a:r>
+              </a:p>
+            </p:txBody>
+          </p:sp>
+        </mc:Fallback>
+      </mc:AlternateContent>
+      <p:sp>
+        <p:nvSpPr>
+          <p:cNvPr id="59" name="テキスト ボックス 58"/>
+          <p:cNvSpPr txBox="1"/>
+          <p:nvPr/>
+        </p:nvSpPr>
+        <p:spPr>
+          <a:xfrm>
+            <a:off x="5319421" y="2981731"/>
+            <a:ext cx="3185487" cy="369332"/>
+          </a:xfrm>
+          <a:prstGeom prst="rect">
+            <a:avLst/>
+          </a:prstGeom>
+          <a:noFill/>
+        </p:spPr>
+        <p:txBody>
+          <a:bodyPr wrap="none" rtlCol="0">
+            <a:spAutoFit/>
+          </a:bodyPr>
+          <a:lstStyle/>
+          <a:p>
+            <a:r>
+              <a:rPr lang="ja-JP" altLang="en-US" dirty="0"/>
+              <a:t>青</a:t>
+            </a:r>
+            <a:r>
+              <a:rPr kumimoji="1" lang="ja-JP" altLang="en-US" dirty="0" smtClean="0"/>
+              <a:t>い点でモデルの精度を確認</a:t>
+            </a:r>
+            <a:endParaRPr kumimoji="1" lang="ja-JP" altLang="en-US" dirty="0"/>
+          </a:p>
+        </p:txBody>
+      </p:sp>
+      <p:sp>
+        <p:nvSpPr>
+          <p:cNvPr id="60" name="テキスト ボックス 59"/>
+          <p:cNvSpPr txBox="1"/>
+          <p:nvPr/>
+        </p:nvSpPr>
+        <p:spPr>
+          <a:xfrm>
+            <a:off x="5545905" y="4636364"/>
+            <a:ext cx="1107996" cy="369332"/>
+          </a:xfrm>
+          <a:prstGeom prst="rect">
+            <a:avLst/>
+          </a:prstGeom>
+          <a:noFill/>
+        </p:spPr>
+        <p:txBody>
+          <a:bodyPr wrap="none" rtlCol="0">
+            <a:spAutoFit/>
+          </a:bodyPr>
+          <a:lstStyle/>
+          <a:p>
+            <a:r>
+              <a:rPr lang="ja-JP" altLang="en-US" dirty="0" smtClean="0"/>
+              <a:t>汎化誤差</a:t>
+            </a:r>
+            <a:endParaRPr kumimoji="1" lang="ja-JP" altLang="en-US" dirty="0"/>
+          </a:p>
+        </p:txBody>
+      </p:sp>
+      <p:sp>
+        <p:nvSpPr>
+          <p:cNvPr id="62" name="円/楕円 9">
+            <a:extLst>
+              <a:ext uri="{FF2B5EF4-FFF2-40B4-BE49-F238E27FC236}">
+                <a16:creationId xmlns:a16="http://schemas.microsoft.com/office/drawing/2014/main" id="{A133D6B3-6B13-0F4A-BC5D-5472FC77195D}"/>
+              </a:ext>
+            </a:extLst>
+          </p:cNvPr>
+          <p:cNvSpPr/>
+          <p:nvPr/>
+        </p:nvSpPr>
+        <p:spPr>
+          <a:xfrm>
+            <a:off x="7000078" y="4583960"/>
+            <a:ext cx="132080" cy="132080"/>
+          </a:xfrm>
+          <a:prstGeom prst="ellipse">
+            <a:avLst/>
+          </a:prstGeom>
+          <a:solidFill>
+            <a:srgbClr val="0070C0"/>
+          </a:solidFill>
+          <a:ln>
+            <a:solidFill>
+              <a:schemeClr val="tx1"/>
+            </a:solidFill>
+          </a:ln>
+        </p:spPr>
+        <p:style>
+          <a:lnRef idx="2">
+            <a:schemeClr val="accent1">
+              <a:shade val="50000"/>
+            </a:schemeClr>
+          </a:lnRef>
+          <a:fillRef idx="1">
+            <a:schemeClr val="accent1"/>
+          </a:fillRef>
+          <a:effectRef idx="0">
+            <a:schemeClr val="accent1"/>
+          </a:effectRef>
+          <a:fontRef idx="minor">
+            <a:schemeClr val="lt1"/>
+          </a:fontRef>
+        </p:style>
+        <p:txBody>
+          <a:bodyPr rtlCol="0" anchor="ctr"/>
+          <a:lstStyle/>
+          <a:p>
+            <a:pPr algn="ctr"/>
+            <a:endParaRPr kumimoji="1" lang="ja-JP" altLang="en-US"/>
+          </a:p>
+        </p:txBody>
+      </p:sp>
+      <p:sp>
+        <p:nvSpPr>
+          <p:cNvPr id="63" name="円/楕円 9">
+            <a:extLst>
+              <a:ext uri="{FF2B5EF4-FFF2-40B4-BE49-F238E27FC236}">
+                <a16:creationId xmlns:a16="http://schemas.microsoft.com/office/drawing/2014/main" id="{A133D6B3-6B13-0F4A-BC5D-5472FC77195D}"/>
+              </a:ext>
+            </a:extLst>
+          </p:cNvPr>
+          <p:cNvSpPr/>
+          <p:nvPr/>
+        </p:nvSpPr>
+        <p:spPr>
+          <a:xfrm>
+            <a:off x="5970226" y="5789303"/>
+            <a:ext cx="132080" cy="132080"/>
+          </a:xfrm>
+          <a:prstGeom prst="ellipse">
+            <a:avLst/>
+          </a:prstGeom>
+          <a:solidFill>
+            <a:srgbClr val="0070C0"/>
+          </a:solidFill>
+          <a:ln>
+            <a:solidFill>
+              <a:schemeClr val="tx1"/>
+            </a:solidFill>
+          </a:ln>
+        </p:spPr>
+        <p:style>
+          <a:lnRef idx="2">
+            <a:schemeClr val="accent1">
+              <a:shade val="50000"/>
+            </a:schemeClr>
+          </a:lnRef>
+          <a:fillRef idx="1">
+            <a:schemeClr val="accent1"/>
+          </a:fillRef>
+          <a:effectRef idx="0">
+            <a:schemeClr val="accent1"/>
+          </a:effectRef>
+          <a:fontRef idx="minor">
+            <a:schemeClr val="lt1"/>
+          </a:fontRef>
+        </p:style>
+        <p:txBody>
+          <a:bodyPr rtlCol="0" anchor="ctr"/>
+          <a:lstStyle/>
+          <a:p>
+            <a:pPr algn="ctr"/>
+            <a:endParaRPr kumimoji="1" lang="ja-JP" altLang="en-US"/>
+          </a:p>
+        </p:txBody>
+      </p:sp>
+      <p:cxnSp>
+        <p:nvCxnSpPr>
+          <p:cNvPr id="65" name="直線矢印コネクタ 64"/>
+          <p:cNvCxnSpPr/>
+          <p:nvPr/>
+        </p:nvCxnSpPr>
+        <p:spPr>
+          <a:xfrm>
+            <a:off x="6644650" y="4807239"/>
+            <a:ext cx="355428" cy="0"/>
+          </a:xfrm>
+          <a:prstGeom prst="straightConnector1">
+            <a:avLst/>
+          </a:prstGeom>
+          <a:ln w="12700">
+            <a:solidFill>
+              <a:schemeClr val="tx1"/>
+            </a:solidFill>
+            <a:tailEnd type="triangle"/>
+          </a:ln>
+        </p:spPr>
+        <p:style>
+          <a:lnRef idx="1">
+            <a:schemeClr val="accent1"/>
+          </a:lnRef>
+          <a:fillRef idx="0">
+            <a:schemeClr val="accent1"/>
+          </a:fillRef>
+          <a:effectRef idx="0">
+            <a:schemeClr val="accent1"/>
+          </a:effectRef>
+          <a:fontRef idx="minor">
+            <a:schemeClr val="tx1"/>
+          </a:fontRef>
+        </p:style>
+      </p:cxnSp>
+      <p:sp>
+        <p:nvSpPr>
+          <p:cNvPr id="41" name="角丸四角形 40"/>
+          <p:cNvSpPr/>
+          <p:nvPr/>
+        </p:nvSpPr>
+        <p:spPr>
+          <a:xfrm>
+            <a:off x="2641600" y="535097"/>
+            <a:ext cx="3393017" cy="773058"/>
+          </a:xfrm>
+          <a:prstGeom prst="roundRect">
+            <a:avLst>
+              <a:gd name="adj" fmla="val 29810"/>
+            </a:avLst>
+          </a:prstGeom>
+          <a:noFill/>
+          <a:ln>
+            <a:solidFill>
+              <a:schemeClr val="tx1"/>
+            </a:solidFill>
+            <a:prstDash val="dash"/>
+          </a:ln>
+        </p:spPr>
+        <p:style>
+          <a:lnRef idx="2">
+            <a:schemeClr val="accent1">
+              <a:shade val="50000"/>
+            </a:schemeClr>
+          </a:lnRef>
+          <a:fillRef idx="1">
+            <a:schemeClr val="accent1"/>
+          </a:fillRef>
+          <a:effectRef idx="0">
+            <a:schemeClr val="accent1"/>
+          </a:effectRef>
+          <a:fontRef idx="minor">
+            <a:schemeClr val="lt1"/>
+          </a:fontRef>
+        </p:style>
+        <p:txBody>
+          <a:bodyPr rtlCol="0" anchor="ctr"/>
+          <a:lstStyle/>
+          <a:p>
+            <a:pPr algn="ctr"/>
+            <a:endParaRPr kumimoji="1" lang="ja-JP" altLang="en-US"/>
+          </a:p>
+        </p:txBody>
+      </p:sp>
+      <p:sp>
+        <p:nvSpPr>
+          <p:cNvPr id="68" name="角丸四角形 67"/>
+          <p:cNvSpPr/>
+          <p:nvPr/>
+        </p:nvSpPr>
+        <p:spPr>
+          <a:xfrm>
+            <a:off x="1189661" y="1988624"/>
+            <a:ext cx="2208217" cy="773058"/>
+          </a:xfrm>
+          <a:prstGeom prst="roundRect">
+            <a:avLst>
+              <a:gd name="adj" fmla="val 29810"/>
+            </a:avLst>
+          </a:prstGeom>
+          <a:noFill/>
+          <a:ln>
+            <a:solidFill>
+              <a:schemeClr val="tx1"/>
+            </a:solidFill>
+            <a:prstDash val="dash"/>
+          </a:ln>
+        </p:spPr>
+        <p:style>
+          <a:lnRef idx="2">
+            <a:schemeClr val="accent1">
+              <a:shade val="50000"/>
+            </a:schemeClr>
+          </a:lnRef>
+          <a:fillRef idx="1">
+            <a:schemeClr val="accent1"/>
+          </a:fillRef>
+          <a:effectRef idx="0">
+            <a:schemeClr val="accent1"/>
+          </a:effectRef>
+          <a:fontRef idx="minor">
+            <a:schemeClr val="lt1"/>
+          </a:fontRef>
+        </p:style>
+        <p:txBody>
+          <a:bodyPr rtlCol="0" anchor="ctr"/>
+          <a:lstStyle/>
+          <a:p>
+            <a:pPr algn="ctr"/>
+            <a:endParaRPr kumimoji="1" lang="ja-JP" altLang="en-US"/>
+          </a:p>
+        </p:txBody>
+      </p:sp>
+      <p:sp>
+        <p:nvSpPr>
+          <p:cNvPr id="69" name="角丸四角形 68"/>
+          <p:cNvSpPr/>
+          <p:nvPr/>
+        </p:nvSpPr>
+        <p:spPr>
+          <a:xfrm>
+            <a:off x="5970227" y="1981139"/>
+            <a:ext cx="1400392" cy="773058"/>
+          </a:xfrm>
+          <a:prstGeom prst="roundRect">
+            <a:avLst>
+              <a:gd name="adj" fmla="val 29810"/>
+            </a:avLst>
+          </a:prstGeom>
+          <a:noFill/>
+          <a:ln>
+            <a:solidFill>
+              <a:schemeClr val="tx1"/>
+            </a:solidFill>
+            <a:prstDash val="dash"/>
+          </a:ln>
+        </p:spPr>
+        <p:style>
+          <a:lnRef idx="2">
+            <a:schemeClr val="accent1">
+              <a:shade val="50000"/>
+            </a:schemeClr>
+          </a:lnRef>
+          <a:fillRef idx="1">
+            <a:schemeClr val="accent1"/>
+          </a:fillRef>
+          <a:effectRef idx="0">
+            <a:schemeClr val="accent1"/>
+          </a:effectRef>
+          <a:fontRef idx="minor">
+            <a:schemeClr val="lt1"/>
+          </a:fontRef>
+        </p:style>
+        <p:txBody>
+          <a:bodyPr rtlCol="0" anchor="ctr"/>
+          <a:lstStyle/>
+          <a:p>
+            <a:pPr algn="ctr"/>
+            <a:endParaRPr kumimoji="1" lang="ja-JP" altLang="en-US"/>
+          </a:p>
+        </p:txBody>
+      </p:sp>
+      <p:cxnSp>
+        <p:nvCxnSpPr>
+          <p:cNvPr id="43" name="カギ線コネクタ 42"/>
+          <p:cNvCxnSpPr>
+            <a:stCxn id="77" idx="4"/>
+            <a:endCxn id="68" idx="3"/>
+          </p:cNvCxnSpPr>
+          <p:nvPr/>
+        </p:nvCxnSpPr>
+        <p:spPr>
+          <a:xfrm rot="5400000">
+            <a:off x="3264235" y="1556044"/>
+            <a:ext cx="952753" cy="685465"/>
+          </a:xfrm>
+          <a:prstGeom prst="bentConnector2">
+            <a:avLst/>
+          </a:prstGeom>
+          <a:ln w="12700">
+            <a:solidFill>
+              <a:schemeClr val="tx1"/>
+            </a:solidFill>
+            <a:tailEnd type="triangle"/>
+          </a:ln>
+        </p:spPr>
+        <p:style>
+          <a:lnRef idx="1">
+            <a:schemeClr val="accent1"/>
+          </a:lnRef>
+          <a:fillRef idx="0">
+            <a:schemeClr val="accent1"/>
+          </a:fillRef>
+          <a:effectRef idx="0">
+            <a:schemeClr val="accent1"/>
+          </a:effectRef>
+          <a:fontRef idx="minor">
+            <a:schemeClr val="tx1"/>
+          </a:fontRef>
+        </p:style>
+      </p:cxnSp>
+      <p:cxnSp>
+        <p:nvCxnSpPr>
+          <p:cNvPr id="73" name="カギ線コネクタ 72"/>
+          <p:cNvCxnSpPr>
+            <a:stCxn id="82" idx="4"/>
+          </p:cNvCxnSpPr>
+          <p:nvPr/>
+        </p:nvCxnSpPr>
+        <p:spPr>
+          <a:xfrm rot="16200000" flipH="1">
+            <a:off x="4799425" y="1182877"/>
+            <a:ext cx="938464" cy="1417510"/>
+          </a:xfrm>
+          <a:prstGeom prst="bentConnector2">
+            <a:avLst/>
+          </a:prstGeom>
+          <a:ln w="12700">
+            <a:solidFill>
+              <a:schemeClr val="tx1"/>
+            </a:solidFill>
+            <a:tailEnd type="triangle"/>
+          </a:ln>
+        </p:spPr>
+        <p:style>
+          <a:lnRef idx="1">
+            <a:schemeClr val="accent1"/>
+          </a:lnRef>
+          <a:fillRef idx="0">
+            <a:schemeClr val="accent1"/>
+          </a:fillRef>
+          <a:effectRef idx="0">
+            <a:schemeClr val="accent1"/>
+          </a:effectRef>
+          <a:fontRef idx="minor">
+            <a:schemeClr val="tx1"/>
+          </a:fontRef>
+        </p:style>
+      </p:cxnSp>
+      <p:sp>
+        <p:nvSpPr>
+          <p:cNvPr id="77" name="楕円 76"/>
+          <p:cNvSpPr/>
+          <p:nvPr/>
+        </p:nvSpPr>
+        <p:spPr>
+          <a:xfrm>
+            <a:off x="4019558" y="1308155"/>
+            <a:ext cx="127569" cy="114245"/>
+          </a:xfrm>
+          <a:prstGeom prst="ellipse">
+            <a:avLst/>
+          </a:prstGeom>
+          <a:noFill/>
+          <a:ln>
+            <a:noFill/>
+          </a:ln>
+        </p:spPr>
+        <p:style>
+          <a:lnRef idx="2">
+            <a:schemeClr val="accent1">
+              <a:shade val="50000"/>
+            </a:schemeClr>
+          </a:lnRef>
+          <a:fillRef idx="1">
+            <a:schemeClr val="accent1"/>
+          </a:fillRef>
+          <a:effectRef idx="0">
+            <a:schemeClr val="accent1"/>
+          </a:effectRef>
+          <a:fontRef idx="minor">
+            <a:schemeClr val="lt1"/>
+          </a:fontRef>
+        </p:style>
+        <p:txBody>
+          <a:bodyPr rtlCol="0" anchor="ctr"/>
+          <a:lstStyle/>
+          <a:p>
+            <a:pPr algn="ctr"/>
+            <a:endParaRPr kumimoji="1" lang="ja-JP" altLang="en-US"/>
+          </a:p>
+        </p:txBody>
+      </p:sp>
+      <p:sp>
+        <p:nvSpPr>
+          <p:cNvPr id="82" name="楕円 81"/>
+          <p:cNvSpPr/>
+          <p:nvPr/>
+        </p:nvSpPr>
+        <p:spPr>
+          <a:xfrm>
+            <a:off x="4507345" y="1308155"/>
+            <a:ext cx="105114" cy="114245"/>
+          </a:xfrm>
+          <a:prstGeom prst="ellipse">
+            <a:avLst/>
+          </a:prstGeom>
+          <a:noFill/>
+          <a:ln>
+            <a:noFill/>
+          </a:ln>
+        </p:spPr>
+        <p:style>
+          <a:lnRef idx="2">
+            <a:schemeClr val="accent1">
+              <a:shade val="50000"/>
+            </a:schemeClr>
+          </a:lnRef>
+          <a:fillRef idx="1">
+            <a:schemeClr val="accent1"/>
+          </a:fillRef>
+          <a:effectRef idx="0">
+            <a:schemeClr val="accent1"/>
+          </a:effectRef>
+          <a:fontRef idx="minor">
+            <a:schemeClr val="lt1"/>
+          </a:fontRef>
+        </p:style>
+        <p:txBody>
+          <a:bodyPr rtlCol="0" anchor="ctr"/>
+          <a:lstStyle/>
+          <a:p>
+            <a:pPr algn="ctr"/>
+            <a:endParaRPr kumimoji="1" lang="ja-JP" altLang="en-US"/>
+          </a:p>
+        </p:txBody>
+      </p:sp>
+      <p:sp>
+        <p:nvSpPr>
+          <p:cNvPr id="84" name="右矢印 83"/>
+          <p:cNvSpPr/>
+          <p:nvPr/>
+        </p:nvSpPr>
+        <p:spPr>
+          <a:xfrm>
+            <a:off x="3963270" y="4688331"/>
+            <a:ext cx="476560" cy="459091"/>
+          </a:xfrm>
+          <a:prstGeom prst="rightArrow">
+            <a:avLst/>
+          </a:prstGeom>
+          <a:solidFill>
+            <a:srgbClr val="FF0000"/>
+          </a:solidFill>
+          <a:ln>
+            <a:solidFill>
+              <a:schemeClr val="tx1"/>
+            </a:solidFill>
+          </a:ln>
+        </p:spPr>
+        <p:style>
+          <a:lnRef idx="2">
+            <a:schemeClr val="accent1">
+              <a:shade val="50000"/>
+            </a:schemeClr>
+          </a:lnRef>
+          <a:fillRef idx="1">
+            <a:schemeClr val="accent1"/>
+          </a:fillRef>
+          <a:effectRef idx="0">
+            <a:schemeClr val="accent1"/>
+          </a:effectRef>
+          <a:fontRef idx="minor">
+            <a:schemeClr val="lt1"/>
+          </a:fontRef>
+        </p:style>
+        <p:txBody>
+          <a:bodyPr rtlCol="0" anchor="ctr"/>
+          <a:lstStyle/>
+          <a:p>
+            <a:pPr algn="ctr"/>
+            <a:endParaRPr kumimoji="1" lang="ja-JP" altLang="en-US"/>
+          </a:p>
+        </p:txBody>
+      </p:sp>
     </p:spTree>
     <p:extLst>
       <p:ext uri="{BB962C8B-B14F-4D97-AF65-F5344CB8AC3E}">
-        <p14:creationId xmlns:p14="http://schemas.microsoft.com/office/powerpoint/2010/main" val="3184913088"/>
+        <p14:creationId xmlns:p14="http://schemas.microsoft.com/office/powerpoint/2010/main" val="1903602023"/>
       </p:ext>
     </p:extLst>
   </p:cSld>
@@ -3512,6 +5259,2865 @@
 </file>
 
 <file path=ppt/slides/slide3.xml><?xml version="1.0" encoding="utf-8"?>
+<p:sld xmlns:a="http://schemas.openxmlformats.org/drawingml/2006/main" xmlns:r="http://schemas.openxmlformats.org/officeDocument/2006/relationships" xmlns:p="http://schemas.openxmlformats.org/presentationml/2006/main">
+  <p:cSld>
+    <p:spTree>
+      <p:nvGrpSpPr>
+        <p:cNvPr id="1" name=""/>
+        <p:cNvGrpSpPr/>
+        <p:nvPr/>
+      </p:nvGrpSpPr>
+      <p:grpSpPr>
+        <a:xfrm>
+          <a:off x="0" y="0"/>
+          <a:ext cx="0" cy="0"/>
+          <a:chOff x="0" y="0"/>
+          <a:chExt cx="0" cy="0"/>
+        </a:xfrm>
+      </p:grpSpPr>
+      <p:sp>
+        <p:nvSpPr>
+          <p:cNvPr id="58" name="テキスト ボックス 57"/>
+          <p:cNvSpPr txBox="1"/>
+          <p:nvPr/>
+        </p:nvSpPr>
+        <p:spPr>
+          <a:xfrm>
+            <a:off x="3908617" y="90943"/>
+            <a:ext cx="1415772" cy="584775"/>
+          </a:xfrm>
+          <a:prstGeom prst="rect">
+            <a:avLst/>
+          </a:prstGeom>
+          <a:noFill/>
+        </p:spPr>
+        <p:txBody>
+          <a:bodyPr wrap="none" rtlCol="0">
+            <a:spAutoFit/>
+          </a:bodyPr>
+          <a:lstStyle/>
+          <a:p>
+            <a:r>
+              <a:rPr kumimoji="1" lang="ja-JP" altLang="en-US" sz="3200" dirty="0" smtClean="0"/>
+              <a:t>過学習</a:t>
+            </a:r>
+            <a:endParaRPr kumimoji="1" lang="ja-JP" altLang="en-US" sz="3200" dirty="0"/>
+          </a:p>
+        </p:txBody>
+      </p:sp>
+      <p:grpSp>
+        <p:nvGrpSpPr>
+          <p:cNvPr id="61" name="グループ化 60"/>
+          <p:cNvGrpSpPr/>
+          <p:nvPr/>
+        </p:nvGrpSpPr>
+        <p:grpSpPr>
+          <a:xfrm>
+            <a:off x="244290" y="1204567"/>
+            <a:ext cx="4026734" cy="3217704"/>
+            <a:chOff x="605332" y="631377"/>
+            <a:chExt cx="4026734" cy="3217704"/>
+          </a:xfrm>
+        </p:grpSpPr>
+        <p:cxnSp>
+          <p:nvCxnSpPr>
+            <p:cNvPr id="30" name="直線矢印コネクタ 29">
+              <a:extLst>
+                <a:ext uri="{FF2B5EF4-FFF2-40B4-BE49-F238E27FC236}">
+                  <a16:creationId xmlns:a16="http://schemas.microsoft.com/office/drawing/2014/main" id="{B3A1E29A-A926-7B4E-AF73-E7542E1E8F7E}"/>
+                </a:ext>
+              </a:extLst>
+            </p:cNvPr>
+            <p:cNvCxnSpPr/>
+            <p:nvPr/>
+          </p:nvCxnSpPr>
+          <p:spPr>
+            <a:xfrm flipV="1">
+              <a:off x="950772" y="1000709"/>
+              <a:ext cx="0" cy="2783840"/>
+            </a:xfrm>
+            <a:prstGeom prst="straightConnector1">
+              <a:avLst/>
+            </a:prstGeom>
+            <a:ln w="12700">
+              <a:solidFill>
+                <a:schemeClr val="tx1"/>
+              </a:solidFill>
+              <a:tailEnd type="triangle"/>
+            </a:ln>
+          </p:spPr>
+          <p:style>
+            <a:lnRef idx="1">
+              <a:schemeClr val="accent1"/>
+            </a:lnRef>
+            <a:fillRef idx="0">
+              <a:schemeClr val="accent1"/>
+            </a:fillRef>
+            <a:effectRef idx="0">
+              <a:schemeClr val="accent1"/>
+            </a:effectRef>
+            <a:fontRef idx="minor">
+              <a:schemeClr val="tx1"/>
+            </a:fontRef>
+          </p:style>
+        </p:cxnSp>
+        <p:cxnSp>
+          <p:nvCxnSpPr>
+            <p:cNvPr id="31" name="直線矢印コネクタ 30">
+              <a:extLst>
+                <a:ext uri="{FF2B5EF4-FFF2-40B4-BE49-F238E27FC236}">
+                  <a16:creationId xmlns:a16="http://schemas.microsoft.com/office/drawing/2014/main" id="{C5A935D9-8808-D24E-8CFC-3E5EF3BDA839}"/>
+                </a:ext>
+              </a:extLst>
+            </p:cNvPr>
+            <p:cNvCxnSpPr>
+              <a:cxnSpLocks/>
+            </p:cNvCxnSpPr>
+            <p:nvPr/>
+          </p:nvCxnSpPr>
+          <p:spPr>
+            <a:xfrm>
+              <a:off x="615492" y="3428949"/>
+              <a:ext cx="3322320" cy="0"/>
+            </a:xfrm>
+            <a:prstGeom prst="straightConnector1">
+              <a:avLst/>
+            </a:prstGeom>
+            <a:ln w="12700">
+              <a:solidFill>
+                <a:schemeClr val="tx1"/>
+              </a:solidFill>
+              <a:tailEnd type="triangle"/>
+            </a:ln>
+          </p:spPr>
+          <p:style>
+            <a:lnRef idx="1">
+              <a:schemeClr val="accent1"/>
+            </a:lnRef>
+            <a:fillRef idx="0">
+              <a:schemeClr val="accent1"/>
+            </a:fillRef>
+            <a:effectRef idx="0">
+              <a:schemeClr val="accent1"/>
+            </a:effectRef>
+            <a:fontRef idx="minor">
+              <a:schemeClr val="tx1"/>
+            </a:fontRef>
+          </p:style>
+        </p:cxnSp>
+        <p:sp>
+          <p:nvSpPr>
+            <p:cNvPr id="32" name="テキスト ボックス 31">
+              <a:extLst>
+                <a:ext uri="{FF2B5EF4-FFF2-40B4-BE49-F238E27FC236}">
+                  <a16:creationId xmlns:a16="http://schemas.microsoft.com/office/drawing/2014/main" id="{4B316541-64CB-DB48-9C63-DED12F774356}"/>
+                </a:ext>
+              </a:extLst>
+            </p:cNvPr>
+            <p:cNvSpPr txBox="1"/>
+            <p:nvPr/>
+          </p:nvSpPr>
+          <p:spPr>
+            <a:xfrm>
+              <a:off x="605332" y="3479749"/>
+              <a:ext cx="301686" cy="369332"/>
+            </a:xfrm>
+            <a:prstGeom prst="rect">
+              <a:avLst/>
+            </a:prstGeom>
+            <a:noFill/>
+          </p:spPr>
+          <p:txBody>
+            <a:bodyPr wrap="none" rtlCol="0">
+              <a:spAutoFit/>
+            </a:bodyPr>
+            <a:lstStyle/>
+            <a:p>
+              <a:r>
+                <a:rPr kumimoji="1" lang="en-US" altLang="ja-JP"/>
+                <a:t>0</a:t>
+              </a:r>
+              <a:endParaRPr kumimoji="1" lang="ja-JP" altLang="en-US"/>
+            </a:p>
+          </p:txBody>
+        </p:sp>
+        <mc:AlternateContent xmlns:mc="http://schemas.openxmlformats.org/markup-compatibility/2006">
+          <mc:Choice xmlns:a14="http://schemas.microsoft.com/office/drawing/2010/main" Requires="a14">
+            <p:sp>
+              <p:nvSpPr>
+                <p:cNvPr id="34" name="テキスト ボックス 33">
+                  <a:extLst>
+                    <a:ext uri="{FF2B5EF4-FFF2-40B4-BE49-F238E27FC236}">
+                      <a16:creationId xmlns:a16="http://schemas.microsoft.com/office/drawing/2014/main" id="{7F777ACB-A0BA-4C4A-9430-AAF5C2BBC0EC}"/>
+                    </a:ext>
+                  </a:extLst>
+                </p:cNvPr>
+                <p:cNvSpPr txBox="1"/>
+                <p:nvPr/>
+              </p:nvSpPr>
+              <p:spPr>
+                <a:xfrm>
+                  <a:off x="2576372" y="3484829"/>
+                  <a:ext cx="248722" cy="276999"/>
+                </a:xfrm>
+                <a:prstGeom prst="rect">
+                  <a:avLst/>
+                </a:prstGeom>
+                <a:noFill/>
+              </p:spPr>
+              <p:txBody>
+                <a:bodyPr wrap="none" lIns="0" tIns="0" rIns="0" bIns="0" rtlCol="0">
+                  <a:spAutoFit/>
+                </a:bodyPr>
+                <a:lstStyle/>
+                <a:p>
+                  <a:pPr/>
+                  <a14:m>
+                    <m:oMathPara xmlns:m="http://schemas.openxmlformats.org/officeDocument/2006/math">
+                      <m:oMathParaPr>
+                        <m:jc m:val="centerGroup"/>
+                      </m:oMathParaPr>
+                      <m:oMath xmlns:m="http://schemas.openxmlformats.org/officeDocument/2006/math">
+                        <m:sSub>
+                          <m:sSubPr>
+                            <m:ctrlPr>
+                              <a:rPr kumimoji="1" lang="en-US" altLang="ja-JP" i="1">
+                                <a:latin typeface="Cambria Math" panose="02040503050406030204" pitchFamily="18" charset="0"/>
+                              </a:rPr>
+                            </m:ctrlPr>
+                          </m:sSubPr>
+                          <m:e>
+                            <m:r>
+                              <a:rPr kumimoji="1" lang="en-US" altLang="ja-JP" b="0" i="1">
+                                <a:latin typeface="Cambria Math" panose="02040503050406030204" pitchFamily="18" charset="0"/>
+                              </a:rPr>
+                              <m:t>𝑥</m:t>
+                            </m:r>
+                          </m:e>
+                          <m:sub>
+                            <m:r>
+                              <a:rPr kumimoji="1" lang="en-US" altLang="ja-JP" b="0" i="1">
+                                <a:latin typeface="Cambria Math" panose="02040503050406030204" pitchFamily="18" charset="0"/>
+                              </a:rPr>
+                              <m:t>𝑖</m:t>
+                            </m:r>
+                          </m:sub>
+                        </m:sSub>
+                      </m:oMath>
+                    </m:oMathPara>
+                  </a14:m>
+                  <a:endParaRPr kumimoji="1" lang="ja-JP" altLang="en-US"/>
+                </a:p>
+              </p:txBody>
+            </p:sp>
+          </mc:Choice>
+          <mc:Fallback>
+            <p:sp>
+              <p:nvSpPr>
+                <p:cNvPr id="34" name="テキスト ボックス 33">
+                  <a:extLst>
+                    <a:ext uri="{FF2B5EF4-FFF2-40B4-BE49-F238E27FC236}">
+                      <a16:creationId xmlns:a16="http://schemas.microsoft.com/office/drawing/2014/main" id="{7F777ACB-A0BA-4C4A-9430-AAF5C2BBC0EC}"/>
+                    </a:ext>
+                  </a:extLst>
+                </p:cNvPr>
+                <p:cNvSpPr txBox="1">
+                  <a:spLocks noRot="1" noChangeAspect="1" noMove="1" noResize="1" noEditPoints="1" noAdjustHandles="1" noChangeArrowheads="1" noChangeShapeType="1" noTextEdit="1"/>
+                </p:cNvSpPr>
+                <p:nvPr/>
+              </p:nvSpPr>
+              <p:spPr>
+                <a:xfrm>
+                  <a:off x="2576372" y="3484829"/>
+                  <a:ext cx="248722" cy="276999"/>
+                </a:xfrm>
+                <a:prstGeom prst="rect">
+                  <a:avLst/>
+                </a:prstGeom>
+                <a:blipFill>
+                  <a:blip r:embed="rId2"/>
+                  <a:stretch>
+                    <a:fillRect l="-14634" r="-9756" b="-17778"/>
+                  </a:stretch>
+                </a:blipFill>
+              </p:spPr>
+              <p:txBody>
+                <a:bodyPr/>
+                <a:lstStyle/>
+                <a:p>
+                  <a:r>
+                    <a:rPr lang="ja-JP" altLang="en-US">
+                      <a:noFill/>
+                    </a:rPr>
+                    <a:t> </a:t>
+                  </a:r>
+                </a:p>
+              </p:txBody>
+            </p:sp>
+          </mc:Fallback>
+        </mc:AlternateContent>
+        <mc:AlternateContent xmlns:mc="http://schemas.openxmlformats.org/markup-compatibility/2006">
+          <mc:Choice xmlns:a14="http://schemas.microsoft.com/office/drawing/2010/main" Requires="a14">
+            <p:sp>
+              <p:nvSpPr>
+                <p:cNvPr id="35" name="テキスト ボックス 34">
+                  <a:extLst>
+                    <a:ext uri="{FF2B5EF4-FFF2-40B4-BE49-F238E27FC236}">
+                      <a16:creationId xmlns:a16="http://schemas.microsoft.com/office/drawing/2014/main" id="{12137DB7-CB9F-9D4D-950E-B3B1151B1B35}"/>
+                    </a:ext>
+                  </a:extLst>
+                </p:cNvPr>
+                <p:cNvSpPr txBox="1"/>
+                <p:nvPr/>
+              </p:nvSpPr>
+              <p:spPr>
+                <a:xfrm>
+                  <a:off x="656132" y="1889709"/>
+                  <a:ext cx="250390" cy="276999"/>
+                </a:xfrm>
+                <a:prstGeom prst="rect">
+                  <a:avLst/>
+                </a:prstGeom>
+                <a:noFill/>
+              </p:spPr>
+              <p:txBody>
+                <a:bodyPr wrap="none" lIns="0" tIns="0" rIns="0" bIns="0" rtlCol="0">
+                  <a:spAutoFit/>
+                </a:bodyPr>
+                <a:lstStyle/>
+                <a:p>
+                  <a:pPr/>
+                  <a14:m>
+                    <m:oMathPara xmlns:m="http://schemas.openxmlformats.org/officeDocument/2006/math">
+                      <m:oMathParaPr>
+                        <m:jc m:val="centerGroup"/>
+                      </m:oMathParaPr>
+                      <m:oMath xmlns:m="http://schemas.openxmlformats.org/officeDocument/2006/math">
+                        <m:sSub>
+                          <m:sSubPr>
+                            <m:ctrlPr>
+                              <a:rPr kumimoji="1" lang="en-US" altLang="ja-JP" i="1">
+                                <a:latin typeface="Cambria Math" panose="02040503050406030204" pitchFamily="18" charset="0"/>
+                              </a:rPr>
+                            </m:ctrlPr>
+                          </m:sSubPr>
+                          <m:e>
+                            <m:r>
+                              <a:rPr kumimoji="1" lang="en-US" altLang="ja-JP" b="0" i="1">
+                                <a:latin typeface="Cambria Math" panose="02040503050406030204" pitchFamily="18" charset="0"/>
+                              </a:rPr>
+                              <m:t>𝑦</m:t>
+                            </m:r>
+                          </m:e>
+                          <m:sub>
+                            <m:r>
+                              <a:rPr kumimoji="1" lang="en-US" altLang="ja-JP" b="0" i="1">
+                                <a:latin typeface="Cambria Math" panose="02040503050406030204" pitchFamily="18" charset="0"/>
+                              </a:rPr>
+                              <m:t>𝑖</m:t>
+                            </m:r>
+                          </m:sub>
+                        </m:sSub>
+                      </m:oMath>
+                    </m:oMathPara>
+                  </a14:m>
+                  <a:endParaRPr kumimoji="1" lang="ja-JP" altLang="en-US"/>
+                </a:p>
+              </p:txBody>
+            </p:sp>
+          </mc:Choice>
+          <mc:Fallback>
+            <p:sp>
+              <p:nvSpPr>
+                <p:cNvPr id="35" name="テキスト ボックス 34">
+                  <a:extLst>
+                    <a:ext uri="{FF2B5EF4-FFF2-40B4-BE49-F238E27FC236}">
+                      <a16:creationId xmlns:a16="http://schemas.microsoft.com/office/drawing/2014/main" id="{12137DB7-CB9F-9D4D-950E-B3B1151B1B35}"/>
+                    </a:ext>
+                  </a:extLst>
+                </p:cNvPr>
+                <p:cNvSpPr txBox="1">
+                  <a:spLocks noRot="1" noChangeAspect="1" noMove="1" noResize="1" noEditPoints="1" noAdjustHandles="1" noChangeArrowheads="1" noChangeShapeType="1" noTextEdit="1"/>
+                </p:cNvSpPr>
+                <p:nvPr/>
+              </p:nvSpPr>
+              <p:spPr>
+                <a:xfrm>
+                  <a:off x="656132" y="1889709"/>
+                  <a:ext cx="250390" cy="276999"/>
+                </a:xfrm>
+                <a:prstGeom prst="rect">
+                  <a:avLst/>
+                </a:prstGeom>
+                <a:blipFill>
+                  <a:blip r:embed="rId3"/>
+                  <a:stretch>
+                    <a:fillRect l="-24390" r="-9756" b="-26667"/>
+                  </a:stretch>
+                </a:blipFill>
+              </p:spPr>
+              <p:txBody>
+                <a:bodyPr/>
+                <a:lstStyle/>
+                <a:p>
+                  <a:r>
+                    <a:rPr lang="ja-JP" altLang="en-US">
+                      <a:noFill/>
+                    </a:rPr>
+                    <a:t> </a:t>
+                  </a:r>
+                </a:p>
+              </p:txBody>
+            </p:sp>
+          </mc:Fallback>
+        </mc:AlternateContent>
+        <p:sp>
+          <p:nvSpPr>
+            <p:cNvPr id="36" name="フリーフォーム 35"/>
+            <p:cNvSpPr/>
+            <p:nvPr/>
+          </p:nvSpPr>
+          <p:spPr>
+            <a:xfrm>
+              <a:off x="945229" y="1603848"/>
+              <a:ext cx="2299855" cy="1828800"/>
+            </a:xfrm>
+            <a:custGeom>
+              <a:avLst/>
+              <a:gdLst>
+                <a:gd name="connsiteX0" fmla="*/ 0 w 2299855"/>
+                <a:gd name="connsiteY0" fmla="*/ 1828800 h 1828800"/>
+                <a:gd name="connsiteX1" fmla="*/ 1671782 w 2299855"/>
+                <a:gd name="connsiteY1" fmla="*/ 1071418 h 1828800"/>
+                <a:gd name="connsiteX2" fmla="*/ 2299855 w 2299855"/>
+                <a:gd name="connsiteY2" fmla="*/ 0 h 1828800"/>
+              </a:gdLst>
+              <a:ahLst/>
+              <a:cxnLst>
+                <a:cxn ang="0">
+                  <a:pos x="connsiteX0" y="connsiteY0"/>
+                </a:cxn>
+                <a:cxn ang="0">
+                  <a:pos x="connsiteX1" y="connsiteY1"/>
+                </a:cxn>
+                <a:cxn ang="0">
+                  <a:pos x="connsiteX2" y="connsiteY2"/>
+                </a:cxn>
+              </a:cxnLst>
+              <a:rect l="l" t="t" r="r" b="b"/>
+              <a:pathLst>
+                <a:path w="2299855" h="1828800">
+                  <a:moveTo>
+                    <a:pt x="0" y="1828800"/>
+                  </a:moveTo>
+                  <a:cubicBezTo>
+                    <a:pt x="644236" y="1602509"/>
+                    <a:pt x="1288473" y="1376218"/>
+                    <a:pt x="1671782" y="1071418"/>
+                  </a:cubicBezTo>
+                  <a:cubicBezTo>
+                    <a:pt x="2055091" y="766618"/>
+                    <a:pt x="2177473" y="383309"/>
+                    <a:pt x="2299855" y="0"/>
+                  </a:cubicBezTo>
+                </a:path>
+              </a:pathLst>
+            </a:custGeom>
+            <a:noFill/>
+            <a:ln>
+              <a:solidFill>
+                <a:schemeClr val="tx1"/>
+              </a:solidFill>
+            </a:ln>
+          </p:spPr>
+          <p:style>
+            <a:lnRef idx="2">
+              <a:schemeClr val="accent1">
+                <a:shade val="50000"/>
+              </a:schemeClr>
+            </a:lnRef>
+            <a:fillRef idx="1">
+              <a:schemeClr val="accent1"/>
+            </a:fillRef>
+            <a:effectRef idx="0">
+              <a:schemeClr val="accent1"/>
+            </a:effectRef>
+            <a:fontRef idx="minor">
+              <a:schemeClr val="lt1"/>
+            </a:fontRef>
+          </p:style>
+          <p:txBody>
+            <a:bodyPr rtlCol="0" anchor="ctr"/>
+            <a:lstStyle/>
+            <a:p>
+              <a:pPr algn="ctr"/>
+              <a:endParaRPr kumimoji="1" lang="ja-JP" altLang="en-US"/>
+            </a:p>
+          </p:txBody>
+        </p:sp>
+        <p:sp>
+          <p:nvSpPr>
+            <p:cNvPr id="37" name="円/楕円 9">
+              <a:extLst>
+                <a:ext uri="{FF2B5EF4-FFF2-40B4-BE49-F238E27FC236}">
+                  <a16:creationId xmlns:a16="http://schemas.microsoft.com/office/drawing/2014/main" id="{A133D6B3-6B13-0F4A-BC5D-5472FC77195D}"/>
+                </a:ext>
+              </a:extLst>
+            </p:cNvPr>
+            <p:cNvSpPr/>
+            <p:nvPr/>
+          </p:nvSpPr>
+          <p:spPr>
+            <a:xfrm>
+              <a:off x="2404123" y="2704795"/>
+              <a:ext cx="132080" cy="132080"/>
+            </a:xfrm>
+            <a:prstGeom prst="ellipse">
+              <a:avLst/>
+            </a:prstGeom>
+            <a:solidFill>
+              <a:srgbClr val="FF0000"/>
+            </a:solidFill>
+            <a:ln>
+              <a:solidFill>
+                <a:schemeClr val="tx1"/>
+              </a:solidFill>
+            </a:ln>
+          </p:spPr>
+          <p:style>
+            <a:lnRef idx="2">
+              <a:schemeClr val="accent1">
+                <a:shade val="50000"/>
+              </a:schemeClr>
+            </a:lnRef>
+            <a:fillRef idx="1">
+              <a:schemeClr val="accent1"/>
+            </a:fillRef>
+            <a:effectRef idx="0">
+              <a:schemeClr val="accent1"/>
+            </a:effectRef>
+            <a:fontRef idx="minor">
+              <a:schemeClr val="lt1"/>
+            </a:fontRef>
+          </p:style>
+          <p:txBody>
+            <a:bodyPr rtlCol="0" anchor="ctr"/>
+            <a:lstStyle/>
+            <a:p>
+              <a:pPr algn="ctr"/>
+              <a:endParaRPr kumimoji="1" lang="ja-JP" altLang="en-US"/>
+            </a:p>
+          </p:txBody>
+        </p:sp>
+        <p:sp>
+          <p:nvSpPr>
+            <p:cNvPr id="38" name="円/楕円 9">
+              <a:extLst>
+                <a:ext uri="{FF2B5EF4-FFF2-40B4-BE49-F238E27FC236}">
+                  <a16:creationId xmlns:a16="http://schemas.microsoft.com/office/drawing/2014/main" id="{A133D6B3-6B13-0F4A-BC5D-5472FC77195D}"/>
+                </a:ext>
+              </a:extLst>
+            </p:cNvPr>
+            <p:cNvSpPr/>
+            <p:nvPr/>
+          </p:nvSpPr>
+          <p:spPr>
+            <a:xfrm>
+              <a:off x="2978163" y="2082749"/>
+              <a:ext cx="132080" cy="132080"/>
+            </a:xfrm>
+            <a:prstGeom prst="ellipse">
+              <a:avLst/>
+            </a:prstGeom>
+            <a:solidFill>
+              <a:srgbClr val="FF0000"/>
+            </a:solidFill>
+            <a:ln>
+              <a:solidFill>
+                <a:schemeClr val="tx1"/>
+              </a:solidFill>
+            </a:ln>
+          </p:spPr>
+          <p:style>
+            <a:lnRef idx="2">
+              <a:schemeClr val="accent1">
+                <a:shade val="50000"/>
+              </a:schemeClr>
+            </a:lnRef>
+            <a:fillRef idx="1">
+              <a:schemeClr val="accent1"/>
+            </a:fillRef>
+            <a:effectRef idx="0">
+              <a:schemeClr val="accent1"/>
+            </a:effectRef>
+            <a:fontRef idx="minor">
+              <a:schemeClr val="lt1"/>
+            </a:fontRef>
+          </p:style>
+          <p:txBody>
+            <a:bodyPr rtlCol="0" anchor="ctr"/>
+            <a:lstStyle/>
+            <a:p>
+              <a:pPr algn="ctr"/>
+              <a:endParaRPr kumimoji="1" lang="ja-JP" altLang="en-US"/>
+            </a:p>
+          </p:txBody>
+        </p:sp>
+        <p:sp>
+          <p:nvSpPr>
+            <p:cNvPr id="39" name="円/楕円 9">
+              <a:extLst>
+                <a:ext uri="{FF2B5EF4-FFF2-40B4-BE49-F238E27FC236}">
+                  <a16:creationId xmlns:a16="http://schemas.microsoft.com/office/drawing/2014/main" id="{A133D6B3-6B13-0F4A-BC5D-5472FC77195D}"/>
+                </a:ext>
+              </a:extLst>
+            </p:cNvPr>
+            <p:cNvSpPr/>
+            <p:nvPr/>
+          </p:nvSpPr>
+          <p:spPr>
+            <a:xfrm>
+              <a:off x="1899808" y="2995300"/>
+              <a:ext cx="132080" cy="132080"/>
+            </a:xfrm>
+            <a:prstGeom prst="ellipse">
+              <a:avLst/>
+            </a:prstGeom>
+            <a:solidFill>
+              <a:srgbClr val="FF0000"/>
+            </a:solidFill>
+            <a:ln>
+              <a:solidFill>
+                <a:schemeClr val="tx1"/>
+              </a:solidFill>
+            </a:ln>
+          </p:spPr>
+          <p:style>
+            <a:lnRef idx="2">
+              <a:schemeClr val="accent1">
+                <a:shade val="50000"/>
+              </a:schemeClr>
+            </a:lnRef>
+            <a:fillRef idx="1">
+              <a:schemeClr val="accent1"/>
+            </a:fillRef>
+            <a:effectRef idx="0">
+              <a:schemeClr val="accent1"/>
+            </a:effectRef>
+            <a:fontRef idx="minor">
+              <a:schemeClr val="lt1"/>
+            </a:fontRef>
+          </p:style>
+          <p:txBody>
+            <a:bodyPr rtlCol="0" anchor="ctr"/>
+            <a:lstStyle/>
+            <a:p>
+              <a:pPr algn="ctr"/>
+              <a:endParaRPr kumimoji="1" lang="ja-JP" altLang="en-US"/>
+            </a:p>
+          </p:txBody>
+        </p:sp>
+        <p:sp>
+          <p:nvSpPr>
+            <p:cNvPr id="59" name="テキスト ボックス 58">
+              <a:extLst>
+                <a:ext uri="{FF2B5EF4-FFF2-40B4-BE49-F238E27FC236}">
+                  <a16:creationId xmlns:a16="http://schemas.microsoft.com/office/drawing/2014/main" id="{29AD7F97-A469-8A4A-97B4-F94776B920C6}"/>
+                </a:ext>
+              </a:extLst>
+            </p:cNvPr>
+            <p:cNvSpPr txBox="1"/>
+            <p:nvPr/>
+          </p:nvSpPr>
+          <p:spPr>
+            <a:xfrm>
+              <a:off x="627606" y="631377"/>
+              <a:ext cx="646331" cy="369332"/>
+            </a:xfrm>
+            <a:prstGeom prst="rect">
+              <a:avLst/>
+            </a:prstGeom>
+            <a:noFill/>
+          </p:spPr>
+          <p:txBody>
+            <a:bodyPr wrap="none" rtlCol="0">
+              <a:spAutoFit/>
+            </a:bodyPr>
+            <a:lstStyle/>
+            <a:p>
+              <a:r>
+                <a:rPr lang="ja-JP" altLang="en-US" dirty="0"/>
+                <a:t>出力</a:t>
+              </a:r>
+              <a:endParaRPr kumimoji="1" lang="ja-JP" altLang="en-US" dirty="0"/>
+            </a:p>
+          </p:txBody>
+        </p:sp>
+        <p:sp>
+          <p:nvSpPr>
+            <p:cNvPr id="60" name="テキスト ボックス 59">
+              <a:extLst>
+                <a:ext uri="{FF2B5EF4-FFF2-40B4-BE49-F238E27FC236}">
+                  <a16:creationId xmlns:a16="http://schemas.microsoft.com/office/drawing/2014/main" id="{29AD7F97-A469-8A4A-97B4-F94776B920C6}"/>
+                </a:ext>
+              </a:extLst>
+            </p:cNvPr>
+            <p:cNvSpPr txBox="1"/>
+            <p:nvPr/>
+          </p:nvSpPr>
+          <p:spPr>
+            <a:xfrm>
+              <a:off x="3946974" y="3212407"/>
+              <a:ext cx="685092" cy="377890"/>
+            </a:xfrm>
+            <a:prstGeom prst="rect">
+              <a:avLst/>
+            </a:prstGeom>
+            <a:noFill/>
+          </p:spPr>
+          <p:txBody>
+            <a:bodyPr wrap="square" rtlCol="0">
+              <a:spAutoFit/>
+            </a:bodyPr>
+            <a:lstStyle/>
+            <a:p>
+              <a:r>
+                <a:rPr lang="ja-JP" altLang="en-US" dirty="0"/>
+                <a:t>入力</a:t>
+              </a:r>
+              <a:endParaRPr kumimoji="1" lang="ja-JP" altLang="en-US" dirty="0"/>
+            </a:p>
+          </p:txBody>
+        </p:sp>
+      </p:grpSp>
+      <p:grpSp>
+        <p:nvGrpSpPr>
+          <p:cNvPr id="63" name="グループ化 62"/>
+          <p:cNvGrpSpPr/>
+          <p:nvPr/>
+        </p:nvGrpSpPr>
+        <p:grpSpPr>
+          <a:xfrm>
+            <a:off x="5023199" y="1175949"/>
+            <a:ext cx="3935157" cy="3217704"/>
+            <a:chOff x="4947930" y="630040"/>
+            <a:chExt cx="3935157" cy="3217704"/>
+          </a:xfrm>
+        </p:grpSpPr>
+        <p:cxnSp>
+          <p:nvCxnSpPr>
+            <p:cNvPr id="19" name="直線矢印コネクタ 18">
+              <a:extLst>
+                <a:ext uri="{FF2B5EF4-FFF2-40B4-BE49-F238E27FC236}">
+                  <a16:creationId xmlns:a16="http://schemas.microsoft.com/office/drawing/2014/main" id="{B3A1E29A-A926-7B4E-AF73-E7542E1E8F7E}"/>
+                </a:ext>
+              </a:extLst>
+            </p:cNvPr>
+            <p:cNvCxnSpPr/>
+            <p:nvPr/>
+          </p:nvCxnSpPr>
+          <p:spPr>
+            <a:xfrm flipV="1">
+              <a:off x="5293370" y="999372"/>
+              <a:ext cx="0" cy="2783840"/>
+            </a:xfrm>
+            <a:prstGeom prst="straightConnector1">
+              <a:avLst/>
+            </a:prstGeom>
+            <a:ln w="12700">
+              <a:solidFill>
+                <a:schemeClr val="tx1"/>
+              </a:solidFill>
+              <a:tailEnd type="triangle"/>
+            </a:ln>
+          </p:spPr>
+          <p:style>
+            <a:lnRef idx="1">
+              <a:schemeClr val="accent1"/>
+            </a:lnRef>
+            <a:fillRef idx="0">
+              <a:schemeClr val="accent1"/>
+            </a:fillRef>
+            <a:effectRef idx="0">
+              <a:schemeClr val="accent1"/>
+            </a:effectRef>
+            <a:fontRef idx="minor">
+              <a:schemeClr val="tx1"/>
+            </a:fontRef>
+          </p:style>
+        </p:cxnSp>
+        <p:cxnSp>
+          <p:nvCxnSpPr>
+            <p:cNvPr id="20" name="直線矢印コネクタ 19">
+              <a:extLst>
+                <a:ext uri="{FF2B5EF4-FFF2-40B4-BE49-F238E27FC236}">
+                  <a16:creationId xmlns:a16="http://schemas.microsoft.com/office/drawing/2014/main" id="{C5A935D9-8808-D24E-8CFC-3E5EF3BDA839}"/>
+                </a:ext>
+              </a:extLst>
+            </p:cNvPr>
+            <p:cNvCxnSpPr>
+              <a:cxnSpLocks/>
+            </p:cNvCxnSpPr>
+            <p:nvPr/>
+          </p:nvCxnSpPr>
+          <p:spPr>
+            <a:xfrm>
+              <a:off x="4958090" y="3427612"/>
+              <a:ext cx="3322320" cy="0"/>
+            </a:xfrm>
+            <a:prstGeom prst="straightConnector1">
+              <a:avLst/>
+            </a:prstGeom>
+            <a:ln w="12700">
+              <a:solidFill>
+                <a:schemeClr val="tx1"/>
+              </a:solidFill>
+              <a:tailEnd type="triangle"/>
+            </a:ln>
+          </p:spPr>
+          <p:style>
+            <a:lnRef idx="1">
+              <a:schemeClr val="accent1"/>
+            </a:lnRef>
+            <a:fillRef idx="0">
+              <a:schemeClr val="accent1"/>
+            </a:fillRef>
+            <a:effectRef idx="0">
+              <a:schemeClr val="accent1"/>
+            </a:effectRef>
+            <a:fontRef idx="minor">
+              <a:schemeClr val="tx1"/>
+            </a:fontRef>
+          </p:style>
+        </p:cxnSp>
+        <p:sp>
+          <p:nvSpPr>
+            <p:cNvPr id="21" name="テキスト ボックス 20">
+              <a:extLst>
+                <a:ext uri="{FF2B5EF4-FFF2-40B4-BE49-F238E27FC236}">
+                  <a16:creationId xmlns:a16="http://schemas.microsoft.com/office/drawing/2014/main" id="{4B316541-64CB-DB48-9C63-DED12F774356}"/>
+                </a:ext>
+              </a:extLst>
+            </p:cNvPr>
+            <p:cNvSpPr txBox="1"/>
+            <p:nvPr/>
+          </p:nvSpPr>
+          <p:spPr>
+            <a:xfrm>
+              <a:off x="4947930" y="3478412"/>
+              <a:ext cx="301686" cy="369332"/>
+            </a:xfrm>
+            <a:prstGeom prst="rect">
+              <a:avLst/>
+            </a:prstGeom>
+            <a:noFill/>
+          </p:spPr>
+          <p:txBody>
+            <a:bodyPr wrap="none" rtlCol="0">
+              <a:spAutoFit/>
+            </a:bodyPr>
+            <a:lstStyle/>
+            <a:p>
+              <a:r>
+                <a:rPr kumimoji="1" lang="en-US" altLang="ja-JP"/>
+                <a:t>0</a:t>
+              </a:r>
+              <a:endParaRPr kumimoji="1" lang="ja-JP" altLang="en-US"/>
+            </a:p>
+          </p:txBody>
+        </p:sp>
+        <p:sp>
+          <p:nvSpPr>
+            <p:cNvPr id="22" name="テキスト ボックス 21">
+              <a:extLst>
+                <a:ext uri="{FF2B5EF4-FFF2-40B4-BE49-F238E27FC236}">
+                  <a16:creationId xmlns:a16="http://schemas.microsoft.com/office/drawing/2014/main" id="{29AD7F97-A469-8A4A-97B4-F94776B920C6}"/>
+                </a:ext>
+              </a:extLst>
+            </p:cNvPr>
+            <p:cNvSpPr txBox="1"/>
+            <p:nvPr/>
+          </p:nvSpPr>
+          <p:spPr>
+            <a:xfrm>
+              <a:off x="4970204" y="630040"/>
+              <a:ext cx="646331" cy="369332"/>
+            </a:xfrm>
+            <a:prstGeom prst="rect">
+              <a:avLst/>
+            </a:prstGeom>
+            <a:noFill/>
+          </p:spPr>
+          <p:txBody>
+            <a:bodyPr wrap="none" rtlCol="0">
+              <a:spAutoFit/>
+            </a:bodyPr>
+            <a:lstStyle/>
+            <a:p>
+              <a:r>
+                <a:rPr lang="ja-JP" altLang="en-US" dirty="0"/>
+                <a:t>出力</a:t>
+              </a:r>
+              <a:endParaRPr kumimoji="1" lang="ja-JP" altLang="en-US" dirty="0"/>
+            </a:p>
+          </p:txBody>
+        </p:sp>
+        <mc:AlternateContent xmlns:mc="http://schemas.openxmlformats.org/markup-compatibility/2006">
+          <mc:Choice xmlns:a14="http://schemas.microsoft.com/office/drawing/2010/main" Requires="a14">
+            <p:sp>
+              <p:nvSpPr>
+                <p:cNvPr id="23" name="テキスト ボックス 22">
+                  <a:extLst>
+                    <a:ext uri="{FF2B5EF4-FFF2-40B4-BE49-F238E27FC236}">
+                      <a16:creationId xmlns:a16="http://schemas.microsoft.com/office/drawing/2014/main" id="{7F777ACB-A0BA-4C4A-9430-AAF5C2BBC0EC}"/>
+                    </a:ext>
+                  </a:extLst>
+                </p:cNvPr>
+                <p:cNvSpPr txBox="1"/>
+                <p:nvPr/>
+              </p:nvSpPr>
+              <p:spPr>
+                <a:xfrm>
+                  <a:off x="6918970" y="3483492"/>
+                  <a:ext cx="248722" cy="276999"/>
+                </a:xfrm>
+                <a:prstGeom prst="rect">
+                  <a:avLst/>
+                </a:prstGeom>
+                <a:noFill/>
+              </p:spPr>
+              <p:txBody>
+                <a:bodyPr wrap="none" lIns="0" tIns="0" rIns="0" bIns="0" rtlCol="0">
+                  <a:spAutoFit/>
+                </a:bodyPr>
+                <a:lstStyle/>
+                <a:p>
+                  <a:pPr/>
+                  <a14:m>
+                    <m:oMathPara xmlns:m="http://schemas.openxmlformats.org/officeDocument/2006/math">
+                      <m:oMathParaPr>
+                        <m:jc m:val="centerGroup"/>
+                      </m:oMathParaPr>
+                      <m:oMath xmlns:m="http://schemas.openxmlformats.org/officeDocument/2006/math">
+                        <m:sSub>
+                          <m:sSubPr>
+                            <m:ctrlPr>
+                              <a:rPr kumimoji="1" lang="en-US" altLang="ja-JP" i="1">
+                                <a:latin typeface="Cambria Math" panose="02040503050406030204" pitchFamily="18" charset="0"/>
+                              </a:rPr>
+                            </m:ctrlPr>
+                          </m:sSubPr>
+                          <m:e>
+                            <m:r>
+                              <a:rPr kumimoji="1" lang="en-US" altLang="ja-JP" b="0" i="1">
+                                <a:latin typeface="Cambria Math" panose="02040503050406030204" pitchFamily="18" charset="0"/>
+                              </a:rPr>
+                              <m:t>𝑥</m:t>
+                            </m:r>
+                          </m:e>
+                          <m:sub>
+                            <m:r>
+                              <a:rPr kumimoji="1" lang="en-US" altLang="ja-JP" b="0" i="1">
+                                <a:latin typeface="Cambria Math" panose="02040503050406030204" pitchFamily="18" charset="0"/>
+                              </a:rPr>
+                              <m:t>𝑖</m:t>
+                            </m:r>
+                          </m:sub>
+                        </m:sSub>
+                      </m:oMath>
+                    </m:oMathPara>
+                  </a14:m>
+                  <a:endParaRPr kumimoji="1" lang="ja-JP" altLang="en-US"/>
+                </a:p>
+              </p:txBody>
+            </p:sp>
+          </mc:Choice>
+          <mc:Fallback>
+            <p:sp>
+              <p:nvSpPr>
+                <p:cNvPr id="23" name="テキスト ボックス 22">
+                  <a:extLst>
+                    <a:ext uri="{FF2B5EF4-FFF2-40B4-BE49-F238E27FC236}">
+                      <a16:creationId xmlns:a16="http://schemas.microsoft.com/office/drawing/2014/main" id="{7F777ACB-A0BA-4C4A-9430-AAF5C2BBC0EC}"/>
+                    </a:ext>
+                  </a:extLst>
+                </p:cNvPr>
+                <p:cNvSpPr txBox="1">
+                  <a:spLocks noRot="1" noChangeAspect="1" noMove="1" noResize="1" noEditPoints="1" noAdjustHandles="1" noChangeArrowheads="1" noChangeShapeType="1" noTextEdit="1"/>
+                </p:cNvSpPr>
+                <p:nvPr/>
+              </p:nvSpPr>
+              <p:spPr>
+                <a:xfrm>
+                  <a:off x="6918970" y="3483492"/>
+                  <a:ext cx="248722" cy="276999"/>
+                </a:xfrm>
+                <a:prstGeom prst="rect">
+                  <a:avLst/>
+                </a:prstGeom>
+                <a:blipFill>
+                  <a:blip r:embed="rId4"/>
+                  <a:stretch>
+                    <a:fillRect l="-14634" r="-9756" b="-17778"/>
+                  </a:stretch>
+                </a:blipFill>
+              </p:spPr>
+              <p:txBody>
+                <a:bodyPr/>
+                <a:lstStyle/>
+                <a:p>
+                  <a:r>
+                    <a:rPr lang="ja-JP" altLang="en-US">
+                      <a:noFill/>
+                    </a:rPr>
+                    <a:t> </a:t>
+                  </a:r>
+                </a:p>
+              </p:txBody>
+            </p:sp>
+          </mc:Fallback>
+        </mc:AlternateContent>
+        <mc:AlternateContent xmlns:mc="http://schemas.openxmlformats.org/markup-compatibility/2006">
+          <mc:Choice xmlns:a14="http://schemas.microsoft.com/office/drawing/2010/main" Requires="a14">
+            <p:sp>
+              <p:nvSpPr>
+                <p:cNvPr id="24" name="テキスト ボックス 23">
+                  <a:extLst>
+                    <a:ext uri="{FF2B5EF4-FFF2-40B4-BE49-F238E27FC236}">
+                      <a16:creationId xmlns:a16="http://schemas.microsoft.com/office/drawing/2014/main" id="{12137DB7-CB9F-9D4D-950E-B3B1151B1B35}"/>
+                    </a:ext>
+                  </a:extLst>
+                </p:cNvPr>
+                <p:cNvSpPr txBox="1"/>
+                <p:nvPr/>
+              </p:nvSpPr>
+              <p:spPr>
+                <a:xfrm>
+                  <a:off x="4998730" y="1888372"/>
+                  <a:ext cx="250390" cy="276999"/>
+                </a:xfrm>
+                <a:prstGeom prst="rect">
+                  <a:avLst/>
+                </a:prstGeom>
+                <a:noFill/>
+              </p:spPr>
+              <p:txBody>
+                <a:bodyPr wrap="none" lIns="0" tIns="0" rIns="0" bIns="0" rtlCol="0">
+                  <a:spAutoFit/>
+                </a:bodyPr>
+                <a:lstStyle/>
+                <a:p>
+                  <a:pPr/>
+                  <a14:m>
+                    <m:oMathPara xmlns:m="http://schemas.openxmlformats.org/officeDocument/2006/math">
+                      <m:oMathParaPr>
+                        <m:jc m:val="centerGroup"/>
+                      </m:oMathParaPr>
+                      <m:oMath xmlns:m="http://schemas.openxmlformats.org/officeDocument/2006/math">
+                        <m:sSub>
+                          <m:sSubPr>
+                            <m:ctrlPr>
+                              <a:rPr kumimoji="1" lang="en-US" altLang="ja-JP" i="1">
+                                <a:latin typeface="Cambria Math" panose="02040503050406030204" pitchFamily="18" charset="0"/>
+                              </a:rPr>
+                            </m:ctrlPr>
+                          </m:sSubPr>
+                          <m:e>
+                            <m:r>
+                              <a:rPr kumimoji="1" lang="en-US" altLang="ja-JP" b="0" i="1">
+                                <a:latin typeface="Cambria Math" panose="02040503050406030204" pitchFamily="18" charset="0"/>
+                              </a:rPr>
+                              <m:t>𝑦</m:t>
+                            </m:r>
+                          </m:e>
+                          <m:sub>
+                            <m:r>
+                              <a:rPr kumimoji="1" lang="en-US" altLang="ja-JP" b="0" i="1">
+                                <a:latin typeface="Cambria Math" panose="02040503050406030204" pitchFamily="18" charset="0"/>
+                              </a:rPr>
+                              <m:t>𝑖</m:t>
+                            </m:r>
+                          </m:sub>
+                        </m:sSub>
+                      </m:oMath>
+                    </m:oMathPara>
+                  </a14:m>
+                  <a:endParaRPr kumimoji="1" lang="ja-JP" altLang="en-US"/>
+                </a:p>
+              </p:txBody>
+            </p:sp>
+          </mc:Choice>
+          <mc:Fallback>
+            <p:sp>
+              <p:nvSpPr>
+                <p:cNvPr id="24" name="テキスト ボックス 23">
+                  <a:extLst>
+                    <a:ext uri="{FF2B5EF4-FFF2-40B4-BE49-F238E27FC236}">
+                      <a16:creationId xmlns:a16="http://schemas.microsoft.com/office/drawing/2014/main" id="{12137DB7-CB9F-9D4D-950E-B3B1151B1B35}"/>
+                    </a:ext>
+                  </a:extLst>
+                </p:cNvPr>
+                <p:cNvSpPr txBox="1">
+                  <a:spLocks noRot="1" noChangeAspect="1" noMove="1" noResize="1" noEditPoints="1" noAdjustHandles="1" noChangeArrowheads="1" noChangeShapeType="1" noTextEdit="1"/>
+                </p:cNvSpPr>
+                <p:nvPr/>
+              </p:nvSpPr>
+              <p:spPr>
+                <a:xfrm>
+                  <a:off x="4998730" y="1888372"/>
+                  <a:ext cx="250390" cy="276999"/>
+                </a:xfrm>
+                <a:prstGeom prst="rect">
+                  <a:avLst/>
+                </a:prstGeom>
+                <a:blipFill>
+                  <a:blip r:embed="rId5"/>
+                  <a:stretch>
+                    <a:fillRect l="-24390" r="-9756" b="-23913"/>
+                  </a:stretch>
+                </a:blipFill>
+              </p:spPr>
+              <p:txBody>
+                <a:bodyPr/>
+                <a:lstStyle/>
+                <a:p>
+                  <a:r>
+                    <a:rPr lang="ja-JP" altLang="en-US">
+                      <a:noFill/>
+                    </a:rPr>
+                    <a:t> </a:t>
+                  </a:r>
+                </a:p>
+              </p:txBody>
+            </p:sp>
+          </mc:Fallback>
+        </mc:AlternateContent>
+        <p:sp>
+          <p:nvSpPr>
+            <p:cNvPr id="25" name="フリーフォーム 24"/>
+            <p:cNvSpPr/>
+            <p:nvPr/>
+          </p:nvSpPr>
+          <p:spPr>
+            <a:xfrm>
+              <a:off x="5287827" y="1602511"/>
+              <a:ext cx="2299855" cy="1828800"/>
+            </a:xfrm>
+            <a:custGeom>
+              <a:avLst/>
+              <a:gdLst>
+                <a:gd name="connsiteX0" fmla="*/ 0 w 2299855"/>
+                <a:gd name="connsiteY0" fmla="*/ 1828800 h 1828800"/>
+                <a:gd name="connsiteX1" fmla="*/ 1671782 w 2299855"/>
+                <a:gd name="connsiteY1" fmla="*/ 1071418 h 1828800"/>
+                <a:gd name="connsiteX2" fmla="*/ 2299855 w 2299855"/>
+                <a:gd name="connsiteY2" fmla="*/ 0 h 1828800"/>
+              </a:gdLst>
+              <a:ahLst/>
+              <a:cxnLst>
+                <a:cxn ang="0">
+                  <a:pos x="connsiteX0" y="connsiteY0"/>
+                </a:cxn>
+                <a:cxn ang="0">
+                  <a:pos x="connsiteX1" y="connsiteY1"/>
+                </a:cxn>
+                <a:cxn ang="0">
+                  <a:pos x="connsiteX2" y="connsiteY2"/>
+                </a:cxn>
+              </a:cxnLst>
+              <a:rect l="l" t="t" r="r" b="b"/>
+              <a:pathLst>
+                <a:path w="2299855" h="1828800">
+                  <a:moveTo>
+                    <a:pt x="0" y="1828800"/>
+                  </a:moveTo>
+                  <a:cubicBezTo>
+                    <a:pt x="644236" y="1602509"/>
+                    <a:pt x="1288473" y="1376218"/>
+                    <a:pt x="1671782" y="1071418"/>
+                  </a:cubicBezTo>
+                  <a:cubicBezTo>
+                    <a:pt x="2055091" y="766618"/>
+                    <a:pt x="2177473" y="383309"/>
+                    <a:pt x="2299855" y="0"/>
+                  </a:cubicBezTo>
+                </a:path>
+              </a:pathLst>
+            </a:custGeom>
+            <a:noFill/>
+            <a:ln>
+              <a:solidFill>
+                <a:schemeClr val="tx1"/>
+              </a:solidFill>
+            </a:ln>
+          </p:spPr>
+          <p:style>
+            <a:lnRef idx="2">
+              <a:schemeClr val="accent1">
+                <a:shade val="50000"/>
+              </a:schemeClr>
+            </a:lnRef>
+            <a:fillRef idx="1">
+              <a:schemeClr val="accent1"/>
+            </a:fillRef>
+            <a:effectRef idx="0">
+              <a:schemeClr val="accent1"/>
+            </a:effectRef>
+            <a:fontRef idx="minor">
+              <a:schemeClr val="lt1"/>
+            </a:fontRef>
+          </p:style>
+          <p:txBody>
+            <a:bodyPr rtlCol="0" anchor="ctr"/>
+            <a:lstStyle/>
+            <a:p>
+              <a:pPr algn="ctr"/>
+              <a:endParaRPr kumimoji="1" lang="ja-JP" altLang="en-US"/>
+            </a:p>
+          </p:txBody>
+        </p:sp>
+        <p:sp>
+          <p:nvSpPr>
+            <p:cNvPr id="26" name="円/楕円 9">
+              <a:extLst>
+                <a:ext uri="{FF2B5EF4-FFF2-40B4-BE49-F238E27FC236}">
+                  <a16:creationId xmlns:a16="http://schemas.microsoft.com/office/drawing/2014/main" id="{A133D6B3-6B13-0F4A-BC5D-5472FC77195D}"/>
+                </a:ext>
+              </a:extLst>
+            </p:cNvPr>
+            <p:cNvSpPr/>
+            <p:nvPr/>
+          </p:nvSpPr>
+          <p:spPr>
+            <a:xfrm>
+              <a:off x="6746721" y="2703458"/>
+              <a:ext cx="132080" cy="132080"/>
+            </a:xfrm>
+            <a:prstGeom prst="ellipse">
+              <a:avLst/>
+            </a:prstGeom>
+            <a:solidFill>
+              <a:srgbClr val="FF0000"/>
+            </a:solidFill>
+            <a:ln>
+              <a:solidFill>
+                <a:schemeClr val="tx1"/>
+              </a:solidFill>
+            </a:ln>
+          </p:spPr>
+          <p:style>
+            <a:lnRef idx="2">
+              <a:schemeClr val="accent1">
+                <a:shade val="50000"/>
+              </a:schemeClr>
+            </a:lnRef>
+            <a:fillRef idx="1">
+              <a:schemeClr val="accent1"/>
+            </a:fillRef>
+            <a:effectRef idx="0">
+              <a:schemeClr val="accent1"/>
+            </a:effectRef>
+            <a:fontRef idx="minor">
+              <a:schemeClr val="lt1"/>
+            </a:fontRef>
+          </p:style>
+          <p:txBody>
+            <a:bodyPr rtlCol="0" anchor="ctr"/>
+            <a:lstStyle/>
+            <a:p>
+              <a:pPr algn="ctr"/>
+              <a:endParaRPr kumimoji="1" lang="ja-JP" altLang="en-US"/>
+            </a:p>
+          </p:txBody>
+        </p:sp>
+        <p:sp>
+          <p:nvSpPr>
+            <p:cNvPr id="27" name="円/楕円 9">
+              <a:extLst>
+                <a:ext uri="{FF2B5EF4-FFF2-40B4-BE49-F238E27FC236}">
+                  <a16:creationId xmlns:a16="http://schemas.microsoft.com/office/drawing/2014/main" id="{A133D6B3-6B13-0F4A-BC5D-5472FC77195D}"/>
+                </a:ext>
+              </a:extLst>
+            </p:cNvPr>
+            <p:cNvSpPr/>
+            <p:nvPr/>
+          </p:nvSpPr>
+          <p:spPr>
+            <a:xfrm>
+              <a:off x="7320761" y="2081412"/>
+              <a:ext cx="132080" cy="132080"/>
+            </a:xfrm>
+            <a:prstGeom prst="ellipse">
+              <a:avLst/>
+            </a:prstGeom>
+            <a:solidFill>
+              <a:srgbClr val="FF0000"/>
+            </a:solidFill>
+            <a:ln>
+              <a:solidFill>
+                <a:schemeClr val="tx1"/>
+              </a:solidFill>
+            </a:ln>
+          </p:spPr>
+          <p:style>
+            <a:lnRef idx="2">
+              <a:schemeClr val="accent1">
+                <a:shade val="50000"/>
+              </a:schemeClr>
+            </a:lnRef>
+            <a:fillRef idx="1">
+              <a:schemeClr val="accent1"/>
+            </a:fillRef>
+            <a:effectRef idx="0">
+              <a:schemeClr val="accent1"/>
+            </a:effectRef>
+            <a:fontRef idx="minor">
+              <a:schemeClr val="lt1"/>
+            </a:fontRef>
+          </p:style>
+          <p:txBody>
+            <a:bodyPr rtlCol="0" anchor="ctr"/>
+            <a:lstStyle/>
+            <a:p>
+              <a:pPr algn="ctr"/>
+              <a:endParaRPr kumimoji="1" lang="ja-JP" altLang="en-US"/>
+            </a:p>
+          </p:txBody>
+        </p:sp>
+        <p:sp>
+          <p:nvSpPr>
+            <p:cNvPr id="28" name="円/楕円 9">
+              <a:extLst>
+                <a:ext uri="{FF2B5EF4-FFF2-40B4-BE49-F238E27FC236}">
+                  <a16:creationId xmlns:a16="http://schemas.microsoft.com/office/drawing/2014/main" id="{A133D6B3-6B13-0F4A-BC5D-5472FC77195D}"/>
+                </a:ext>
+              </a:extLst>
+            </p:cNvPr>
+            <p:cNvSpPr/>
+            <p:nvPr/>
+          </p:nvSpPr>
+          <p:spPr>
+            <a:xfrm>
+              <a:off x="6242406" y="2993963"/>
+              <a:ext cx="132080" cy="132080"/>
+            </a:xfrm>
+            <a:prstGeom prst="ellipse">
+              <a:avLst/>
+            </a:prstGeom>
+            <a:solidFill>
+              <a:srgbClr val="FF0000"/>
+            </a:solidFill>
+            <a:ln>
+              <a:solidFill>
+                <a:schemeClr val="tx1"/>
+              </a:solidFill>
+            </a:ln>
+          </p:spPr>
+          <p:style>
+            <a:lnRef idx="2">
+              <a:schemeClr val="accent1">
+                <a:shade val="50000"/>
+              </a:schemeClr>
+            </a:lnRef>
+            <a:fillRef idx="1">
+              <a:schemeClr val="accent1"/>
+            </a:fillRef>
+            <a:effectRef idx="0">
+              <a:schemeClr val="accent1"/>
+            </a:effectRef>
+            <a:fontRef idx="minor">
+              <a:schemeClr val="lt1"/>
+            </a:fontRef>
+          </p:style>
+          <p:txBody>
+            <a:bodyPr rtlCol="0" anchor="ctr"/>
+            <a:lstStyle/>
+            <a:p>
+              <a:pPr algn="ctr"/>
+              <a:endParaRPr kumimoji="1" lang="ja-JP" altLang="en-US"/>
+            </a:p>
+          </p:txBody>
+        </p:sp>
+        <p:sp>
+          <p:nvSpPr>
+            <p:cNvPr id="41" name="円/楕円 9">
+              <a:extLst>
+                <a:ext uri="{FF2B5EF4-FFF2-40B4-BE49-F238E27FC236}">
+                  <a16:creationId xmlns:a16="http://schemas.microsoft.com/office/drawing/2014/main" id="{A133D6B3-6B13-0F4A-BC5D-5472FC77195D}"/>
+                </a:ext>
+              </a:extLst>
+            </p:cNvPr>
+            <p:cNvSpPr/>
+            <p:nvPr/>
+          </p:nvSpPr>
+          <p:spPr>
+            <a:xfrm>
+              <a:off x="5745959" y="1938254"/>
+              <a:ext cx="132080" cy="132080"/>
+            </a:xfrm>
+            <a:prstGeom prst="ellipse">
+              <a:avLst/>
+            </a:prstGeom>
+            <a:solidFill>
+              <a:srgbClr val="0070C0"/>
+            </a:solidFill>
+            <a:ln>
+              <a:solidFill>
+                <a:schemeClr val="tx1"/>
+              </a:solidFill>
+            </a:ln>
+          </p:spPr>
+          <p:style>
+            <a:lnRef idx="2">
+              <a:schemeClr val="accent1">
+                <a:shade val="50000"/>
+              </a:schemeClr>
+            </a:lnRef>
+            <a:fillRef idx="1">
+              <a:schemeClr val="accent1"/>
+            </a:fillRef>
+            <a:effectRef idx="0">
+              <a:schemeClr val="accent1"/>
+            </a:effectRef>
+            <a:fontRef idx="minor">
+              <a:schemeClr val="lt1"/>
+            </a:fontRef>
+          </p:style>
+          <p:txBody>
+            <a:bodyPr rtlCol="0" anchor="ctr"/>
+            <a:lstStyle/>
+            <a:p>
+              <a:pPr algn="ctr"/>
+              <a:endParaRPr kumimoji="1" lang="ja-JP" altLang="en-US"/>
+            </a:p>
+          </p:txBody>
+        </p:sp>
+        <p:sp>
+          <p:nvSpPr>
+            <p:cNvPr id="42" name="円/楕円 9">
+              <a:extLst>
+                <a:ext uri="{FF2B5EF4-FFF2-40B4-BE49-F238E27FC236}">
+                  <a16:creationId xmlns:a16="http://schemas.microsoft.com/office/drawing/2014/main" id="{A133D6B3-6B13-0F4A-BC5D-5472FC77195D}"/>
+                </a:ext>
+              </a:extLst>
+            </p:cNvPr>
+            <p:cNvSpPr/>
+            <p:nvPr/>
+          </p:nvSpPr>
+          <p:spPr>
+            <a:xfrm>
+              <a:off x="6498726" y="3309851"/>
+              <a:ext cx="132080" cy="132080"/>
+            </a:xfrm>
+            <a:prstGeom prst="ellipse">
+              <a:avLst/>
+            </a:prstGeom>
+            <a:solidFill>
+              <a:srgbClr val="0070C0"/>
+            </a:solidFill>
+            <a:ln>
+              <a:solidFill>
+                <a:schemeClr val="tx1"/>
+              </a:solidFill>
+            </a:ln>
+          </p:spPr>
+          <p:style>
+            <a:lnRef idx="2">
+              <a:schemeClr val="accent1">
+                <a:shade val="50000"/>
+              </a:schemeClr>
+            </a:lnRef>
+            <a:fillRef idx="1">
+              <a:schemeClr val="accent1"/>
+            </a:fillRef>
+            <a:effectRef idx="0">
+              <a:schemeClr val="accent1"/>
+            </a:effectRef>
+            <a:fontRef idx="minor">
+              <a:schemeClr val="lt1"/>
+            </a:fontRef>
+          </p:style>
+          <p:txBody>
+            <a:bodyPr rtlCol="0" anchor="ctr"/>
+            <a:lstStyle/>
+            <a:p>
+              <a:pPr algn="ctr"/>
+              <a:endParaRPr kumimoji="1" lang="ja-JP" altLang="en-US"/>
+            </a:p>
+          </p:txBody>
+        </p:sp>
+        <p:sp>
+          <p:nvSpPr>
+            <p:cNvPr id="43" name="円/楕円 9">
+              <a:extLst>
+                <a:ext uri="{FF2B5EF4-FFF2-40B4-BE49-F238E27FC236}">
+                  <a16:creationId xmlns:a16="http://schemas.microsoft.com/office/drawing/2014/main" id="{A133D6B3-6B13-0F4A-BC5D-5472FC77195D}"/>
+                </a:ext>
+              </a:extLst>
+            </p:cNvPr>
+            <p:cNvSpPr/>
+            <p:nvPr/>
+          </p:nvSpPr>
+          <p:spPr>
+            <a:xfrm>
+              <a:off x="7657889" y="2972729"/>
+              <a:ext cx="132080" cy="132080"/>
+            </a:xfrm>
+            <a:prstGeom prst="ellipse">
+              <a:avLst/>
+            </a:prstGeom>
+            <a:solidFill>
+              <a:srgbClr val="0070C0"/>
+            </a:solidFill>
+            <a:ln>
+              <a:solidFill>
+                <a:schemeClr val="tx1"/>
+              </a:solidFill>
+            </a:ln>
+          </p:spPr>
+          <p:style>
+            <a:lnRef idx="2">
+              <a:schemeClr val="accent1">
+                <a:shade val="50000"/>
+              </a:schemeClr>
+            </a:lnRef>
+            <a:fillRef idx="1">
+              <a:schemeClr val="accent1"/>
+            </a:fillRef>
+            <a:effectRef idx="0">
+              <a:schemeClr val="accent1"/>
+            </a:effectRef>
+            <a:fontRef idx="minor">
+              <a:schemeClr val="lt1"/>
+            </a:fontRef>
+          </p:style>
+          <p:txBody>
+            <a:bodyPr rtlCol="0" anchor="ctr"/>
+            <a:lstStyle/>
+            <a:p>
+              <a:pPr algn="ctr"/>
+              <a:endParaRPr kumimoji="1" lang="ja-JP" altLang="en-US"/>
+            </a:p>
+          </p:txBody>
+        </p:sp>
+        <p:sp>
+          <p:nvSpPr>
+            <p:cNvPr id="62" name="テキスト ボックス 61">
+              <a:extLst>
+                <a:ext uri="{FF2B5EF4-FFF2-40B4-BE49-F238E27FC236}">
+                  <a16:creationId xmlns:a16="http://schemas.microsoft.com/office/drawing/2014/main" id="{29AD7F97-A469-8A4A-97B4-F94776B920C6}"/>
+                </a:ext>
+              </a:extLst>
+            </p:cNvPr>
+            <p:cNvSpPr txBox="1"/>
+            <p:nvPr/>
+          </p:nvSpPr>
+          <p:spPr>
+            <a:xfrm>
+              <a:off x="8236756" y="3252659"/>
+              <a:ext cx="646331" cy="369332"/>
+            </a:xfrm>
+            <a:prstGeom prst="rect">
+              <a:avLst/>
+            </a:prstGeom>
+            <a:noFill/>
+          </p:spPr>
+          <p:txBody>
+            <a:bodyPr wrap="none" rtlCol="0">
+              <a:spAutoFit/>
+            </a:bodyPr>
+            <a:lstStyle/>
+            <a:p>
+              <a:r>
+                <a:rPr lang="ja-JP" altLang="en-US" dirty="0" smtClean="0"/>
+                <a:t>入力</a:t>
+              </a:r>
+              <a:endParaRPr kumimoji="1" lang="ja-JP" altLang="en-US" dirty="0"/>
+            </a:p>
+          </p:txBody>
+        </p:sp>
+      </p:grpSp>
+      <p:grpSp>
+        <p:nvGrpSpPr>
+          <p:cNvPr id="80" name="グループ化 79"/>
+          <p:cNvGrpSpPr/>
+          <p:nvPr/>
+        </p:nvGrpSpPr>
+        <p:grpSpPr>
+          <a:xfrm>
+            <a:off x="1391398" y="4422271"/>
+            <a:ext cx="2985288" cy="2391046"/>
+            <a:chOff x="3585932" y="4385347"/>
+            <a:chExt cx="2985288" cy="2391046"/>
+          </a:xfrm>
+        </p:grpSpPr>
+        <p:sp>
+          <p:nvSpPr>
+            <p:cNvPr id="46" name="テキスト ボックス 45">
+              <a:extLst>
+                <a:ext uri="{FF2B5EF4-FFF2-40B4-BE49-F238E27FC236}">
+                  <a16:creationId xmlns:a16="http://schemas.microsoft.com/office/drawing/2014/main" id="{4B316541-64CB-DB48-9C63-DED12F774356}"/>
+                </a:ext>
+              </a:extLst>
+            </p:cNvPr>
+            <p:cNvSpPr txBox="1"/>
+            <p:nvPr/>
+          </p:nvSpPr>
+          <p:spPr>
+            <a:xfrm>
+              <a:off x="3585932" y="6407061"/>
+              <a:ext cx="301686" cy="369332"/>
+            </a:xfrm>
+            <a:prstGeom prst="rect">
+              <a:avLst/>
+            </a:prstGeom>
+            <a:noFill/>
+          </p:spPr>
+          <p:txBody>
+            <a:bodyPr wrap="none" rtlCol="0">
+              <a:spAutoFit/>
+            </a:bodyPr>
+            <a:lstStyle/>
+            <a:p>
+              <a:r>
+                <a:rPr kumimoji="1" lang="en-US" altLang="ja-JP"/>
+                <a:t>0</a:t>
+              </a:r>
+              <a:endParaRPr kumimoji="1" lang="ja-JP" altLang="en-US"/>
+            </a:p>
+          </p:txBody>
+        </p:sp>
+        <p:grpSp>
+          <p:nvGrpSpPr>
+            <p:cNvPr id="65" name="グループ化 64"/>
+            <p:cNvGrpSpPr/>
+            <p:nvPr/>
+          </p:nvGrpSpPr>
+          <p:grpSpPr>
+            <a:xfrm>
+              <a:off x="3596092" y="4385347"/>
+              <a:ext cx="2975128" cy="2326513"/>
+              <a:chOff x="3610515" y="3559692"/>
+              <a:chExt cx="4032253" cy="3153172"/>
+            </a:xfrm>
+          </p:grpSpPr>
+          <p:cxnSp>
+            <p:nvCxnSpPr>
+              <p:cNvPr id="44" name="直線矢印コネクタ 43">
+                <a:extLst>
+                  <a:ext uri="{FF2B5EF4-FFF2-40B4-BE49-F238E27FC236}">
+                    <a16:creationId xmlns:a16="http://schemas.microsoft.com/office/drawing/2014/main" id="{B3A1E29A-A926-7B4E-AF73-E7542E1E8F7E}"/>
+                  </a:ext>
+                </a:extLst>
+              </p:cNvPr>
+              <p:cNvCxnSpPr/>
+              <p:nvPr/>
+            </p:nvCxnSpPr>
+            <p:spPr>
+              <a:xfrm flipV="1">
+                <a:off x="3945795" y="3929024"/>
+                <a:ext cx="0" cy="2783840"/>
+              </a:xfrm>
+              <a:prstGeom prst="straightConnector1">
+                <a:avLst/>
+              </a:prstGeom>
+              <a:ln w="12700">
+                <a:solidFill>
+                  <a:schemeClr val="tx1"/>
+                </a:solidFill>
+                <a:tailEnd type="triangle"/>
+              </a:ln>
+            </p:spPr>
+            <p:style>
+              <a:lnRef idx="1">
+                <a:schemeClr val="accent1"/>
+              </a:lnRef>
+              <a:fillRef idx="0">
+                <a:schemeClr val="accent1"/>
+              </a:fillRef>
+              <a:effectRef idx="0">
+                <a:schemeClr val="accent1"/>
+              </a:effectRef>
+              <a:fontRef idx="minor">
+                <a:schemeClr val="tx1"/>
+              </a:fontRef>
+            </p:style>
+          </p:cxnSp>
+          <p:cxnSp>
+            <p:nvCxnSpPr>
+              <p:cNvPr id="45" name="直線矢印コネクタ 44">
+                <a:extLst>
+                  <a:ext uri="{FF2B5EF4-FFF2-40B4-BE49-F238E27FC236}">
+                    <a16:creationId xmlns:a16="http://schemas.microsoft.com/office/drawing/2014/main" id="{C5A935D9-8808-D24E-8CFC-3E5EF3BDA839}"/>
+                  </a:ext>
+                </a:extLst>
+              </p:cNvPr>
+              <p:cNvCxnSpPr>
+                <a:cxnSpLocks/>
+              </p:cNvCxnSpPr>
+              <p:nvPr/>
+            </p:nvCxnSpPr>
+            <p:spPr>
+              <a:xfrm>
+                <a:off x="3610515" y="6357264"/>
+                <a:ext cx="3322320" cy="0"/>
+              </a:xfrm>
+              <a:prstGeom prst="straightConnector1">
+                <a:avLst/>
+              </a:prstGeom>
+              <a:ln w="12700">
+                <a:solidFill>
+                  <a:schemeClr val="tx1"/>
+                </a:solidFill>
+                <a:tailEnd type="triangle"/>
+              </a:ln>
+            </p:spPr>
+            <p:style>
+              <a:lnRef idx="1">
+                <a:schemeClr val="accent1"/>
+              </a:lnRef>
+              <a:fillRef idx="0">
+                <a:schemeClr val="accent1"/>
+              </a:fillRef>
+              <a:effectRef idx="0">
+                <a:schemeClr val="accent1"/>
+              </a:effectRef>
+              <a:fontRef idx="minor">
+                <a:schemeClr val="tx1"/>
+              </a:fontRef>
+            </p:style>
+          </p:cxnSp>
+          <p:sp>
+            <p:nvSpPr>
+              <p:cNvPr id="47" name="テキスト ボックス 46">
+                <a:extLst>
+                  <a:ext uri="{FF2B5EF4-FFF2-40B4-BE49-F238E27FC236}">
+                    <a16:creationId xmlns:a16="http://schemas.microsoft.com/office/drawing/2014/main" id="{29AD7F97-A469-8A4A-97B4-F94776B920C6}"/>
+                  </a:ext>
+                </a:extLst>
+              </p:cNvPr>
+              <p:cNvSpPr txBox="1"/>
+              <p:nvPr/>
+            </p:nvSpPr>
+            <p:spPr>
+              <a:xfrm>
+                <a:off x="3622629" y="3559692"/>
+                <a:ext cx="736941" cy="417137"/>
+              </a:xfrm>
+              <a:prstGeom prst="rect">
+                <a:avLst/>
+              </a:prstGeom>
+              <a:noFill/>
+            </p:spPr>
+            <p:txBody>
+              <a:bodyPr wrap="none" rtlCol="0">
+                <a:spAutoFit/>
+              </a:bodyPr>
+              <a:lstStyle/>
+              <a:p>
+                <a:r>
+                  <a:rPr lang="ja-JP" altLang="en-US" sz="1400" dirty="0"/>
+                  <a:t>出力</a:t>
+                </a:r>
+                <a:endParaRPr kumimoji="1" lang="ja-JP" altLang="en-US" sz="1400" dirty="0"/>
+              </a:p>
+            </p:txBody>
+          </p:sp>
+          <mc:AlternateContent xmlns:mc="http://schemas.openxmlformats.org/markup-compatibility/2006">
+            <mc:Choice xmlns:a14="http://schemas.microsoft.com/office/drawing/2010/main" Requires="a14">
+              <p:sp>
+                <p:nvSpPr>
+                  <p:cNvPr id="48" name="テキスト ボックス 47">
+                    <a:extLst>
+                      <a:ext uri="{FF2B5EF4-FFF2-40B4-BE49-F238E27FC236}">
+                        <a16:creationId xmlns:a16="http://schemas.microsoft.com/office/drawing/2014/main" id="{7F777ACB-A0BA-4C4A-9430-AAF5C2BBC0EC}"/>
+                      </a:ext>
+                    </a:extLst>
+                  </p:cNvPr>
+                  <p:cNvSpPr txBox="1"/>
+                  <p:nvPr/>
+                </p:nvSpPr>
+                <p:spPr>
+                  <a:xfrm>
+                    <a:off x="5571396" y="6413143"/>
+                    <a:ext cx="261492" cy="291996"/>
+                  </a:xfrm>
+                  <a:prstGeom prst="rect">
+                    <a:avLst/>
+                  </a:prstGeom>
+                  <a:noFill/>
+                </p:spPr>
+                <p:txBody>
+                  <a:bodyPr wrap="none" lIns="0" tIns="0" rIns="0" bIns="0" rtlCol="0">
+                    <a:spAutoFit/>
+                  </a:bodyPr>
+                  <a:lstStyle/>
+                  <a:p>
+                    <a:pPr/>
+                    <a14:m>
+                      <m:oMathPara xmlns:m="http://schemas.openxmlformats.org/officeDocument/2006/math">
+                        <m:oMathParaPr>
+                          <m:jc m:val="centerGroup"/>
+                        </m:oMathParaPr>
+                        <m:oMath xmlns:m="http://schemas.openxmlformats.org/officeDocument/2006/math">
+                          <m:sSub>
+                            <m:sSubPr>
+                              <m:ctrlPr>
+                                <a:rPr kumimoji="1" lang="en-US" altLang="ja-JP" sz="1400" i="1">
+                                  <a:latin typeface="Cambria Math" panose="02040503050406030204" pitchFamily="18" charset="0"/>
+                                </a:rPr>
+                              </m:ctrlPr>
+                            </m:sSubPr>
+                            <m:e>
+                              <m:r>
+                                <a:rPr kumimoji="1" lang="en-US" altLang="ja-JP" sz="1400" b="0" i="1">
+                                  <a:latin typeface="Cambria Math" panose="02040503050406030204" pitchFamily="18" charset="0"/>
+                                </a:rPr>
+                                <m:t>𝑥</m:t>
+                              </m:r>
+                            </m:e>
+                            <m:sub>
+                              <m:r>
+                                <a:rPr kumimoji="1" lang="en-US" altLang="ja-JP" sz="1400" b="0" i="1">
+                                  <a:latin typeface="Cambria Math" panose="02040503050406030204" pitchFamily="18" charset="0"/>
+                                </a:rPr>
+                                <m:t>𝑖</m:t>
+                              </m:r>
+                            </m:sub>
+                          </m:sSub>
+                        </m:oMath>
+                      </m:oMathPara>
+                    </a14:m>
+                    <a:endParaRPr kumimoji="1" lang="ja-JP" altLang="en-US" sz="1400"/>
+                  </a:p>
+                </p:txBody>
+              </p:sp>
+            </mc:Choice>
+            <mc:Fallback>
+              <p:sp>
+                <p:nvSpPr>
+                  <p:cNvPr id="48" name="テキスト ボックス 47">
+                    <a:extLst>
+                      <a:ext uri="{FF2B5EF4-FFF2-40B4-BE49-F238E27FC236}">
+                        <a16:creationId xmlns:a16="http://schemas.microsoft.com/office/drawing/2014/main" id="{7F777ACB-A0BA-4C4A-9430-AAF5C2BBC0EC}"/>
+                      </a:ext>
+                    </a:extLst>
+                  </p:cNvPr>
+                  <p:cNvSpPr txBox="1">
+                    <a:spLocks noRot="1" noChangeAspect="1" noMove="1" noResize="1" noEditPoints="1" noAdjustHandles="1" noChangeArrowheads="1" noChangeShapeType="1" noTextEdit="1"/>
+                  </p:cNvSpPr>
+                  <p:nvPr/>
+                </p:nvSpPr>
+                <p:spPr>
+                  <a:xfrm>
+                    <a:off x="5571396" y="6413143"/>
+                    <a:ext cx="261492" cy="291996"/>
+                  </a:xfrm>
+                  <a:prstGeom prst="rect">
+                    <a:avLst/>
+                  </a:prstGeom>
+                  <a:blipFill>
+                    <a:blip r:embed="rId6"/>
+                    <a:stretch>
+                      <a:fillRect l="-12500" r="-3125" b="-14286"/>
+                    </a:stretch>
+                  </a:blipFill>
+                </p:spPr>
+                <p:txBody>
+                  <a:bodyPr/>
+                  <a:lstStyle/>
+                  <a:p>
+                    <a:r>
+                      <a:rPr lang="ja-JP" altLang="en-US">
+                        <a:noFill/>
+                      </a:rPr>
+                      <a:t> </a:t>
+                    </a:r>
+                  </a:p>
+                </p:txBody>
+              </p:sp>
+            </mc:Fallback>
+          </mc:AlternateContent>
+          <mc:AlternateContent xmlns:mc="http://schemas.openxmlformats.org/markup-compatibility/2006">
+            <mc:Choice xmlns:a14="http://schemas.microsoft.com/office/drawing/2010/main" Requires="a14">
+              <p:sp>
+                <p:nvSpPr>
+                  <p:cNvPr id="49" name="テキスト ボックス 48">
+                    <a:extLst>
+                      <a:ext uri="{FF2B5EF4-FFF2-40B4-BE49-F238E27FC236}">
+                        <a16:creationId xmlns:a16="http://schemas.microsoft.com/office/drawing/2014/main" id="{12137DB7-CB9F-9D4D-950E-B3B1151B1B35}"/>
+                      </a:ext>
+                    </a:extLst>
+                  </p:cNvPr>
+                  <p:cNvSpPr txBox="1"/>
+                  <p:nvPr/>
+                </p:nvSpPr>
+                <p:spPr>
+                  <a:xfrm>
+                    <a:off x="3651156" y="4818024"/>
+                    <a:ext cx="262969" cy="291996"/>
+                  </a:xfrm>
+                  <a:prstGeom prst="rect">
+                    <a:avLst/>
+                  </a:prstGeom>
+                  <a:noFill/>
+                </p:spPr>
+                <p:txBody>
+                  <a:bodyPr wrap="none" lIns="0" tIns="0" rIns="0" bIns="0" rtlCol="0">
+                    <a:spAutoFit/>
+                  </a:bodyPr>
+                  <a:lstStyle/>
+                  <a:p>
+                    <a:pPr/>
+                    <a14:m>
+                      <m:oMathPara xmlns:m="http://schemas.openxmlformats.org/officeDocument/2006/math">
+                        <m:oMathParaPr>
+                          <m:jc m:val="centerGroup"/>
+                        </m:oMathParaPr>
+                        <m:oMath xmlns:m="http://schemas.openxmlformats.org/officeDocument/2006/math">
+                          <m:sSub>
+                            <m:sSubPr>
+                              <m:ctrlPr>
+                                <a:rPr kumimoji="1" lang="en-US" altLang="ja-JP" sz="1400" i="1">
+                                  <a:latin typeface="Cambria Math" panose="02040503050406030204" pitchFamily="18" charset="0"/>
+                                </a:rPr>
+                              </m:ctrlPr>
+                            </m:sSubPr>
+                            <m:e>
+                              <m:r>
+                                <a:rPr kumimoji="1" lang="en-US" altLang="ja-JP" sz="1400" b="0" i="1">
+                                  <a:latin typeface="Cambria Math" panose="02040503050406030204" pitchFamily="18" charset="0"/>
+                                </a:rPr>
+                                <m:t>𝑦</m:t>
+                              </m:r>
+                            </m:e>
+                            <m:sub>
+                              <m:r>
+                                <a:rPr kumimoji="1" lang="en-US" altLang="ja-JP" sz="1400" b="0" i="1">
+                                  <a:latin typeface="Cambria Math" panose="02040503050406030204" pitchFamily="18" charset="0"/>
+                                </a:rPr>
+                                <m:t>𝑖</m:t>
+                              </m:r>
+                            </m:sub>
+                          </m:sSub>
+                        </m:oMath>
+                      </m:oMathPara>
+                    </a14:m>
+                    <a:endParaRPr kumimoji="1" lang="ja-JP" altLang="en-US" sz="1400"/>
+                  </a:p>
+                </p:txBody>
+              </p:sp>
+            </mc:Choice>
+            <mc:Fallback>
+              <p:sp>
+                <p:nvSpPr>
+                  <p:cNvPr id="49" name="テキスト ボックス 48">
+                    <a:extLst>
+                      <a:ext uri="{FF2B5EF4-FFF2-40B4-BE49-F238E27FC236}">
+                        <a16:creationId xmlns:a16="http://schemas.microsoft.com/office/drawing/2014/main" id="{12137DB7-CB9F-9D4D-950E-B3B1151B1B35}"/>
+                      </a:ext>
+                    </a:extLst>
+                  </p:cNvPr>
+                  <p:cNvSpPr txBox="1">
+                    <a:spLocks noRot="1" noChangeAspect="1" noMove="1" noResize="1" noEditPoints="1" noAdjustHandles="1" noChangeArrowheads="1" noChangeShapeType="1" noTextEdit="1"/>
+                  </p:cNvSpPr>
+                  <p:nvPr/>
+                </p:nvSpPr>
+                <p:spPr>
+                  <a:xfrm>
+                    <a:off x="3651156" y="4818024"/>
+                    <a:ext cx="262969" cy="291996"/>
+                  </a:xfrm>
+                  <a:prstGeom prst="rect">
+                    <a:avLst/>
+                  </a:prstGeom>
+                  <a:blipFill>
+                    <a:blip r:embed="rId7"/>
+                    <a:stretch>
+                      <a:fillRect l="-25000" b="-22857"/>
+                    </a:stretch>
+                  </a:blipFill>
+                </p:spPr>
+                <p:txBody>
+                  <a:bodyPr/>
+                  <a:lstStyle/>
+                  <a:p>
+                    <a:r>
+                      <a:rPr lang="ja-JP" altLang="en-US">
+                        <a:noFill/>
+                      </a:rPr>
+                      <a:t> </a:t>
+                    </a:r>
+                  </a:p>
+                </p:txBody>
+              </p:sp>
+            </mc:Fallback>
+          </mc:AlternateContent>
+          <p:sp>
+            <p:nvSpPr>
+              <p:cNvPr id="54" name="フリーフォーム 53"/>
+              <p:cNvSpPr/>
+              <p:nvPr/>
+            </p:nvSpPr>
+            <p:spPr>
+              <a:xfrm>
+                <a:off x="3940252" y="4915469"/>
+                <a:ext cx="3380509" cy="1450110"/>
+              </a:xfrm>
+              <a:custGeom>
+                <a:avLst/>
+                <a:gdLst>
+                  <a:gd name="connsiteX0" fmla="*/ 0 w 3380509"/>
+                  <a:gd name="connsiteY0" fmla="*/ 1450110 h 1450110"/>
+                  <a:gd name="connsiteX1" fmla="*/ 535709 w 3380509"/>
+                  <a:gd name="connsiteY1" fmla="*/ 18473 h 1450110"/>
+                  <a:gd name="connsiteX2" fmla="*/ 1256145 w 3380509"/>
+                  <a:gd name="connsiteY2" fmla="*/ 1385455 h 1450110"/>
+                  <a:gd name="connsiteX3" fmla="*/ 1921164 w 3380509"/>
+                  <a:gd name="connsiteY3" fmla="*/ 1 h 1450110"/>
+                  <a:gd name="connsiteX4" fmla="*/ 2650836 w 3380509"/>
+                  <a:gd name="connsiteY4" fmla="*/ 1394691 h 1450110"/>
+                  <a:gd name="connsiteX5" fmla="*/ 3380509 w 3380509"/>
+                  <a:gd name="connsiteY5" fmla="*/ 18473 h 1450110"/>
+                </a:gdLst>
+                <a:ahLst/>
+                <a:cxnLst>
+                  <a:cxn ang="0">
+                    <a:pos x="connsiteX0" y="connsiteY0"/>
+                  </a:cxn>
+                  <a:cxn ang="0">
+                    <a:pos x="connsiteX1" y="connsiteY1"/>
+                  </a:cxn>
+                  <a:cxn ang="0">
+                    <a:pos x="connsiteX2" y="connsiteY2"/>
+                  </a:cxn>
+                  <a:cxn ang="0">
+                    <a:pos x="connsiteX3" y="connsiteY3"/>
+                  </a:cxn>
+                  <a:cxn ang="0">
+                    <a:pos x="connsiteX4" y="connsiteY4"/>
+                  </a:cxn>
+                  <a:cxn ang="0">
+                    <a:pos x="connsiteX5" y="connsiteY5"/>
+                  </a:cxn>
+                </a:cxnLst>
+                <a:rect l="l" t="t" r="r" b="b"/>
+                <a:pathLst>
+                  <a:path w="3380509" h="1450110">
+                    <a:moveTo>
+                      <a:pt x="0" y="1450110"/>
+                    </a:moveTo>
+                    <a:cubicBezTo>
+                      <a:pt x="163176" y="739679"/>
+                      <a:pt x="326352" y="29249"/>
+                      <a:pt x="535709" y="18473"/>
+                    </a:cubicBezTo>
+                    <a:cubicBezTo>
+                      <a:pt x="745066" y="7697"/>
+                      <a:pt x="1025236" y="1388534"/>
+                      <a:pt x="1256145" y="1385455"/>
+                    </a:cubicBezTo>
+                    <a:cubicBezTo>
+                      <a:pt x="1487054" y="1382376"/>
+                      <a:pt x="1688716" y="-1538"/>
+                      <a:pt x="1921164" y="1"/>
+                    </a:cubicBezTo>
+                    <a:cubicBezTo>
+                      <a:pt x="2153612" y="1540"/>
+                      <a:pt x="2407612" y="1391612"/>
+                      <a:pt x="2650836" y="1394691"/>
+                    </a:cubicBezTo>
+                    <a:cubicBezTo>
+                      <a:pt x="2894060" y="1397770"/>
+                      <a:pt x="3137284" y="708121"/>
+                      <a:pt x="3380509" y="18473"/>
+                    </a:cubicBezTo>
+                  </a:path>
+                </a:pathLst>
+              </a:custGeom>
+              <a:noFill/>
+              <a:ln>
+                <a:solidFill>
+                  <a:schemeClr val="tx1"/>
+                </a:solidFill>
+              </a:ln>
+            </p:spPr>
+            <p:style>
+              <a:lnRef idx="2">
+                <a:schemeClr val="accent1">
+                  <a:shade val="50000"/>
+                </a:schemeClr>
+              </a:lnRef>
+              <a:fillRef idx="1">
+                <a:schemeClr val="accent1"/>
+              </a:fillRef>
+              <a:effectRef idx="0">
+                <a:schemeClr val="accent1"/>
+              </a:effectRef>
+              <a:fontRef idx="minor">
+                <a:schemeClr val="lt1"/>
+              </a:fontRef>
+            </p:style>
+            <p:txBody>
+              <a:bodyPr rtlCol="0" anchor="ctr"/>
+              <a:lstStyle/>
+              <a:p>
+                <a:pPr algn="ctr"/>
+                <a:endParaRPr kumimoji="1" lang="ja-JP" altLang="en-US" sz="1400"/>
+              </a:p>
+            </p:txBody>
+          </p:sp>
+          <p:sp>
+            <p:nvSpPr>
+              <p:cNvPr id="55" name="円/楕円 9">
+                <a:extLst>
+                  <a:ext uri="{FF2B5EF4-FFF2-40B4-BE49-F238E27FC236}">
+                    <a16:creationId xmlns:a16="http://schemas.microsoft.com/office/drawing/2014/main" id="{A133D6B3-6B13-0F4A-BC5D-5472FC77195D}"/>
+                  </a:ext>
+                </a:extLst>
+              </p:cNvPr>
+              <p:cNvSpPr/>
+              <p:nvPr/>
+            </p:nvSpPr>
+            <p:spPr>
+              <a:xfrm>
+                <a:off x="4398384" y="4867906"/>
+                <a:ext cx="132080" cy="132080"/>
+              </a:xfrm>
+              <a:prstGeom prst="ellipse">
+                <a:avLst/>
+              </a:prstGeom>
+              <a:solidFill>
+                <a:srgbClr val="0070C0"/>
+              </a:solidFill>
+              <a:ln>
+                <a:solidFill>
+                  <a:schemeClr val="tx1"/>
+                </a:solidFill>
+              </a:ln>
+            </p:spPr>
+            <p:style>
+              <a:lnRef idx="2">
+                <a:schemeClr val="accent1">
+                  <a:shade val="50000"/>
+                </a:schemeClr>
+              </a:lnRef>
+              <a:fillRef idx="1">
+                <a:schemeClr val="accent1"/>
+              </a:fillRef>
+              <a:effectRef idx="0">
+                <a:schemeClr val="accent1"/>
+              </a:effectRef>
+              <a:fontRef idx="minor">
+                <a:schemeClr val="lt1"/>
+              </a:fontRef>
+            </p:style>
+            <p:txBody>
+              <a:bodyPr rtlCol="0" anchor="ctr"/>
+              <a:lstStyle/>
+              <a:p>
+                <a:pPr algn="ctr"/>
+                <a:endParaRPr kumimoji="1" lang="ja-JP" altLang="en-US" sz="1400"/>
+              </a:p>
+            </p:txBody>
+          </p:sp>
+          <p:sp>
+            <p:nvSpPr>
+              <p:cNvPr id="56" name="円/楕円 9">
+                <a:extLst>
+                  <a:ext uri="{FF2B5EF4-FFF2-40B4-BE49-F238E27FC236}">
+                    <a16:creationId xmlns:a16="http://schemas.microsoft.com/office/drawing/2014/main" id="{A133D6B3-6B13-0F4A-BC5D-5472FC77195D}"/>
+                  </a:ext>
+                </a:extLst>
+              </p:cNvPr>
+              <p:cNvSpPr/>
+              <p:nvPr/>
+            </p:nvSpPr>
+            <p:spPr>
+              <a:xfrm>
+                <a:off x="5151151" y="6239503"/>
+                <a:ext cx="132080" cy="132080"/>
+              </a:xfrm>
+              <a:prstGeom prst="ellipse">
+                <a:avLst/>
+              </a:prstGeom>
+              <a:solidFill>
+                <a:srgbClr val="0070C0"/>
+              </a:solidFill>
+              <a:ln>
+                <a:solidFill>
+                  <a:schemeClr val="tx1"/>
+                </a:solidFill>
+              </a:ln>
+            </p:spPr>
+            <p:style>
+              <a:lnRef idx="2">
+                <a:schemeClr val="accent1">
+                  <a:shade val="50000"/>
+                </a:schemeClr>
+              </a:lnRef>
+              <a:fillRef idx="1">
+                <a:schemeClr val="accent1"/>
+              </a:fillRef>
+              <a:effectRef idx="0">
+                <a:schemeClr val="accent1"/>
+              </a:effectRef>
+              <a:fontRef idx="minor">
+                <a:schemeClr val="lt1"/>
+              </a:fontRef>
+            </p:style>
+            <p:txBody>
+              <a:bodyPr rtlCol="0" anchor="ctr"/>
+              <a:lstStyle/>
+              <a:p>
+                <a:pPr algn="ctr"/>
+                <a:endParaRPr kumimoji="1" lang="ja-JP" altLang="en-US" sz="1400"/>
+              </a:p>
+            </p:txBody>
+          </p:sp>
+          <p:sp>
+            <p:nvSpPr>
+              <p:cNvPr id="51" name="円/楕円 9">
+                <a:extLst>
+                  <a:ext uri="{FF2B5EF4-FFF2-40B4-BE49-F238E27FC236}">
+                    <a16:creationId xmlns:a16="http://schemas.microsoft.com/office/drawing/2014/main" id="{A133D6B3-6B13-0F4A-BC5D-5472FC77195D}"/>
+                  </a:ext>
+                </a:extLst>
+              </p:cNvPr>
+              <p:cNvSpPr/>
+              <p:nvPr/>
+            </p:nvSpPr>
+            <p:spPr>
+              <a:xfrm>
+                <a:off x="5399146" y="5633110"/>
+                <a:ext cx="132080" cy="132080"/>
+              </a:xfrm>
+              <a:prstGeom prst="ellipse">
+                <a:avLst/>
+              </a:prstGeom>
+              <a:solidFill>
+                <a:srgbClr val="FF0000"/>
+              </a:solidFill>
+              <a:ln>
+                <a:solidFill>
+                  <a:schemeClr val="tx1"/>
+                </a:solidFill>
+              </a:ln>
+            </p:spPr>
+            <p:style>
+              <a:lnRef idx="2">
+                <a:schemeClr val="accent1">
+                  <a:shade val="50000"/>
+                </a:schemeClr>
+              </a:lnRef>
+              <a:fillRef idx="1">
+                <a:schemeClr val="accent1"/>
+              </a:fillRef>
+              <a:effectRef idx="0">
+                <a:schemeClr val="accent1"/>
+              </a:effectRef>
+              <a:fontRef idx="minor">
+                <a:schemeClr val="lt1"/>
+              </a:fontRef>
+            </p:style>
+            <p:txBody>
+              <a:bodyPr rtlCol="0" anchor="ctr"/>
+              <a:lstStyle/>
+              <a:p>
+                <a:pPr algn="ctr"/>
+                <a:endParaRPr kumimoji="1" lang="ja-JP" altLang="en-US" sz="1400"/>
+              </a:p>
+            </p:txBody>
+          </p:sp>
+          <p:sp>
+            <p:nvSpPr>
+              <p:cNvPr id="52" name="円/楕円 9">
+                <a:extLst>
+                  <a:ext uri="{FF2B5EF4-FFF2-40B4-BE49-F238E27FC236}">
+                    <a16:creationId xmlns:a16="http://schemas.microsoft.com/office/drawing/2014/main" id="{A133D6B3-6B13-0F4A-BC5D-5472FC77195D}"/>
+                  </a:ext>
+                </a:extLst>
+              </p:cNvPr>
+              <p:cNvSpPr/>
+              <p:nvPr/>
+            </p:nvSpPr>
+            <p:spPr>
+              <a:xfrm>
+                <a:off x="5973186" y="5011064"/>
+                <a:ext cx="132080" cy="132080"/>
+              </a:xfrm>
+              <a:prstGeom prst="ellipse">
+                <a:avLst/>
+              </a:prstGeom>
+              <a:solidFill>
+                <a:srgbClr val="FF0000"/>
+              </a:solidFill>
+              <a:ln>
+                <a:solidFill>
+                  <a:schemeClr val="tx1"/>
+                </a:solidFill>
+              </a:ln>
+            </p:spPr>
+            <p:style>
+              <a:lnRef idx="2">
+                <a:schemeClr val="accent1">
+                  <a:shade val="50000"/>
+                </a:schemeClr>
+              </a:lnRef>
+              <a:fillRef idx="1">
+                <a:schemeClr val="accent1"/>
+              </a:fillRef>
+              <a:effectRef idx="0">
+                <a:schemeClr val="accent1"/>
+              </a:effectRef>
+              <a:fontRef idx="minor">
+                <a:schemeClr val="lt1"/>
+              </a:fontRef>
+            </p:style>
+            <p:txBody>
+              <a:bodyPr rtlCol="0" anchor="ctr"/>
+              <a:lstStyle/>
+              <a:p>
+                <a:pPr algn="ctr"/>
+                <a:endParaRPr kumimoji="1" lang="ja-JP" altLang="en-US" sz="1400"/>
+              </a:p>
+            </p:txBody>
+          </p:sp>
+          <p:sp>
+            <p:nvSpPr>
+              <p:cNvPr id="53" name="円/楕円 9">
+                <a:extLst>
+                  <a:ext uri="{FF2B5EF4-FFF2-40B4-BE49-F238E27FC236}">
+                    <a16:creationId xmlns:a16="http://schemas.microsoft.com/office/drawing/2014/main" id="{A133D6B3-6B13-0F4A-BC5D-5472FC77195D}"/>
+                  </a:ext>
+                </a:extLst>
+              </p:cNvPr>
+              <p:cNvSpPr/>
+              <p:nvPr/>
+            </p:nvSpPr>
+            <p:spPr>
+              <a:xfrm>
+                <a:off x="4894831" y="5923615"/>
+                <a:ext cx="132080" cy="132080"/>
+              </a:xfrm>
+              <a:prstGeom prst="ellipse">
+                <a:avLst/>
+              </a:prstGeom>
+              <a:solidFill>
+                <a:srgbClr val="FF0000"/>
+              </a:solidFill>
+              <a:ln>
+                <a:solidFill>
+                  <a:schemeClr val="tx1"/>
+                </a:solidFill>
+              </a:ln>
+            </p:spPr>
+            <p:style>
+              <a:lnRef idx="2">
+                <a:schemeClr val="accent1">
+                  <a:shade val="50000"/>
+                </a:schemeClr>
+              </a:lnRef>
+              <a:fillRef idx="1">
+                <a:schemeClr val="accent1"/>
+              </a:fillRef>
+              <a:effectRef idx="0">
+                <a:schemeClr val="accent1"/>
+              </a:effectRef>
+              <a:fontRef idx="minor">
+                <a:schemeClr val="lt1"/>
+              </a:fontRef>
+            </p:style>
+            <p:txBody>
+              <a:bodyPr rtlCol="0" anchor="ctr"/>
+              <a:lstStyle/>
+              <a:p>
+                <a:pPr algn="ctr"/>
+                <a:endParaRPr kumimoji="1" lang="ja-JP" altLang="en-US" sz="1400"/>
+              </a:p>
+            </p:txBody>
+          </p:sp>
+          <p:sp>
+            <p:nvSpPr>
+              <p:cNvPr id="57" name="円/楕円 9">
+                <a:extLst>
+                  <a:ext uri="{FF2B5EF4-FFF2-40B4-BE49-F238E27FC236}">
+                    <a16:creationId xmlns:a16="http://schemas.microsoft.com/office/drawing/2014/main" id="{A133D6B3-6B13-0F4A-BC5D-5472FC77195D}"/>
+                  </a:ext>
+                </a:extLst>
+              </p:cNvPr>
+              <p:cNvSpPr/>
+              <p:nvPr/>
+            </p:nvSpPr>
+            <p:spPr>
+              <a:xfrm>
+                <a:off x="6310314" y="5902381"/>
+                <a:ext cx="132080" cy="132080"/>
+              </a:xfrm>
+              <a:prstGeom prst="ellipse">
+                <a:avLst/>
+              </a:prstGeom>
+              <a:solidFill>
+                <a:srgbClr val="0070C0"/>
+              </a:solidFill>
+              <a:ln>
+                <a:solidFill>
+                  <a:schemeClr val="tx1"/>
+                </a:solidFill>
+              </a:ln>
+            </p:spPr>
+            <p:style>
+              <a:lnRef idx="2">
+                <a:schemeClr val="accent1">
+                  <a:shade val="50000"/>
+                </a:schemeClr>
+              </a:lnRef>
+              <a:fillRef idx="1">
+                <a:schemeClr val="accent1"/>
+              </a:fillRef>
+              <a:effectRef idx="0">
+                <a:schemeClr val="accent1"/>
+              </a:effectRef>
+              <a:fontRef idx="minor">
+                <a:schemeClr val="lt1"/>
+              </a:fontRef>
+            </p:style>
+            <p:txBody>
+              <a:bodyPr rtlCol="0" anchor="ctr"/>
+              <a:lstStyle/>
+              <a:p>
+                <a:pPr algn="ctr"/>
+                <a:endParaRPr kumimoji="1" lang="ja-JP" altLang="en-US" sz="1400"/>
+              </a:p>
+            </p:txBody>
+          </p:sp>
+          <p:sp>
+            <p:nvSpPr>
+              <p:cNvPr id="64" name="テキスト ボックス 63">
+                <a:extLst>
+                  <a:ext uri="{FF2B5EF4-FFF2-40B4-BE49-F238E27FC236}">
+                    <a16:creationId xmlns:a16="http://schemas.microsoft.com/office/drawing/2014/main" id="{29AD7F97-A469-8A4A-97B4-F94776B920C6}"/>
+                  </a:ext>
+                </a:extLst>
+              </p:cNvPr>
+              <p:cNvSpPr txBox="1"/>
+              <p:nvPr/>
+            </p:nvSpPr>
+            <p:spPr>
+              <a:xfrm>
+                <a:off x="6905827" y="6204696"/>
+                <a:ext cx="736941" cy="417137"/>
+              </a:xfrm>
+              <a:prstGeom prst="rect">
+                <a:avLst/>
+              </a:prstGeom>
+              <a:noFill/>
+            </p:spPr>
+            <p:txBody>
+              <a:bodyPr wrap="none" rtlCol="0">
+                <a:spAutoFit/>
+              </a:bodyPr>
+              <a:lstStyle/>
+              <a:p>
+                <a:r>
+                  <a:rPr lang="ja-JP" altLang="en-US" sz="1400" dirty="0" smtClean="0"/>
+                  <a:t>入力</a:t>
+                </a:r>
+                <a:endParaRPr kumimoji="1" lang="ja-JP" altLang="en-US" sz="1400" dirty="0"/>
+              </a:p>
+            </p:txBody>
+          </p:sp>
+        </p:grpSp>
+      </p:grpSp>
+      <p:sp>
+        <p:nvSpPr>
+          <p:cNvPr id="66" name="右矢印 65"/>
+          <p:cNvSpPr/>
+          <p:nvPr/>
+        </p:nvSpPr>
+        <p:spPr>
+          <a:xfrm>
+            <a:off x="4048632" y="2367945"/>
+            <a:ext cx="476560" cy="459091"/>
+          </a:xfrm>
+          <a:prstGeom prst="rightArrow">
+            <a:avLst/>
+          </a:prstGeom>
+          <a:solidFill>
+            <a:srgbClr val="FF0000"/>
+          </a:solidFill>
+          <a:ln>
+            <a:solidFill>
+              <a:schemeClr val="tx1"/>
+            </a:solidFill>
+          </a:ln>
+        </p:spPr>
+        <p:style>
+          <a:lnRef idx="2">
+            <a:schemeClr val="accent1">
+              <a:shade val="50000"/>
+            </a:schemeClr>
+          </a:lnRef>
+          <a:fillRef idx="1">
+            <a:schemeClr val="accent1"/>
+          </a:fillRef>
+          <a:effectRef idx="0">
+            <a:schemeClr val="accent1"/>
+          </a:effectRef>
+          <a:fontRef idx="minor">
+            <a:schemeClr val="lt1"/>
+          </a:fontRef>
+        </p:style>
+        <p:txBody>
+          <a:bodyPr rtlCol="0" anchor="ctr"/>
+          <a:lstStyle/>
+          <a:p>
+            <a:pPr algn="ctr"/>
+            <a:endParaRPr kumimoji="1" lang="ja-JP" altLang="en-US"/>
+          </a:p>
+        </p:txBody>
+      </p:sp>
+      <p:grpSp>
+        <p:nvGrpSpPr>
+          <p:cNvPr id="76" name="グループ化 75"/>
+          <p:cNvGrpSpPr/>
+          <p:nvPr/>
+        </p:nvGrpSpPr>
+        <p:grpSpPr>
+          <a:xfrm>
+            <a:off x="7118600" y="1217472"/>
+            <a:ext cx="1972989" cy="807296"/>
+            <a:chOff x="7071859" y="574431"/>
+            <a:chExt cx="1972989" cy="807296"/>
+          </a:xfrm>
+        </p:grpSpPr>
+        <p:sp>
+          <p:nvSpPr>
+            <p:cNvPr id="71" name="円/楕円 9">
+              <a:extLst>
+                <a:ext uri="{FF2B5EF4-FFF2-40B4-BE49-F238E27FC236}">
+                  <a16:creationId xmlns:a16="http://schemas.microsoft.com/office/drawing/2014/main" id="{A133D6B3-6B13-0F4A-BC5D-5472FC77195D}"/>
+                </a:ext>
+              </a:extLst>
+            </p:cNvPr>
+            <p:cNvSpPr/>
+            <p:nvPr/>
+          </p:nvSpPr>
+          <p:spPr>
+            <a:xfrm>
+              <a:off x="7234062" y="728219"/>
+              <a:ext cx="132080" cy="132080"/>
+            </a:xfrm>
+            <a:prstGeom prst="ellipse">
+              <a:avLst/>
+            </a:prstGeom>
+            <a:solidFill>
+              <a:srgbClr val="FF0000"/>
+            </a:solidFill>
+            <a:ln>
+              <a:solidFill>
+                <a:schemeClr val="tx1"/>
+              </a:solidFill>
+            </a:ln>
+          </p:spPr>
+          <p:style>
+            <a:lnRef idx="2">
+              <a:schemeClr val="accent1">
+                <a:shade val="50000"/>
+              </a:schemeClr>
+            </a:lnRef>
+            <a:fillRef idx="1">
+              <a:schemeClr val="accent1"/>
+            </a:fillRef>
+            <a:effectRef idx="0">
+              <a:schemeClr val="accent1"/>
+            </a:effectRef>
+            <a:fontRef idx="minor">
+              <a:schemeClr val="lt1"/>
+            </a:fontRef>
+          </p:style>
+          <p:txBody>
+            <a:bodyPr rtlCol="0" anchor="ctr"/>
+            <a:lstStyle/>
+            <a:p>
+              <a:pPr algn="ctr"/>
+              <a:endParaRPr kumimoji="1" lang="ja-JP" altLang="en-US"/>
+            </a:p>
+          </p:txBody>
+        </p:sp>
+        <p:sp>
+          <p:nvSpPr>
+            <p:cNvPr id="72" name="テキスト ボックス 71"/>
+            <p:cNvSpPr txBox="1"/>
+            <p:nvPr/>
+          </p:nvSpPr>
+          <p:spPr>
+            <a:xfrm>
+              <a:off x="7399196" y="619851"/>
+              <a:ext cx="1363662" cy="369332"/>
+            </a:xfrm>
+            <a:prstGeom prst="rect">
+              <a:avLst/>
+            </a:prstGeom>
+            <a:noFill/>
+          </p:spPr>
+          <p:txBody>
+            <a:bodyPr wrap="square" rtlCol="0">
+              <a:spAutoFit/>
+            </a:bodyPr>
+            <a:lstStyle/>
+            <a:p>
+              <a:r>
+                <a:rPr lang="ja-JP" altLang="en-US" dirty="0" smtClean="0"/>
+                <a:t>訓練</a:t>
+              </a:r>
+              <a:r>
+                <a:rPr lang="ja-JP" altLang="en-US" dirty="0"/>
+                <a:t>データ</a:t>
+              </a:r>
+              <a:endParaRPr kumimoji="1" lang="ja-JP" altLang="en-US" dirty="0"/>
+            </a:p>
+          </p:txBody>
+        </p:sp>
+        <p:sp>
+          <p:nvSpPr>
+            <p:cNvPr id="73" name="角丸四角形 72"/>
+            <p:cNvSpPr/>
+            <p:nvPr/>
+          </p:nvSpPr>
+          <p:spPr>
+            <a:xfrm>
+              <a:off x="7071859" y="574431"/>
+              <a:ext cx="1972989" cy="807296"/>
+            </a:xfrm>
+            <a:prstGeom prst="roundRect">
+              <a:avLst/>
+            </a:prstGeom>
+            <a:noFill/>
+            <a:ln>
+              <a:solidFill>
+                <a:schemeClr val="tx1"/>
+              </a:solidFill>
+            </a:ln>
+          </p:spPr>
+          <p:style>
+            <a:lnRef idx="2">
+              <a:schemeClr val="accent1">
+                <a:shade val="50000"/>
+              </a:schemeClr>
+            </a:lnRef>
+            <a:fillRef idx="1">
+              <a:schemeClr val="accent1"/>
+            </a:fillRef>
+            <a:effectRef idx="0">
+              <a:schemeClr val="accent1"/>
+            </a:effectRef>
+            <a:fontRef idx="minor">
+              <a:schemeClr val="lt1"/>
+            </a:fontRef>
+          </p:style>
+          <p:txBody>
+            <a:bodyPr rtlCol="0" anchor="ctr"/>
+            <a:lstStyle/>
+            <a:p>
+              <a:pPr algn="ctr"/>
+              <a:endParaRPr kumimoji="1" lang="ja-JP" altLang="en-US"/>
+            </a:p>
+          </p:txBody>
+        </p:sp>
+        <p:sp>
+          <p:nvSpPr>
+            <p:cNvPr id="74" name="円/楕円 9">
+              <a:extLst>
+                <a:ext uri="{FF2B5EF4-FFF2-40B4-BE49-F238E27FC236}">
+                  <a16:creationId xmlns:a16="http://schemas.microsoft.com/office/drawing/2014/main" id="{A133D6B3-6B13-0F4A-BC5D-5472FC77195D}"/>
+                </a:ext>
+              </a:extLst>
+            </p:cNvPr>
+            <p:cNvSpPr/>
+            <p:nvPr/>
+          </p:nvSpPr>
+          <p:spPr>
+            <a:xfrm>
+              <a:off x="7238683" y="1120762"/>
+              <a:ext cx="132080" cy="132080"/>
+            </a:xfrm>
+            <a:prstGeom prst="ellipse">
+              <a:avLst/>
+            </a:prstGeom>
+            <a:solidFill>
+              <a:srgbClr val="0070C0"/>
+            </a:solidFill>
+            <a:ln>
+              <a:solidFill>
+                <a:schemeClr val="tx1"/>
+              </a:solidFill>
+            </a:ln>
+          </p:spPr>
+          <p:style>
+            <a:lnRef idx="2">
+              <a:schemeClr val="accent1">
+                <a:shade val="50000"/>
+              </a:schemeClr>
+            </a:lnRef>
+            <a:fillRef idx="1">
+              <a:schemeClr val="accent1"/>
+            </a:fillRef>
+            <a:effectRef idx="0">
+              <a:schemeClr val="accent1"/>
+            </a:effectRef>
+            <a:fontRef idx="minor">
+              <a:schemeClr val="lt1"/>
+            </a:fontRef>
+          </p:style>
+          <p:txBody>
+            <a:bodyPr rtlCol="0" anchor="ctr"/>
+            <a:lstStyle/>
+            <a:p>
+              <a:pPr algn="ctr"/>
+              <a:endParaRPr kumimoji="1" lang="ja-JP" altLang="en-US"/>
+            </a:p>
+          </p:txBody>
+        </p:sp>
+        <p:sp>
+          <p:nvSpPr>
+            <p:cNvPr id="75" name="テキスト ボックス 74"/>
+            <p:cNvSpPr txBox="1"/>
+            <p:nvPr/>
+          </p:nvSpPr>
+          <p:spPr>
+            <a:xfrm>
+              <a:off x="7403816" y="1012394"/>
+              <a:ext cx="1625151" cy="369332"/>
+            </a:xfrm>
+            <a:prstGeom prst="rect">
+              <a:avLst/>
+            </a:prstGeom>
+            <a:noFill/>
+          </p:spPr>
+          <p:txBody>
+            <a:bodyPr wrap="square" rtlCol="0">
+              <a:spAutoFit/>
+            </a:bodyPr>
+            <a:lstStyle/>
+            <a:p>
+              <a:r>
+                <a:rPr lang="ja-JP" altLang="en-US" dirty="0" smtClean="0"/>
+                <a:t>テストデータ</a:t>
+              </a:r>
+              <a:endParaRPr kumimoji="1" lang="ja-JP" altLang="en-US" dirty="0"/>
+            </a:p>
+          </p:txBody>
+        </p:sp>
+      </p:grpSp>
+      <p:sp>
+        <p:nvSpPr>
+          <p:cNvPr id="78" name="テキスト ボックス 77"/>
+          <p:cNvSpPr txBox="1"/>
+          <p:nvPr/>
+        </p:nvSpPr>
+        <p:spPr>
+          <a:xfrm>
+            <a:off x="696006" y="738930"/>
+            <a:ext cx="3575018" cy="369332"/>
+          </a:xfrm>
+          <a:prstGeom prst="rect">
+            <a:avLst/>
+          </a:prstGeom>
+          <a:noFill/>
+        </p:spPr>
+        <p:txBody>
+          <a:bodyPr wrap="none" rtlCol="0">
+            <a:spAutoFit/>
+          </a:bodyPr>
+          <a:lstStyle/>
+          <a:p>
+            <a:r>
+              <a:rPr kumimoji="1" lang="ja-JP" altLang="en-US" dirty="0" smtClean="0"/>
+              <a:t>訓練データは完璧に再現するが</a:t>
+            </a:r>
+            <a:r>
+              <a:rPr kumimoji="1" lang="en-US" altLang="ja-JP" dirty="0" smtClean="0"/>
+              <a:t>…</a:t>
+            </a:r>
+            <a:endParaRPr kumimoji="1" lang="ja-JP" altLang="en-US" dirty="0"/>
+          </a:p>
+        </p:txBody>
+      </p:sp>
+      <p:sp>
+        <p:nvSpPr>
+          <p:cNvPr id="79" name="テキスト ボックス 78"/>
+          <p:cNvSpPr txBox="1"/>
+          <p:nvPr/>
+        </p:nvSpPr>
+        <p:spPr>
+          <a:xfrm>
+            <a:off x="5650217" y="734186"/>
+            <a:ext cx="3185487" cy="369332"/>
+          </a:xfrm>
+          <a:prstGeom prst="rect">
+            <a:avLst/>
+          </a:prstGeom>
+          <a:noFill/>
+        </p:spPr>
+        <p:txBody>
+          <a:bodyPr wrap="none" rtlCol="0">
+            <a:spAutoFit/>
+          </a:bodyPr>
+          <a:lstStyle/>
+          <a:p>
+            <a:r>
+              <a:rPr lang="ja-JP" altLang="en-US" dirty="0" smtClean="0"/>
+              <a:t>テストデータが全然合わない</a:t>
+            </a:r>
+            <a:endParaRPr kumimoji="1" lang="ja-JP" altLang="en-US" dirty="0"/>
+          </a:p>
+        </p:txBody>
+      </p:sp>
+      <p:sp>
+        <p:nvSpPr>
+          <p:cNvPr id="81" name="テキスト ボックス 80"/>
+          <p:cNvSpPr txBox="1"/>
+          <p:nvPr/>
+        </p:nvSpPr>
+        <p:spPr>
+          <a:xfrm>
+            <a:off x="4445309" y="5537114"/>
+            <a:ext cx="2492990" cy="369332"/>
+          </a:xfrm>
+          <a:prstGeom prst="rect">
+            <a:avLst/>
+          </a:prstGeom>
+          <a:noFill/>
+        </p:spPr>
+        <p:txBody>
+          <a:bodyPr wrap="none" rtlCol="0">
+            <a:spAutoFit/>
+          </a:bodyPr>
+          <a:lstStyle/>
+          <a:p>
+            <a:r>
+              <a:rPr lang="ja-JP" altLang="en-US" dirty="0" smtClean="0"/>
+              <a:t>実はこんな関数だった</a:t>
+            </a:r>
+            <a:endParaRPr kumimoji="1" lang="ja-JP" altLang="en-US" dirty="0"/>
+          </a:p>
+        </p:txBody>
+      </p:sp>
+    </p:spTree>
+    <p:extLst>
+      <p:ext uri="{BB962C8B-B14F-4D97-AF65-F5344CB8AC3E}">
+        <p14:creationId xmlns:p14="http://schemas.microsoft.com/office/powerpoint/2010/main" val="2678024133"/>
+      </p:ext>
+    </p:extLst>
+  </p:cSld>
+  <p:clrMapOvr>
+    <a:masterClrMapping/>
+  </p:clrMapOvr>
+</p:sld>
+</file>
+
+<file path=ppt/slides/slide4.xml><?xml version="1.0" encoding="utf-8"?>
 <p:sld xmlns:a="http://schemas.openxmlformats.org/drawingml/2006/main" xmlns:r="http://schemas.openxmlformats.org/officeDocument/2006/relationships" xmlns:p="http://schemas.openxmlformats.org/presentationml/2006/main">
   <p:cSld>
     <p:spTree>

--- a/gan/fig/fig.pptx
+++ b/gan/fig/fig.pptx
@@ -9,6 +9,7 @@
     <p:sldId id="259" r:id="rId3"/>
     <p:sldId id="260" r:id="rId4"/>
     <p:sldId id="256" r:id="rId5"/>
+    <p:sldId id="261" r:id="rId6"/>
   </p:sldIdLst>
   <p:sldSz cx="9144000" cy="6858000" type="screen4x3"/>
   <p:notesSz cx="6858000" cy="9144000"/>
@@ -3039,12 +3040,8 @@
           <a:lstStyle/>
           <a:p>
             <a:r>
-              <a:rPr lang="ja-JP" altLang="en-US" sz="2400" dirty="0" smtClean="0"/>
-              <a:t>データ</a:t>
-            </a:r>
-            <a:r>
               <a:rPr lang="ja-JP" altLang="en-US" sz="2400" dirty="0"/>
-              <a:t>セット</a:t>
+              <a:t>データセット</a:t>
             </a:r>
             <a:endParaRPr kumimoji="1" lang="ja-JP" altLang="en-US" sz="2400" dirty="0"/>
           </a:p>
@@ -3626,8 +3623,8 @@
           </a:p>
         </p:txBody>
       </p:sp>
-      <mc:AlternateContent xmlns:mc="http://schemas.openxmlformats.org/markup-compatibility/2006">
-        <mc:Choice xmlns:a14="http://schemas.microsoft.com/office/drawing/2010/main" Requires="a14">
+      <mc:AlternateContent xmlns:mc="http://schemas.openxmlformats.org/markup-compatibility/2006" xmlns:a14="http://schemas.microsoft.com/office/drawing/2010/main">
+        <mc:Choice Requires="a14">
           <p:sp>
             <p:nvSpPr>
               <p:cNvPr id="23" name="テキスト ボックス 22">
@@ -3696,7 +3693,7 @@
             </p:txBody>
           </p:sp>
         </mc:Choice>
-        <mc:Fallback>
+        <mc:Fallback xmlns="">
           <p:sp>
             <p:nvSpPr>
               <p:cNvPr id="23" name="テキスト ボックス 22">
@@ -3741,8 +3738,8 @@
           </p:sp>
         </mc:Fallback>
       </mc:AlternateContent>
-      <mc:AlternateContent xmlns:mc="http://schemas.openxmlformats.org/markup-compatibility/2006">
-        <mc:Choice xmlns:a14="http://schemas.microsoft.com/office/drawing/2010/main" Requires="a14">
+      <mc:AlternateContent xmlns:mc="http://schemas.openxmlformats.org/markup-compatibility/2006" xmlns:a14="http://schemas.microsoft.com/office/drawing/2010/main">
+        <mc:Choice Requires="a14">
           <p:sp>
             <p:nvSpPr>
               <p:cNvPr id="24" name="テキスト ボックス 23">
@@ -3811,7 +3808,7 @@
             </p:txBody>
           </p:sp>
         </mc:Choice>
-        <mc:Fallback>
+        <mc:Fallback xmlns="">
           <p:sp>
             <p:nvSpPr>
               <p:cNvPr id="24" name="テキスト ボックス 23">
@@ -3987,10 +3984,9 @@
           <a:lstStyle/>
           <a:p>
             <a:r>
-              <a:rPr kumimoji="1" lang="ja-JP" altLang="en-US" sz="2400" dirty="0" smtClean="0"/>
+              <a:rPr kumimoji="1" lang="ja-JP" altLang="en-US" sz="2400" dirty="0"/>
               <a:t>訓練データ</a:t>
             </a:r>
-            <a:endParaRPr kumimoji="1" lang="ja-JP" altLang="en-US" sz="2400" dirty="0"/>
           </a:p>
         </p:txBody>
       </p:sp>
@@ -4021,10 +4017,9 @@
               <a:t>テスト</a:t>
             </a:r>
             <a:r>
-              <a:rPr kumimoji="1" lang="ja-JP" altLang="en-US" sz="2400" dirty="0" smtClean="0"/>
+              <a:rPr kumimoji="1" lang="ja-JP" altLang="en-US" sz="2400" dirty="0"/>
               <a:t>データ</a:t>
             </a:r>
-            <a:endParaRPr kumimoji="1" lang="ja-JP" altLang="en-US" sz="2400" dirty="0"/>
           </a:p>
         </p:txBody>
       </p:sp>
@@ -4051,10 +4046,9 @@
           <a:lstStyle/>
           <a:p>
             <a:r>
-              <a:rPr kumimoji="1" lang="ja-JP" altLang="en-US" dirty="0" smtClean="0"/>
+              <a:rPr kumimoji="1" lang="ja-JP" altLang="en-US" dirty="0"/>
               <a:t>赤い点で傾きを決める</a:t>
             </a:r>
-            <a:endParaRPr kumimoji="1" lang="ja-JP" altLang="en-US" dirty="0"/>
           </a:p>
         </p:txBody>
       </p:sp>
@@ -4081,12 +4075,8 @@
           <a:lstStyle/>
           <a:p>
             <a:r>
-              <a:rPr lang="ja-JP" altLang="en-US" dirty="0" smtClean="0"/>
-              <a:t>訓練</a:t>
-            </a:r>
-            <a:r>
               <a:rPr lang="ja-JP" altLang="en-US" dirty="0"/>
-              <a:t>誤差</a:t>
+              <a:t>訓練誤差</a:t>
             </a:r>
             <a:endParaRPr kumimoji="1" lang="ja-JP" altLang="en-US" dirty="0"/>
           </a:p>
@@ -4447,8 +4437,8 @@
           </a:fontRef>
         </p:style>
       </p:cxnSp>
-      <mc:AlternateContent xmlns:mc="http://schemas.openxmlformats.org/markup-compatibility/2006">
-        <mc:Choice xmlns:a14="http://schemas.microsoft.com/office/drawing/2010/main" Requires="a14">
+      <mc:AlternateContent xmlns:mc="http://schemas.openxmlformats.org/markup-compatibility/2006" xmlns:a14="http://schemas.microsoft.com/office/drawing/2010/main">
+        <mc:Choice Requires="a14">
           <p:sp>
             <p:nvSpPr>
               <p:cNvPr id="55" name="テキスト ボックス 54">
@@ -4517,7 +4507,7 @@
             </p:txBody>
           </p:sp>
         </mc:Choice>
-        <mc:Fallback>
+        <mc:Fallback xmlns="">
           <p:sp>
             <p:nvSpPr>
               <p:cNvPr id="55" name="テキスト ボックス 54">
@@ -4562,8 +4552,8 @@
           </p:sp>
         </mc:Fallback>
       </mc:AlternateContent>
-      <mc:AlternateContent xmlns:mc="http://schemas.openxmlformats.org/markup-compatibility/2006">
-        <mc:Choice xmlns:a14="http://schemas.microsoft.com/office/drawing/2010/main" Requires="a14">
+      <mc:AlternateContent xmlns:mc="http://schemas.openxmlformats.org/markup-compatibility/2006" xmlns:a14="http://schemas.microsoft.com/office/drawing/2010/main">
+        <mc:Choice Requires="a14">
           <p:sp>
             <p:nvSpPr>
               <p:cNvPr id="56" name="テキスト ボックス 55">
@@ -4632,7 +4622,7 @@
             </p:txBody>
           </p:sp>
         </mc:Choice>
-        <mc:Fallback>
+        <mc:Fallback xmlns="">
           <p:sp>
             <p:nvSpPr>
               <p:cNvPr id="56" name="テキスト ボックス 55">
@@ -4704,10 +4694,9 @@
               <a:t>青</a:t>
             </a:r>
             <a:r>
-              <a:rPr kumimoji="1" lang="ja-JP" altLang="en-US" dirty="0" smtClean="0"/>
+              <a:rPr kumimoji="1" lang="ja-JP" altLang="en-US" dirty="0"/>
               <a:t>い点でモデルの精度を確認</a:t>
             </a:r>
-            <a:endParaRPr kumimoji="1" lang="ja-JP" altLang="en-US" dirty="0"/>
           </a:p>
         </p:txBody>
       </p:sp>
@@ -4734,7 +4723,7 @@
           <a:lstStyle/>
           <a:p>
             <a:r>
-              <a:rPr lang="ja-JP" altLang="en-US" dirty="0" smtClean="0"/>
+              <a:rPr lang="ja-JP" altLang="en-US" dirty="0"/>
               <a:t>汎化誤差</a:t>
             </a:r>
             <a:endParaRPr kumimoji="1" lang="ja-JP" altLang="en-US" dirty="0"/>
@@ -5298,10 +5287,9 @@
           <a:lstStyle/>
           <a:p>
             <a:r>
-              <a:rPr kumimoji="1" lang="ja-JP" altLang="en-US" sz="3200" dirty="0" smtClean="0"/>
+              <a:rPr kumimoji="1" lang="ja-JP" altLang="en-US" sz="3200" dirty="0"/>
               <a:t>過学習</a:t>
             </a:r>
-            <a:endParaRPr kumimoji="1" lang="ja-JP" altLang="en-US" sz="3200" dirty="0"/>
           </a:p>
         </p:txBody>
       </p:sp>
@@ -5441,8 +5429,8 @@
             </a:p>
           </p:txBody>
         </p:sp>
-        <mc:AlternateContent xmlns:mc="http://schemas.openxmlformats.org/markup-compatibility/2006">
-          <mc:Choice xmlns:a14="http://schemas.microsoft.com/office/drawing/2010/main" Requires="a14">
+        <mc:AlternateContent xmlns:mc="http://schemas.openxmlformats.org/markup-compatibility/2006" xmlns:a14="http://schemas.microsoft.com/office/drawing/2010/main">
+          <mc:Choice Requires="a14">
             <p:sp>
               <p:nvSpPr>
                 <p:cNvPr id="34" name="テキスト ボックス 33">
@@ -5511,7 +5499,7 @@
               </p:txBody>
             </p:sp>
           </mc:Choice>
-          <mc:Fallback>
+          <mc:Fallback xmlns="">
             <p:sp>
               <p:nvSpPr>
                 <p:cNvPr id="34" name="テキスト ボックス 33">
@@ -5556,8 +5544,8 @@
             </p:sp>
           </mc:Fallback>
         </mc:AlternateContent>
-        <mc:AlternateContent xmlns:mc="http://schemas.openxmlformats.org/markup-compatibility/2006">
-          <mc:Choice xmlns:a14="http://schemas.microsoft.com/office/drawing/2010/main" Requires="a14">
+        <mc:AlternateContent xmlns:mc="http://schemas.openxmlformats.org/markup-compatibility/2006" xmlns:a14="http://schemas.microsoft.com/office/drawing/2010/main">
+          <mc:Choice Requires="a14">
             <p:sp>
               <p:nvSpPr>
                 <p:cNvPr id="35" name="テキスト ボックス 34">
@@ -5626,7 +5614,7 @@
               </p:txBody>
             </p:sp>
           </mc:Choice>
-          <mc:Fallback>
+          <mc:Fallback xmlns="">
             <p:sp>
               <p:nvSpPr>
                 <p:cNvPr id="35" name="テキスト ボックス 34">
@@ -6162,8 +6150,8 @@
             </a:p>
           </p:txBody>
         </p:sp>
-        <mc:AlternateContent xmlns:mc="http://schemas.openxmlformats.org/markup-compatibility/2006">
-          <mc:Choice xmlns:a14="http://schemas.microsoft.com/office/drawing/2010/main" Requires="a14">
+        <mc:AlternateContent xmlns:mc="http://schemas.openxmlformats.org/markup-compatibility/2006" xmlns:a14="http://schemas.microsoft.com/office/drawing/2010/main">
+          <mc:Choice Requires="a14">
             <p:sp>
               <p:nvSpPr>
                 <p:cNvPr id="23" name="テキスト ボックス 22">
@@ -6232,7 +6220,7 @@
               </p:txBody>
             </p:sp>
           </mc:Choice>
-          <mc:Fallback>
+          <mc:Fallback xmlns="">
             <p:sp>
               <p:nvSpPr>
                 <p:cNvPr id="23" name="テキスト ボックス 22">
@@ -6277,8 +6265,8 @@
             </p:sp>
           </mc:Fallback>
         </mc:AlternateContent>
-        <mc:AlternateContent xmlns:mc="http://schemas.openxmlformats.org/markup-compatibility/2006">
-          <mc:Choice xmlns:a14="http://schemas.microsoft.com/office/drawing/2010/main" Requires="a14">
+        <mc:AlternateContent xmlns:mc="http://schemas.openxmlformats.org/markup-compatibility/2006" xmlns:a14="http://schemas.microsoft.com/office/drawing/2010/main">
+          <mc:Choice Requires="a14">
             <p:sp>
               <p:nvSpPr>
                 <p:cNvPr id="24" name="テキスト ボックス 23">
@@ -6347,7 +6335,7 @@
               </p:txBody>
             </p:sp>
           </mc:Choice>
-          <mc:Fallback>
+          <mc:Fallback xmlns="">
             <p:sp>
               <p:nvSpPr>
                 <p:cNvPr id="24" name="テキスト ボックス 23">
@@ -6829,7 +6817,7 @@
             <a:lstStyle/>
             <a:p>
               <a:r>
-                <a:rPr lang="ja-JP" altLang="en-US" dirty="0" smtClean="0"/>
+                <a:rPr lang="ja-JP" altLang="en-US" dirty="0"/>
                 <a:t>入力</a:t>
               </a:r>
               <a:endParaRPr kumimoji="1" lang="ja-JP" altLang="en-US" dirty="0"/>
@@ -7023,8 +7011,8 @@
               </a:p>
             </p:txBody>
           </p:sp>
-          <mc:AlternateContent xmlns:mc="http://schemas.openxmlformats.org/markup-compatibility/2006">
-            <mc:Choice xmlns:a14="http://schemas.microsoft.com/office/drawing/2010/main" Requires="a14">
+          <mc:AlternateContent xmlns:mc="http://schemas.openxmlformats.org/markup-compatibility/2006" xmlns:a14="http://schemas.microsoft.com/office/drawing/2010/main">
+            <mc:Choice Requires="a14">
               <p:sp>
                 <p:nvSpPr>
                   <p:cNvPr id="48" name="テキスト ボックス 47">
@@ -7093,7 +7081,7 @@
                 </p:txBody>
               </p:sp>
             </mc:Choice>
-            <mc:Fallback>
+            <mc:Fallback xmlns="">
               <p:sp>
                 <p:nvSpPr>
                   <p:cNvPr id="48" name="テキスト ボックス 47">
@@ -7138,8 +7126,8 @@
               </p:sp>
             </mc:Fallback>
           </mc:AlternateContent>
-          <mc:AlternateContent xmlns:mc="http://schemas.openxmlformats.org/markup-compatibility/2006">
-            <mc:Choice xmlns:a14="http://schemas.microsoft.com/office/drawing/2010/main" Requires="a14">
+          <mc:AlternateContent xmlns:mc="http://schemas.openxmlformats.org/markup-compatibility/2006" xmlns:a14="http://schemas.microsoft.com/office/drawing/2010/main">
+            <mc:Choice Requires="a14">
               <p:sp>
                 <p:nvSpPr>
                   <p:cNvPr id="49" name="テキスト ボックス 48">
@@ -7208,7 +7196,7 @@
                 </p:txBody>
               </p:sp>
             </mc:Choice>
-            <mc:Fallback>
+            <mc:Fallback xmlns="">
               <p:sp>
                 <p:nvSpPr>
                   <p:cNvPr id="49" name="テキスト ボックス 48">
@@ -7720,7 +7708,7 @@
               <a:lstStyle/>
               <a:p>
                 <a:r>
-                  <a:rPr lang="ja-JP" altLang="en-US" sz="1400" dirty="0" smtClean="0"/>
+                  <a:rPr lang="ja-JP" altLang="en-US" sz="1400" dirty="0"/>
                   <a:t>入力</a:t>
                 </a:r>
                 <a:endParaRPr kumimoji="1" lang="ja-JP" altLang="en-US" sz="1400" dirty="0"/>
@@ -7868,12 +7856,8 @@
             <a:lstStyle/>
             <a:p>
               <a:r>
-                <a:rPr lang="ja-JP" altLang="en-US" dirty="0" smtClean="0"/>
-                <a:t>訓練</a:t>
-              </a:r>
-              <a:r>
                 <a:rPr lang="ja-JP" altLang="en-US" dirty="0"/>
-                <a:t>データ</a:t>
+                <a:t>訓練データ</a:t>
               </a:r>
               <a:endParaRPr kumimoji="1" lang="ja-JP" altLang="en-US" dirty="0"/>
             </a:p>
@@ -8002,7 +7986,7 @@
             <a:lstStyle/>
             <a:p>
               <a:r>
-                <a:rPr lang="ja-JP" altLang="en-US" dirty="0" smtClean="0"/>
+                <a:rPr lang="ja-JP" altLang="en-US" dirty="0"/>
                 <a:t>テストデータ</a:t>
               </a:r>
               <a:endParaRPr kumimoji="1" lang="ja-JP" altLang="en-US" dirty="0"/>
@@ -8033,11 +8017,11 @@
           <a:lstStyle/>
           <a:p>
             <a:r>
-              <a:rPr kumimoji="1" lang="ja-JP" altLang="en-US" dirty="0" smtClean="0"/>
+              <a:rPr kumimoji="1" lang="ja-JP" altLang="en-US" dirty="0"/>
               <a:t>訓練データは完璧に再現するが</a:t>
             </a:r>
             <a:r>
-              <a:rPr kumimoji="1" lang="en-US" altLang="ja-JP" dirty="0" smtClean="0"/>
+              <a:rPr kumimoji="1" lang="en-US" altLang="ja-JP" dirty="0"/>
               <a:t>…</a:t>
             </a:r>
             <a:endParaRPr kumimoji="1" lang="ja-JP" altLang="en-US" dirty="0"/>
@@ -8067,7 +8051,7 @@
           <a:lstStyle/>
           <a:p>
             <a:r>
-              <a:rPr lang="ja-JP" altLang="en-US" dirty="0" smtClean="0"/>
+              <a:rPr lang="ja-JP" altLang="en-US" dirty="0"/>
               <a:t>テストデータが全然合わない</a:t>
             </a:r>
             <a:endParaRPr kumimoji="1" lang="ja-JP" altLang="en-US" dirty="0"/>
@@ -8097,7 +8081,7 @@
           <a:lstStyle/>
           <a:p>
             <a:r>
-              <a:rPr lang="ja-JP" altLang="en-US" dirty="0" smtClean="0"/>
+              <a:rPr lang="ja-JP" altLang="en-US" dirty="0"/>
               <a:t>実はこんな関数だった</a:t>
             </a:r>
             <a:endParaRPr kumimoji="1" lang="ja-JP" altLang="en-US" dirty="0"/>
@@ -8646,6 +8630,574 @@
     <p:extLst>
       <p:ext uri="{BB962C8B-B14F-4D97-AF65-F5344CB8AC3E}">
         <p14:creationId xmlns:p14="http://schemas.microsoft.com/office/powerpoint/2010/main" val="3131229276"/>
+      </p:ext>
+    </p:extLst>
+  </p:cSld>
+  <p:clrMapOvr>
+    <a:masterClrMapping/>
+  </p:clrMapOvr>
+</p:sld>
+</file>
+
+<file path=ppt/slides/slide5.xml><?xml version="1.0" encoding="utf-8"?>
+<p:sld xmlns:a="http://schemas.openxmlformats.org/drawingml/2006/main" xmlns:r="http://schemas.openxmlformats.org/officeDocument/2006/relationships" xmlns:p="http://schemas.openxmlformats.org/presentationml/2006/main">
+  <p:cSld>
+    <p:spTree>
+      <p:nvGrpSpPr>
+        <p:cNvPr id="1" name=""/>
+        <p:cNvGrpSpPr/>
+        <p:nvPr/>
+      </p:nvGrpSpPr>
+      <p:grpSpPr>
+        <a:xfrm>
+          <a:off x="0" y="0"/>
+          <a:ext cx="0" cy="0"/>
+          <a:chOff x="0" y="0"/>
+          <a:chExt cx="0" cy="0"/>
+        </a:xfrm>
+      </p:grpSpPr>
+      <p:sp>
+        <p:nvSpPr>
+          <p:cNvPr id="2" name="テキスト ボックス 1">
+            <a:extLst>
+              <a:ext uri="{FF2B5EF4-FFF2-40B4-BE49-F238E27FC236}">
+                <a16:creationId xmlns:a16="http://schemas.microsoft.com/office/drawing/2014/main" id="{0D54F7A3-32F6-244C-A720-A82DE92B8364}"/>
+              </a:ext>
+            </a:extLst>
+          </p:cNvPr>
+          <p:cNvSpPr txBox="1"/>
+          <p:nvPr/>
+        </p:nvSpPr>
+        <p:spPr>
+          <a:xfrm>
+            <a:off x="752236" y="3677920"/>
+            <a:ext cx="1284839" cy="646331"/>
+          </a:xfrm>
+          <a:prstGeom prst="rect">
+            <a:avLst/>
+          </a:prstGeom>
+          <a:noFill/>
+        </p:spPr>
+        <p:txBody>
+          <a:bodyPr wrap="none" rtlCol="0">
+            <a:spAutoFit/>
+          </a:bodyPr>
+          <a:lstStyle/>
+          <a:p>
+            <a:pPr algn="ctr"/>
+            <a:r>
+              <a:rPr lang="ja-JP" altLang="en-US"/>
+              <a:t>偽造者</a:t>
+            </a:r>
+            <a:endParaRPr kumimoji="1" lang="en-US" altLang="ja-JP"/>
+          </a:p>
+          <a:p>
+            <a:pPr algn="ctr"/>
+            <a:r>
+              <a:rPr lang="en-US" altLang="ja-JP"/>
+              <a:t>(Generator)</a:t>
+            </a:r>
+            <a:endParaRPr kumimoji="1" lang="en-US" altLang="ja-JP"/>
+          </a:p>
+        </p:txBody>
+      </p:sp>
+      <p:pic>
+        <p:nvPicPr>
+          <p:cNvPr id="3" name="図 2">
+            <a:extLst>
+              <a:ext uri="{FF2B5EF4-FFF2-40B4-BE49-F238E27FC236}">
+                <a16:creationId xmlns:a16="http://schemas.microsoft.com/office/drawing/2014/main" id="{4A6DE5C2-C689-4640-8F4C-7EC7E10E2C9A}"/>
+              </a:ext>
+            </a:extLst>
+          </p:cNvPr>
+          <p:cNvPicPr>
+            <a:picLocks noChangeAspect="1"/>
+          </p:cNvPicPr>
+          <p:nvPr/>
+        </p:nvPicPr>
+        <p:blipFill>
+          <a:blip r:embed="rId2"/>
+          <a:stretch>
+            <a:fillRect/>
+          </a:stretch>
+        </p:blipFill>
+        <p:spPr>
+          <a:xfrm>
+            <a:off x="365760" y="4348480"/>
+            <a:ext cx="2286000" cy="2068830"/>
+          </a:xfrm>
+          <a:prstGeom prst="rect">
+            <a:avLst/>
+          </a:prstGeom>
+        </p:spPr>
+      </p:pic>
+      <p:pic>
+        <p:nvPicPr>
+          <p:cNvPr id="4" name="図 3">
+            <a:extLst>
+              <a:ext uri="{FF2B5EF4-FFF2-40B4-BE49-F238E27FC236}">
+                <a16:creationId xmlns:a16="http://schemas.microsoft.com/office/drawing/2014/main" id="{23BC0BEE-6736-3445-8881-D49B6633481A}"/>
+              </a:ext>
+            </a:extLst>
+          </p:cNvPr>
+          <p:cNvPicPr>
+            <a:picLocks noChangeAspect="1"/>
+          </p:cNvPicPr>
+          <p:nvPr/>
+        </p:nvPicPr>
+        <p:blipFill>
+          <a:blip r:embed="rId3"/>
+          <a:stretch>
+            <a:fillRect/>
+          </a:stretch>
+        </p:blipFill>
+        <p:spPr>
+          <a:xfrm>
+            <a:off x="156210" y="1849120"/>
+            <a:ext cx="1479712" cy="1032510"/>
+          </a:xfrm>
+          <a:prstGeom prst="rect">
+            <a:avLst/>
+          </a:prstGeom>
+        </p:spPr>
+      </p:pic>
+      <p:sp>
+        <p:nvSpPr>
+          <p:cNvPr id="5" name="テキスト ボックス 4">
+            <a:extLst>
+              <a:ext uri="{FF2B5EF4-FFF2-40B4-BE49-F238E27FC236}">
+                <a16:creationId xmlns:a16="http://schemas.microsoft.com/office/drawing/2014/main" id="{61E5274B-D93C-0040-89DF-84BB8B185276}"/>
+              </a:ext>
+            </a:extLst>
+          </p:cNvPr>
+          <p:cNvSpPr txBox="1"/>
+          <p:nvPr/>
+        </p:nvSpPr>
+        <p:spPr>
+          <a:xfrm>
+            <a:off x="626660" y="1016000"/>
+            <a:ext cx="1495346" cy="646331"/>
+          </a:xfrm>
+          <a:prstGeom prst="rect">
+            <a:avLst/>
+          </a:prstGeom>
+          <a:noFill/>
+        </p:spPr>
+        <p:txBody>
+          <a:bodyPr wrap="none" rtlCol="0">
+            <a:spAutoFit/>
+          </a:bodyPr>
+          <a:lstStyle/>
+          <a:p>
+            <a:pPr algn="ctr"/>
+            <a:r>
+              <a:rPr kumimoji="1" lang="ja-JP" altLang="en-US"/>
+              <a:t>博物館</a:t>
+            </a:r>
+            <a:endParaRPr kumimoji="1" lang="en-US" altLang="ja-JP"/>
+          </a:p>
+          <a:p>
+            <a:pPr algn="ctr"/>
+            <a:r>
+              <a:rPr lang="en-US" altLang="ja-JP"/>
+              <a:t>(Real Dataset)</a:t>
+            </a:r>
+            <a:endParaRPr kumimoji="1" lang="ja-JP" altLang="en-US"/>
+          </a:p>
+        </p:txBody>
+      </p:sp>
+      <p:pic>
+        <p:nvPicPr>
+          <p:cNvPr id="6" name="図 5">
+            <a:extLst>
+              <a:ext uri="{FF2B5EF4-FFF2-40B4-BE49-F238E27FC236}">
+                <a16:creationId xmlns:a16="http://schemas.microsoft.com/office/drawing/2014/main" id="{1F8AEC57-B6CF-E649-B919-B28A66D8830F}"/>
+              </a:ext>
+            </a:extLst>
+          </p:cNvPr>
+          <p:cNvPicPr>
+            <a:picLocks noChangeAspect="1"/>
+          </p:cNvPicPr>
+          <p:nvPr/>
+        </p:nvPicPr>
+        <p:blipFill>
+          <a:blip r:embed="rId4"/>
+          <a:stretch>
+            <a:fillRect/>
+          </a:stretch>
+        </p:blipFill>
+        <p:spPr>
+          <a:xfrm>
+            <a:off x="1700530" y="1778000"/>
+            <a:ext cx="915755" cy="1219200"/>
+          </a:xfrm>
+          <a:prstGeom prst="rect">
+            <a:avLst/>
+          </a:prstGeom>
+        </p:spPr>
+      </p:pic>
+      <p:pic>
+        <p:nvPicPr>
+          <p:cNvPr id="7" name="図 6">
+            <a:extLst>
+              <a:ext uri="{FF2B5EF4-FFF2-40B4-BE49-F238E27FC236}">
+                <a16:creationId xmlns:a16="http://schemas.microsoft.com/office/drawing/2014/main" id="{E13ECE98-560E-C340-8AA7-CCBA675DB744}"/>
+              </a:ext>
+            </a:extLst>
+          </p:cNvPr>
+          <p:cNvPicPr>
+            <a:picLocks noChangeAspect="1"/>
+          </p:cNvPicPr>
+          <p:nvPr/>
+        </p:nvPicPr>
+        <p:blipFill>
+          <a:blip r:embed="rId5"/>
+          <a:stretch>
+            <a:fillRect/>
+          </a:stretch>
+        </p:blipFill>
+        <p:spPr>
+          <a:xfrm flipH="1">
+            <a:off x="6878320" y="2753360"/>
+            <a:ext cx="1150620" cy="1534160"/>
+          </a:xfrm>
+          <a:prstGeom prst="rect">
+            <a:avLst/>
+          </a:prstGeom>
+        </p:spPr>
+      </p:pic>
+      <p:sp>
+        <p:nvSpPr>
+          <p:cNvPr id="8" name="テキスト ボックス 7">
+            <a:extLst>
+              <a:ext uri="{FF2B5EF4-FFF2-40B4-BE49-F238E27FC236}">
+                <a16:creationId xmlns:a16="http://schemas.microsoft.com/office/drawing/2014/main" id="{45D38B88-9940-DD40-8ED9-60A0CCAE0869}"/>
+              </a:ext>
+            </a:extLst>
+          </p:cNvPr>
+          <p:cNvSpPr txBox="1"/>
+          <p:nvPr/>
+        </p:nvSpPr>
+        <p:spPr>
+          <a:xfrm>
+            <a:off x="6656944" y="1869440"/>
+            <a:ext cx="1586140" cy="646331"/>
+          </a:xfrm>
+          <a:prstGeom prst="rect">
+            <a:avLst/>
+          </a:prstGeom>
+          <a:noFill/>
+        </p:spPr>
+        <p:txBody>
+          <a:bodyPr wrap="none" rtlCol="0">
+            <a:spAutoFit/>
+          </a:bodyPr>
+          <a:lstStyle/>
+          <a:p>
+            <a:pPr algn="ctr"/>
+            <a:r>
+              <a:rPr kumimoji="1" lang="ja-JP" altLang="en-US"/>
+              <a:t>鑑定者</a:t>
+            </a:r>
+            <a:endParaRPr kumimoji="1" lang="en-US" altLang="ja-JP"/>
+          </a:p>
+          <a:p>
+            <a:pPr algn="ctr"/>
+            <a:r>
+              <a:rPr lang="en-US" altLang="ja-JP"/>
+              <a:t>(Discriminator)</a:t>
+            </a:r>
+            <a:endParaRPr kumimoji="1" lang="ja-JP" altLang="en-US"/>
+          </a:p>
+        </p:txBody>
+      </p:sp>
+      <p:sp>
+        <p:nvSpPr>
+          <p:cNvPr id="9" name="正方形/長方形 8">
+            <a:extLst>
+              <a:ext uri="{FF2B5EF4-FFF2-40B4-BE49-F238E27FC236}">
+                <a16:creationId xmlns:a16="http://schemas.microsoft.com/office/drawing/2014/main" id="{B13E346D-DF5C-D24F-958C-AC1AB9B62904}"/>
+              </a:ext>
+            </a:extLst>
+          </p:cNvPr>
+          <p:cNvSpPr/>
+          <p:nvPr/>
+        </p:nvSpPr>
+        <p:spPr>
+          <a:xfrm>
+            <a:off x="6245081" y="4443214"/>
+            <a:ext cx="2492990" cy="646331"/>
+          </a:xfrm>
+          <a:prstGeom prst="rect">
+            <a:avLst/>
+          </a:prstGeom>
+        </p:spPr>
+        <p:txBody>
+          <a:bodyPr wrap="none">
+            <a:spAutoFit/>
+          </a:bodyPr>
+          <a:lstStyle/>
+          <a:p>
+            <a:r>
+              <a:rPr lang="ja-JP" altLang="en-US"/>
+              <a:t>提供されたデータが</a:t>
+            </a:r>
+            <a:endParaRPr lang="en-US" altLang="ja-JP"/>
+          </a:p>
+          <a:p>
+            <a:r>
+              <a:rPr lang="ja-JP" altLang="en-US"/>
+              <a:t>本物か偽物か見分ける</a:t>
+            </a:r>
+          </a:p>
+        </p:txBody>
+      </p:sp>
+      <p:sp>
+        <p:nvSpPr>
+          <p:cNvPr id="11" name="正方形/長方形 10">
+            <a:extLst>
+              <a:ext uri="{FF2B5EF4-FFF2-40B4-BE49-F238E27FC236}">
+                <a16:creationId xmlns:a16="http://schemas.microsoft.com/office/drawing/2014/main" id="{2A06BE2D-D706-AA4F-A589-83258407FA68}"/>
+              </a:ext>
+            </a:extLst>
+          </p:cNvPr>
+          <p:cNvSpPr/>
+          <p:nvPr/>
+        </p:nvSpPr>
+        <p:spPr>
+          <a:xfrm>
+            <a:off x="2739881" y="4514334"/>
+            <a:ext cx="2262158" cy="369332"/>
+          </a:xfrm>
+          <a:prstGeom prst="rect">
+            <a:avLst/>
+          </a:prstGeom>
+        </p:spPr>
+        <p:txBody>
+          <a:bodyPr wrap="none">
+            <a:spAutoFit/>
+          </a:bodyPr>
+          <a:lstStyle/>
+          <a:p>
+            <a:pPr algn="ctr"/>
+            <a:r>
+              <a:rPr lang="ja-JP" altLang="en-US"/>
+              <a:t>ニセのデータを生成</a:t>
+            </a:r>
+          </a:p>
+        </p:txBody>
+      </p:sp>
+      <p:sp>
+        <p:nvSpPr>
+          <p:cNvPr id="12" name="正方形/長方形 11">
+            <a:extLst>
+              <a:ext uri="{FF2B5EF4-FFF2-40B4-BE49-F238E27FC236}">
+                <a16:creationId xmlns:a16="http://schemas.microsoft.com/office/drawing/2014/main" id="{B7EDBD7E-F963-1B4A-8D11-5568009E7DA4}"/>
+              </a:ext>
+            </a:extLst>
+          </p:cNvPr>
+          <p:cNvSpPr/>
+          <p:nvPr/>
+        </p:nvSpPr>
+        <p:spPr>
+          <a:xfrm>
+            <a:off x="2678921" y="2004814"/>
+            <a:ext cx="2262158" cy="369332"/>
+          </a:xfrm>
+          <a:prstGeom prst="rect">
+            <a:avLst/>
+          </a:prstGeom>
+        </p:spPr>
+        <p:txBody>
+          <a:bodyPr wrap="none">
+            <a:spAutoFit/>
+          </a:bodyPr>
+          <a:lstStyle/>
+          <a:p>
+            <a:r>
+              <a:rPr lang="ja-JP" altLang="en-US"/>
+              <a:t>本物のデータを提供</a:t>
+            </a:r>
+          </a:p>
+        </p:txBody>
+      </p:sp>
+      <p:sp>
+        <p:nvSpPr>
+          <p:cNvPr id="14" name="右矢印 13">
+            <a:extLst>
+              <a:ext uri="{FF2B5EF4-FFF2-40B4-BE49-F238E27FC236}">
+                <a16:creationId xmlns:a16="http://schemas.microsoft.com/office/drawing/2014/main" id="{27F279EE-6524-9742-932C-33EEB0B0B952}"/>
+              </a:ext>
+            </a:extLst>
+          </p:cNvPr>
+          <p:cNvSpPr/>
+          <p:nvPr/>
+        </p:nvSpPr>
+        <p:spPr>
+          <a:xfrm rot="18900000">
+            <a:off x="4170150" y="3939361"/>
+            <a:ext cx="611195" cy="494416"/>
+          </a:xfrm>
+          <a:prstGeom prst="rightArrow">
+            <a:avLst/>
+          </a:prstGeom>
+          <a:solidFill>
+            <a:srgbClr val="FF0000"/>
+          </a:solidFill>
+          <a:ln>
+            <a:solidFill>
+              <a:schemeClr val="tx1"/>
+            </a:solidFill>
+          </a:ln>
+        </p:spPr>
+        <p:style>
+          <a:lnRef idx="2">
+            <a:schemeClr val="accent1">
+              <a:shade val="50000"/>
+            </a:schemeClr>
+          </a:lnRef>
+          <a:fillRef idx="1">
+            <a:schemeClr val="accent1"/>
+          </a:fillRef>
+          <a:effectRef idx="0">
+            <a:schemeClr val="accent1"/>
+          </a:effectRef>
+          <a:fontRef idx="minor">
+            <a:schemeClr val="lt1"/>
+          </a:fontRef>
+        </p:style>
+        <p:txBody>
+          <a:bodyPr rtlCol="0" anchor="ctr"/>
+          <a:lstStyle/>
+          <a:p>
+            <a:pPr algn="ctr"/>
+            <a:endParaRPr kumimoji="1" lang="ja-JP" altLang="en-US"/>
+          </a:p>
+        </p:txBody>
+      </p:sp>
+      <p:sp>
+        <p:nvSpPr>
+          <p:cNvPr id="15" name="テキスト ボックス 14">
+            <a:extLst>
+              <a:ext uri="{FF2B5EF4-FFF2-40B4-BE49-F238E27FC236}">
+                <a16:creationId xmlns:a16="http://schemas.microsoft.com/office/drawing/2014/main" id="{2D179062-1057-B74A-AA19-31A7E8233931}"/>
+              </a:ext>
+            </a:extLst>
+          </p:cNvPr>
+          <p:cNvSpPr txBox="1"/>
+          <p:nvPr/>
+        </p:nvSpPr>
+        <p:spPr>
+          <a:xfrm>
+            <a:off x="2865120" y="81280"/>
+            <a:ext cx="3570208" cy="461665"/>
+          </a:xfrm>
+          <a:prstGeom prst="rect">
+            <a:avLst/>
+          </a:prstGeom>
+          <a:noFill/>
+        </p:spPr>
+        <p:txBody>
+          <a:bodyPr wrap="none" rtlCol="0">
+            <a:spAutoFit/>
+          </a:bodyPr>
+          <a:lstStyle/>
+          <a:p>
+            <a:r>
+              <a:rPr kumimoji="1" lang="ja-JP" altLang="en-US" sz="2400"/>
+              <a:t>敵対的生成ネットワーク</a:t>
+            </a:r>
+          </a:p>
+        </p:txBody>
+      </p:sp>
+      <p:pic>
+        <p:nvPicPr>
+          <p:cNvPr id="16" name="図 15">
+            <a:extLst>
+              <a:ext uri="{FF2B5EF4-FFF2-40B4-BE49-F238E27FC236}">
+                <a16:creationId xmlns:a16="http://schemas.microsoft.com/office/drawing/2014/main" id="{AEABA9DD-FDA4-6E49-86AF-22CA93D5FF63}"/>
+              </a:ext>
+            </a:extLst>
+          </p:cNvPr>
+          <p:cNvPicPr>
+            <a:picLocks noChangeAspect="1"/>
+          </p:cNvPicPr>
+          <p:nvPr/>
+        </p:nvPicPr>
+        <p:blipFill>
+          <a:blip r:embed="rId6"/>
+          <a:stretch>
+            <a:fillRect/>
+          </a:stretch>
+        </p:blipFill>
+        <p:spPr>
+          <a:xfrm>
+            <a:off x="4819650" y="2600959"/>
+            <a:ext cx="1347470" cy="1522565"/>
+          </a:xfrm>
+          <a:prstGeom prst="rect">
+            <a:avLst/>
+          </a:prstGeom>
+        </p:spPr>
+      </p:pic>
+      <p:sp>
+        <p:nvSpPr>
+          <p:cNvPr id="17" name="右矢印 16">
+            <a:extLst>
+              <a:ext uri="{FF2B5EF4-FFF2-40B4-BE49-F238E27FC236}">
+                <a16:creationId xmlns:a16="http://schemas.microsoft.com/office/drawing/2014/main" id="{F827E77E-76DA-D74C-88B4-98E95389A8BD}"/>
+              </a:ext>
+            </a:extLst>
+          </p:cNvPr>
+          <p:cNvSpPr/>
+          <p:nvPr/>
+        </p:nvSpPr>
+        <p:spPr>
+          <a:xfrm rot="2700000">
+            <a:off x="4119349" y="2435681"/>
+            <a:ext cx="611195" cy="494416"/>
+          </a:xfrm>
+          <a:prstGeom prst="rightArrow">
+            <a:avLst/>
+          </a:prstGeom>
+          <a:solidFill>
+            <a:srgbClr val="FF0000"/>
+          </a:solidFill>
+          <a:ln>
+            <a:solidFill>
+              <a:schemeClr val="tx1"/>
+            </a:solidFill>
+          </a:ln>
+        </p:spPr>
+        <p:style>
+          <a:lnRef idx="2">
+            <a:schemeClr val="accent1">
+              <a:shade val="50000"/>
+            </a:schemeClr>
+          </a:lnRef>
+          <a:fillRef idx="1">
+            <a:schemeClr val="accent1"/>
+          </a:fillRef>
+          <a:effectRef idx="0">
+            <a:schemeClr val="accent1"/>
+          </a:effectRef>
+          <a:fontRef idx="minor">
+            <a:schemeClr val="lt1"/>
+          </a:fontRef>
+        </p:style>
+        <p:txBody>
+          <a:bodyPr rtlCol="0" anchor="ctr"/>
+          <a:lstStyle/>
+          <a:p>
+            <a:pPr algn="ctr"/>
+            <a:endParaRPr kumimoji="1" lang="ja-JP" altLang="en-US"/>
+          </a:p>
+        </p:txBody>
+      </p:sp>
+    </p:spTree>
+    <p:extLst>
+      <p:ext uri="{BB962C8B-B14F-4D97-AF65-F5344CB8AC3E}">
+        <p14:creationId xmlns:p14="http://schemas.microsoft.com/office/powerpoint/2010/main" val="297957591"/>
       </p:ext>
     </p:extLst>
   </p:cSld>
